--- a/Programming Paradigms.pptx
+++ b/Programming Paradigms.pptx
@@ -1,40 +1,47 @@
 
 <file path=ppt/presentation.xml><?xml version="1.0" encoding="utf-8"?>
-<p:presentation xmlns:a="http://schemas.openxmlformats.org/drawingml/2006/main" xmlns:r="http://schemas.openxmlformats.org/officeDocument/2006/relationships" xmlns:mc="http://schemas.openxmlformats.org/markup-compatibility/2006" xmlns:mv="urn:schemas-microsoft-com:mac:vml" xmlns:p="http://schemas.openxmlformats.org/presentationml/2006/main" xmlns:c="http://schemas.openxmlformats.org/drawingml/2006/chart" xmlns:dgm="http://schemas.openxmlformats.org/drawingml/2006/diagram" xmlns:o="urn:schemas-microsoft-com:office:office" xmlns:v="urn:schemas-microsoft-com:vml" xmlns:pvml="urn:schemas-microsoft-com:office:powerpoint" xmlns:com="http://schemas.openxmlformats.org/drawingml/2006/compatibility" xmlns:p14="http://schemas.microsoft.com/office/powerpoint/2010/main" xmlns:p15="http://schemas.microsoft.com/office/powerpoint/2012/main" xmlns:ahyp="http://schemas.microsoft.com/office/drawing/2018/hyperlinkcolor" autoCompressPictures="0" embedTrueTypeFonts="1" strictFirstAndLastChars="0" saveSubsetFonts="1" showSpecialPlsOnTitleSld="0">
+<p:presentation xmlns:a="http://schemas.openxmlformats.org/drawingml/2006/main" xmlns:r="http://schemas.openxmlformats.org/officeDocument/2006/relationships" xmlns:p="http://schemas.openxmlformats.org/presentationml/2006/main" showSpecialPlsOnTitleSld="0" strictFirstAndLastChars="0" embedTrueTypeFonts="1" saveSubsetFonts="1" autoCompressPictures="0">
   <p:sldMasterIdLst>
-    <p:sldMasterId id="2147483659" r:id="rId3"/>
+    <p:sldMasterId id="2147483659" r:id="rId1"/>
   </p:sldMasterIdLst>
   <p:notesMasterIdLst>
-    <p:notesMasterId r:id="rId4"/>
+    <p:notesMasterId r:id="rId17"/>
   </p:notesMasterIdLst>
   <p:sldIdLst>
-    <p:sldId id="256" r:id="rId5"/>
-    <p:sldId id="257" r:id="rId6"/>
-    <p:sldId id="258" r:id="rId7"/>
-    <p:sldId id="259" r:id="rId8"/>
-    <p:sldId id="260" r:id="rId9"/>
-    <p:sldId id="261" r:id="rId10"/>
-    <p:sldId id="262" r:id="rId11"/>
-    <p:sldId id="263" r:id="rId12"/>
-    <p:sldId id="264" r:id="rId13"/>
-    <p:sldId id="265" r:id="rId14"/>
-    <p:sldId id="266" r:id="rId15"/>
-    <p:sldId id="267" r:id="rId16"/>
-    <p:sldId id="268" r:id="rId17"/>
-    <p:sldId id="269" r:id="rId18"/>
-    <p:sldId id="270" r:id="rId19"/>
+    <p:sldId id="256" r:id="rId2"/>
+    <p:sldId id="257" r:id="rId3"/>
+    <p:sldId id="258" r:id="rId4"/>
+    <p:sldId id="259" r:id="rId5"/>
+    <p:sldId id="260" r:id="rId6"/>
+    <p:sldId id="261" r:id="rId7"/>
+    <p:sldId id="262" r:id="rId8"/>
+    <p:sldId id="263" r:id="rId9"/>
+    <p:sldId id="264" r:id="rId10"/>
+    <p:sldId id="265" r:id="rId11"/>
+    <p:sldId id="266" r:id="rId12"/>
+    <p:sldId id="267" r:id="rId13"/>
+    <p:sldId id="268" r:id="rId14"/>
+    <p:sldId id="269" r:id="rId15"/>
+    <p:sldId id="270" r:id="rId16"/>
   </p:sldIdLst>
-  <p:sldSz cy="5143500" cx="9144000"/>
+  <p:sldSz cx="9144000" cy="5143500" type="screen16x9"/>
   <p:notesSz cx="6858000" cy="9144000"/>
   <p:embeddedFontLst>
     <p:embeddedFont>
-      <p:font typeface="Lexend Deca"/>
-      <p:regular r:id="rId20"/>
-      <p:bold r:id="rId21"/>
+      <p:font typeface="Comic Sans MS" panose="030F0702030302020204" pitchFamily="66" charset="0"/>
+      <p:regular r:id="rId18"/>
+      <p:bold r:id="rId19"/>
+      <p:italic r:id="rId20"/>
+      <p:boldItalic r:id="rId21"/>
+    </p:embeddedFont>
+    <p:embeddedFont>
+      <p:font typeface="Lexend Deca" panose="020B0604020202020204" charset="0"/>
+      <p:regular r:id="rId22"/>
+      <p:bold r:id="rId23"/>
     </p:embeddedFont>
   </p:embeddedFontLst>
   <p:defaultTextStyle>
-    <a:defPPr lvl="0" marR="0" rtl="0" algn="l">
+    <a:defPPr marR="0" lvl="0" algn="l" rtl="0">
       <a:lnSpc>
         <a:spcPct val="100000"/>
       </a:lnSpc>
@@ -45,7 +52,7 @@
         <a:spcPts val="0"/>
       </a:spcAft>
     </a:defPPr>
-    <a:lvl1pPr lvl="0" marR="0" rtl="0" algn="l">
+    <a:lvl1pPr marR="0" lvl="0" algn="l" rtl="0">
       <a:lnSpc>
         <a:spcPct val="100000"/>
       </a:lnSpc>
@@ -59,7 +66,7 @@
         <a:srgbClr val="000000"/>
       </a:buClr>
       <a:buFont typeface="Arial"/>
-      <a:defRPr b="0" i="0" sz="1400" u="none" cap="none" strike="noStrike">
+      <a:defRPr sz="1400" b="0" i="0" u="none" strike="noStrike" cap="none">
         <a:solidFill>
           <a:srgbClr val="000000"/>
         </a:solidFill>
@@ -69,7 +76,7 @@
         <a:sym typeface="Arial"/>
       </a:defRPr>
     </a:lvl1pPr>
-    <a:lvl2pPr lvl="1" marR="0" rtl="0" algn="l">
+    <a:lvl2pPr marR="0" lvl="1" algn="l" rtl="0">
       <a:lnSpc>
         <a:spcPct val="100000"/>
       </a:lnSpc>
@@ -83,7 +90,7 @@
         <a:srgbClr val="000000"/>
       </a:buClr>
       <a:buFont typeface="Arial"/>
-      <a:defRPr b="0" i="0" sz="1400" u="none" cap="none" strike="noStrike">
+      <a:defRPr sz="1400" b="0" i="0" u="none" strike="noStrike" cap="none">
         <a:solidFill>
           <a:srgbClr val="000000"/>
         </a:solidFill>
@@ -93,7 +100,7 @@
         <a:sym typeface="Arial"/>
       </a:defRPr>
     </a:lvl2pPr>
-    <a:lvl3pPr lvl="2" marR="0" rtl="0" algn="l">
+    <a:lvl3pPr marR="0" lvl="2" algn="l" rtl="0">
       <a:lnSpc>
         <a:spcPct val="100000"/>
       </a:lnSpc>
@@ -107,7 +114,7 @@
         <a:srgbClr val="000000"/>
       </a:buClr>
       <a:buFont typeface="Arial"/>
-      <a:defRPr b="0" i="0" sz="1400" u="none" cap="none" strike="noStrike">
+      <a:defRPr sz="1400" b="0" i="0" u="none" strike="noStrike" cap="none">
         <a:solidFill>
           <a:srgbClr val="000000"/>
         </a:solidFill>
@@ -117,7 +124,7 @@
         <a:sym typeface="Arial"/>
       </a:defRPr>
     </a:lvl3pPr>
-    <a:lvl4pPr lvl="3" marR="0" rtl="0" algn="l">
+    <a:lvl4pPr marR="0" lvl="3" algn="l" rtl="0">
       <a:lnSpc>
         <a:spcPct val="100000"/>
       </a:lnSpc>
@@ -131,7 +138,7 @@
         <a:srgbClr val="000000"/>
       </a:buClr>
       <a:buFont typeface="Arial"/>
-      <a:defRPr b="0" i="0" sz="1400" u="none" cap="none" strike="noStrike">
+      <a:defRPr sz="1400" b="0" i="0" u="none" strike="noStrike" cap="none">
         <a:solidFill>
           <a:srgbClr val="000000"/>
         </a:solidFill>
@@ -141,7 +148,7 @@
         <a:sym typeface="Arial"/>
       </a:defRPr>
     </a:lvl4pPr>
-    <a:lvl5pPr lvl="4" marR="0" rtl="0" algn="l">
+    <a:lvl5pPr marR="0" lvl="4" algn="l" rtl="0">
       <a:lnSpc>
         <a:spcPct val="100000"/>
       </a:lnSpc>
@@ -155,7 +162,7 @@
         <a:srgbClr val="000000"/>
       </a:buClr>
       <a:buFont typeface="Arial"/>
-      <a:defRPr b="0" i="0" sz="1400" u="none" cap="none" strike="noStrike">
+      <a:defRPr sz="1400" b="0" i="0" u="none" strike="noStrike" cap="none">
         <a:solidFill>
           <a:srgbClr val="000000"/>
         </a:solidFill>
@@ -165,7 +172,7 @@
         <a:sym typeface="Arial"/>
       </a:defRPr>
     </a:lvl5pPr>
-    <a:lvl6pPr lvl="5" marR="0" rtl="0" algn="l">
+    <a:lvl6pPr marR="0" lvl="5" algn="l" rtl="0">
       <a:lnSpc>
         <a:spcPct val="100000"/>
       </a:lnSpc>
@@ -179,7 +186,7 @@
         <a:srgbClr val="000000"/>
       </a:buClr>
       <a:buFont typeface="Arial"/>
-      <a:defRPr b="0" i="0" sz="1400" u="none" cap="none" strike="noStrike">
+      <a:defRPr sz="1400" b="0" i="0" u="none" strike="noStrike" cap="none">
         <a:solidFill>
           <a:srgbClr val="000000"/>
         </a:solidFill>
@@ -189,7 +196,7 @@
         <a:sym typeface="Arial"/>
       </a:defRPr>
     </a:lvl6pPr>
-    <a:lvl7pPr lvl="6" marR="0" rtl="0" algn="l">
+    <a:lvl7pPr marR="0" lvl="6" algn="l" rtl="0">
       <a:lnSpc>
         <a:spcPct val="100000"/>
       </a:lnSpc>
@@ -203,7 +210,7 @@
         <a:srgbClr val="000000"/>
       </a:buClr>
       <a:buFont typeface="Arial"/>
-      <a:defRPr b="0" i="0" sz="1400" u="none" cap="none" strike="noStrike">
+      <a:defRPr sz="1400" b="0" i="0" u="none" strike="noStrike" cap="none">
         <a:solidFill>
           <a:srgbClr val="000000"/>
         </a:solidFill>
@@ -213,7 +220,7 @@
         <a:sym typeface="Arial"/>
       </a:defRPr>
     </a:lvl7pPr>
-    <a:lvl8pPr lvl="7" marR="0" rtl="0" algn="l">
+    <a:lvl8pPr marR="0" lvl="7" algn="l" rtl="0">
       <a:lnSpc>
         <a:spcPct val="100000"/>
       </a:lnSpc>
@@ -227,7 +234,7 @@
         <a:srgbClr val="000000"/>
       </a:buClr>
       <a:buFont typeface="Arial"/>
-      <a:defRPr b="0" i="0" sz="1400" u="none" cap="none" strike="noStrike">
+      <a:defRPr sz="1400" b="0" i="0" u="none" strike="noStrike" cap="none">
         <a:solidFill>
           <a:srgbClr val="000000"/>
         </a:solidFill>
@@ -237,7 +244,7 @@
         <a:sym typeface="Arial"/>
       </a:defRPr>
     </a:lvl8pPr>
-    <a:lvl9pPr lvl="8" marR="0" rtl="0" algn="l">
+    <a:lvl9pPr marR="0" lvl="8" algn="l" rtl="0">
       <a:lnSpc>
         <a:spcPct val="100000"/>
       </a:lnSpc>
@@ -251,7 +258,7 @@
         <a:srgbClr val="000000"/>
       </a:buClr>
       <a:buFont typeface="Arial"/>
-      <a:defRPr b="0" i="0" sz="1400" u="none" cap="none" strike="noStrike">
+      <a:defRPr sz="1400" b="0" i="0" u="none" strike="noStrike" cap="none">
         <a:solidFill>
           <a:srgbClr val="000000"/>
         </a:solidFill>
@@ -262,15 +269,25 @@
       </a:defRPr>
     </a:lvl9pPr>
   </p:defaultTextStyle>
+  <p:extLst>
+    <p:ext uri="{EFAFB233-063F-42B5-8137-9DF3F51BA10A}">
+      <p15:sldGuideLst xmlns:p15="http://schemas.microsoft.com/office/powerpoint/2012/main"/>
+    </p:ext>
+  </p:extLst>
 </p:presentation>
 </file>
 
 <file path=ppt/notesMasters/notesMaster1.xml><?xml version="1.0" encoding="utf-8"?>
-<p:notesMaster xmlns:a="http://schemas.openxmlformats.org/drawingml/2006/main" xmlns:r="http://schemas.openxmlformats.org/officeDocument/2006/relationships" xmlns:mc="http://schemas.openxmlformats.org/markup-compatibility/2006" xmlns:mv="urn:schemas-microsoft-com:mac:vml" xmlns:p="http://schemas.openxmlformats.org/presentationml/2006/main" xmlns:c="http://schemas.openxmlformats.org/drawingml/2006/chart" xmlns:dgm="http://schemas.openxmlformats.org/drawingml/2006/diagram" xmlns:o="urn:schemas-microsoft-com:office:office" xmlns:v="urn:schemas-microsoft-com:vml" xmlns:pvml="urn:schemas-microsoft-com:office:powerpoint" xmlns:com="http://schemas.openxmlformats.org/drawingml/2006/compatibility" xmlns:p14="http://schemas.microsoft.com/office/powerpoint/2010/main" xmlns:p15="http://schemas.microsoft.com/office/powerpoint/2012/main" xmlns:ahyp="http://schemas.microsoft.com/office/drawing/2018/hyperlinkcolor">
+<p:notesMaster xmlns:a="http://schemas.openxmlformats.org/drawingml/2006/main" xmlns:r="http://schemas.openxmlformats.org/officeDocument/2006/relationships" xmlns:p="http://schemas.openxmlformats.org/presentationml/2006/main">
   <p:cSld>
+    <p:bg>
+      <p:bgRef idx="1001">
+        <a:schemeClr val="bg1"/>
+      </p:bgRef>
+    </p:bg>
     <p:spTree>
       <p:nvGrpSpPr>
-        <p:cNvPr id="2" name="Shape 2"/>
+        <p:cNvPr id="1" name="Shape 2"/>
         <p:cNvGrpSpPr/>
         <p:nvPr/>
       </p:nvGrpSpPr>
@@ -285,9 +302,11 @@
       <p:sp>
         <p:nvSpPr>
           <p:cNvPr id="3" name="Google Shape;3;n"/>
-          <p:cNvSpPr/>
+          <p:cNvSpPr>
+            <a:spLocks noGrp="1" noRot="1" noChangeAspect="1"/>
+          </p:cNvSpPr>
           <p:nvPr>
-            <p:ph idx="2" type="sldImg"/>
+            <p:ph type="sldImg" idx="2"/>
           </p:nvPr>
         </p:nvSpPr>
         <p:spPr>
@@ -296,9 +315,13 @@
             <a:ext cx="6096300" cy="3429000"/>
           </a:xfrm>
           <a:custGeom>
-            <a:rect b="b" l="l" r="r" t="t"/>
+            <a:avLst/>
+            <a:gdLst/>
+            <a:ahLst/>
+            <a:cxnLst/>
+            <a:rect l="l" t="t" r="r" b="b"/>
             <a:pathLst>
-              <a:path extrusionOk="0" h="120000" w="120000">
+              <a:path w="120000" h="120000" extrusionOk="0">
                 <a:moveTo>
                   <a:pt x="0" y="0"/>
                 </a:moveTo>
@@ -316,23 +339,25 @@
             </a:pathLst>
           </a:custGeom>
           <a:noFill/>
-          <a:ln cap="flat" cmpd="sng" w="9525">
+          <a:ln w="9525" cap="flat" cmpd="sng">
             <a:solidFill>
               <a:srgbClr val="000000"/>
             </a:solidFill>
             <a:prstDash val="solid"/>
             <a:round/>
-            <a:headEnd len="sm" w="sm" type="none"/>
-            <a:tailEnd len="sm" w="sm" type="none"/>
+            <a:headEnd type="none" w="sm" len="sm"/>
+            <a:tailEnd type="none" w="sm" len="sm"/>
           </a:ln>
         </p:spPr>
       </p:sp>
       <p:sp>
         <p:nvSpPr>
           <p:cNvPr id="4" name="Google Shape;4;n"/>
-          <p:cNvSpPr txBox="1"/>
+          <p:cNvSpPr txBox="1">
+            <a:spLocks noGrp="1"/>
+          </p:cNvSpPr>
           <p:nvPr>
-            <p:ph idx="1" type="body"/>
+            <p:ph type="body" idx="1"/>
           </p:nvPr>
         </p:nvSpPr>
         <p:spPr>
@@ -349,11 +374,11 @@
           </a:ln>
         </p:spPr>
         <p:txBody>
-          <a:bodyPr anchorCtr="0" anchor="t" bIns="91425" lIns="91425" spcFirstLastPara="1" rIns="91425" wrap="square" tIns="91425">
+          <a:bodyPr spcFirstLastPara="1" wrap="square" lIns="91425" tIns="91425" rIns="91425" bIns="91425" anchor="t" anchorCtr="0">
             <a:noAutofit/>
           </a:bodyPr>
           <a:lstStyle>
-            <a:lvl1pPr indent="-317500" lvl="0" marL="457200">
+            <a:lvl1pPr marL="457200" lvl="0" indent="-317500">
               <a:spcBef>
                 <a:spcPts val="0"/>
               </a:spcBef>
@@ -364,7 +389,7 @@
               <a:buChar char="●"/>
               <a:defRPr sz="1100"/>
             </a:lvl1pPr>
-            <a:lvl2pPr indent="-317500" lvl="1" marL="914400">
+            <a:lvl2pPr marL="914400" lvl="1" indent="-317500">
               <a:spcBef>
                 <a:spcPts val="0"/>
               </a:spcBef>
@@ -375,7 +400,7 @@
               <a:buChar char="○"/>
               <a:defRPr sz="1100"/>
             </a:lvl2pPr>
-            <a:lvl3pPr indent="-317500" lvl="2" marL="1371600">
+            <a:lvl3pPr marL="1371600" lvl="2" indent="-317500">
               <a:spcBef>
                 <a:spcPts val="0"/>
               </a:spcBef>
@@ -386,7 +411,7 @@
               <a:buChar char="■"/>
               <a:defRPr sz="1100"/>
             </a:lvl3pPr>
-            <a:lvl4pPr indent="-317500" lvl="3" marL="1828800">
+            <a:lvl4pPr marL="1828800" lvl="3" indent="-317500">
               <a:spcBef>
                 <a:spcPts val="0"/>
               </a:spcBef>
@@ -397,7 +422,7 @@
               <a:buChar char="●"/>
               <a:defRPr sz="1100"/>
             </a:lvl4pPr>
-            <a:lvl5pPr indent="-317500" lvl="4" marL="2286000">
+            <a:lvl5pPr marL="2286000" lvl="4" indent="-317500">
               <a:spcBef>
                 <a:spcPts val="0"/>
               </a:spcBef>
@@ -408,7 +433,7 @@
               <a:buChar char="○"/>
               <a:defRPr sz="1100"/>
             </a:lvl5pPr>
-            <a:lvl6pPr indent="-317500" lvl="5" marL="2743200">
+            <a:lvl6pPr marL="2743200" lvl="5" indent="-317500">
               <a:spcBef>
                 <a:spcPts val="0"/>
               </a:spcBef>
@@ -419,7 +444,7 @@
               <a:buChar char="■"/>
               <a:defRPr sz="1100"/>
             </a:lvl6pPr>
-            <a:lvl7pPr indent="-317500" lvl="6" marL="3200400">
+            <a:lvl7pPr marL="3200400" lvl="6" indent="-317500">
               <a:spcBef>
                 <a:spcPts val="0"/>
               </a:spcBef>
@@ -430,7 +455,7 @@
               <a:buChar char="●"/>
               <a:defRPr sz="1100"/>
             </a:lvl7pPr>
-            <a:lvl8pPr indent="-317500" lvl="7" marL="3657600">
+            <a:lvl8pPr marL="3657600" lvl="7" indent="-317500">
               <a:spcBef>
                 <a:spcPts val="0"/>
               </a:spcBef>
@@ -441,7 +466,7 @@
               <a:buChar char="○"/>
               <a:defRPr sz="1100"/>
             </a:lvl8pPr>
-            <a:lvl9pPr indent="-317500" lvl="8" marL="4114800">
+            <a:lvl9pPr marL="4114800" lvl="8" indent="-317500">
               <a:spcBef>
                 <a:spcPts val="0"/>
               </a:spcBef>
@@ -453,14 +478,16 @@
               <a:defRPr sz="1100"/>
             </a:lvl9pPr>
           </a:lstStyle>
-          <a:p/>
+          <a:p>
+            <a:endParaRPr/>
+          </a:p>
         </p:txBody>
       </p:sp>
     </p:spTree>
   </p:cSld>
-  <p:clrMap accent1="accent1" accent2="accent2" accent3="accent3" accent4="accent4" accent5="accent5" accent6="accent6" bg1="lt1" bg2="dk2" tx1="dk1" tx2="lt2" folHlink="folHlink" hlink="hlink"/>
+  <p:clrMap bg1="lt1" tx1="dk1" bg2="dk2" tx2="lt2" accent1="accent1" accent2="accent2" accent3="accent3" accent4="accent4" accent5="accent5" accent6="accent6" hlink="hlink" folHlink="folHlink"/>
   <p:notesStyle>
-    <a:defPPr lvl="0" marR="0" rtl="0" algn="l">
+    <a:defPPr marR="0" lvl="0" algn="l" rtl="0">
       <a:lnSpc>
         <a:spcPct val="100000"/>
       </a:lnSpc>
@@ -471,7 +498,7 @@
         <a:spcPts val="0"/>
       </a:spcAft>
     </a:defPPr>
-    <a:lvl1pPr lvl="0" marR="0" rtl="0" algn="l">
+    <a:lvl1pPr marR="0" lvl="0" algn="l" rtl="0">
       <a:lnSpc>
         <a:spcPct val="100000"/>
       </a:lnSpc>
@@ -485,7 +512,7 @@
         <a:srgbClr val="000000"/>
       </a:buClr>
       <a:buFont typeface="Arial"/>
-      <a:defRPr b="0" i="0" sz="1400" u="none" cap="none" strike="noStrike">
+      <a:defRPr sz="1400" b="0" i="0" u="none" strike="noStrike" cap="none">
         <a:solidFill>
           <a:srgbClr val="000000"/>
         </a:solidFill>
@@ -495,7 +522,7 @@
         <a:sym typeface="Arial"/>
       </a:defRPr>
     </a:lvl1pPr>
-    <a:lvl2pPr lvl="1" marR="0" rtl="0" algn="l">
+    <a:lvl2pPr marR="0" lvl="1" algn="l" rtl="0">
       <a:lnSpc>
         <a:spcPct val="100000"/>
       </a:lnSpc>
@@ -509,7 +536,7 @@
         <a:srgbClr val="000000"/>
       </a:buClr>
       <a:buFont typeface="Arial"/>
-      <a:defRPr b="0" i="0" sz="1400" u="none" cap="none" strike="noStrike">
+      <a:defRPr sz="1400" b="0" i="0" u="none" strike="noStrike" cap="none">
         <a:solidFill>
           <a:srgbClr val="000000"/>
         </a:solidFill>
@@ -519,7 +546,7 @@
         <a:sym typeface="Arial"/>
       </a:defRPr>
     </a:lvl2pPr>
-    <a:lvl3pPr lvl="2" marR="0" rtl="0" algn="l">
+    <a:lvl3pPr marR="0" lvl="2" algn="l" rtl="0">
       <a:lnSpc>
         <a:spcPct val="100000"/>
       </a:lnSpc>
@@ -533,7 +560,7 @@
         <a:srgbClr val="000000"/>
       </a:buClr>
       <a:buFont typeface="Arial"/>
-      <a:defRPr b="0" i="0" sz="1400" u="none" cap="none" strike="noStrike">
+      <a:defRPr sz="1400" b="0" i="0" u="none" strike="noStrike" cap="none">
         <a:solidFill>
           <a:srgbClr val="000000"/>
         </a:solidFill>
@@ -543,7 +570,7 @@
         <a:sym typeface="Arial"/>
       </a:defRPr>
     </a:lvl3pPr>
-    <a:lvl4pPr lvl="3" marR="0" rtl="0" algn="l">
+    <a:lvl4pPr marR="0" lvl="3" algn="l" rtl="0">
       <a:lnSpc>
         <a:spcPct val="100000"/>
       </a:lnSpc>
@@ -557,7 +584,7 @@
         <a:srgbClr val="000000"/>
       </a:buClr>
       <a:buFont typeface="Arial"/>
-      <a:defRPr b="0" i="0" sz="1400" u="none" cap="none" strike="noStrike">
+      <a:defRPr sz="1400" b="0" i="0" u="none" strike="noStrike" cap="none">
         <a:solidFill>
           <a:srgbClr val="000000"/>
         </a:solidFill>
@@ -567,7 +594,7 @@
         <a:sym typeface="Arial"/>
       </a:defRPr>
     </a:lvl4pPr>
-    <a:lvl5pPr lvl="4" marR="0" rtl="0" algn="l">
+    <a:lvl5pPr marR="0" lvl="4" algn="l" rtl="0">
       <a:lnSpc>
         <a:spcPct val="100000"/>
       </a:lnSpc>
@@ -581,7 +608,7 @@
         <a:srgbClr val="000000"/>
       </a:buClr>
       <a:buFont typeface="Arial"/>
-      <a:defRPr b="0" i="0" sz="1400" u="none" cap="none" strike="noStrike">
+      <a:defRPr sz="1400" b="0" i="0" u="none" strike="noStrike" cap="none">
         <a:solidFill>
           <a:srgbClr val="000000"/>
         </a:solidFill>
@@ -591,7 +618,7 @@
         <a:sym typeface="Arial"/>
       </a:defRPr>
     </a:lvl5pPr>
-    <a:lvl6pPr lvl="5" marR="0" rtl="0" algn="l">
+    <a:lvl6pPr marR="0" lvl="5" algn="l" rtl="0">
       <a:lnSpc>
         <a:spcPct val="100000"/>
       </a:lnSpc>
@@ -605,7 +632,7 @@
         <a:srgbClr val="000000"/>
       </a:buClr>
       <a:buFont typeface="Arial"/>
-      <a:defRPr b="0" i="0" sz="1400" u="none" cap="none" strike="noStrike">
+      <a:defRPr sz="1400" b="0" i="0" u="none" strike="noStrike" cap="none">
         <a:solidFill>
           <a:srgbClr val="000000"/>
         </a:solidFill>
@@ -615,7 +642,7 @@
         <a:sym typeface="Arial"/>
       </a:defRPr>
     </a:lvl6pPr>
-    <a:lvl7pPr lvl="6" marR="0" rtl="0" algn="l">
+    <a:lvl7pPr marR="0" lvl="6" algn="l" rtl="0">
       <a:lnSpc>
         <a:spcPct val="100000"/>
       </a:lnSpc>
@@ -629,7 +656,7 @@
         <a:srgbClr val="000000"/>
       </a:buClr>
       <a:buFont typeface="Arial"/>
-      <a:defRPr b="0" i="0" sz="1400" u="none" cap="none" strike="noStrike">
+      <a:defRPr sz="1400" b="0" i="0" u="none" strike="noStrike" cap="none">
         <a:solidFill>
           <a:srgbClr val="000000"/>
         </a:solidFill>
@@ -639,7 +666,7 @@
         <a:sym typeface="Arial"/>
       </a:defRPr>
     </a:lvl7pPr>
-    <a:lvl8pPr lvl="7" marR="0" rtl="0" algn="l">
+    <a:lvl8pPr marR="0" lvl="7" algn="l" rtl="0">
       <a:lnSpc>
         <a:spcPct val="100000"/>
       </a:lnSpc>
@@ -653,7 +680,7 @@
         <a:srgbClr val="000000"/>
       </a:buClr>
       <a:buFont typeface="Arial"/>
-      <a:defRPr b="0" i="0" sz="1400" u="none" cap="none" strike="noStrike">
+      <a:defRPr sz="1400" b="0" i="0" u="none" strike="noStrike" cap="none">
         <a:solidFill>
           <a:srgbClr val="000000"/>
         </a:solidFill>
@@ -663,7 +690,7 @@
         <a:sym typeface="Arial"/>
       </a:defRPr>
     </a:lvl8pPr>
-    <a:lvl9pPr lvl="8" marR="0" rtl="0" algn="l">
+    <a:lvl9pPr marR="0" lvl="8" algn="l" rtl="0">
       <a:lnSpc>
         <a:spcPct val="100000"/>
       </a:lnSpc>
@@ -677,7 +704,7 @@
         <a:srgbClr val="000000"/>
       </a:buClr>
       <a:buFont typeface="Arial"/>
-      <a:defRPr b="0" i="0" sz="1400" u="none" cap="none" strike="noStrike">
+      <a:defRPr sz="1400" b="0" i="0" u="none" strike="noStrike" cap="none">
         <a:solidFill>
           <a:srgbClr val="000000"/>
         </a:solidFill>
@@ -692,11 +719,11 @@
 </file>
 
 <file path=ppt/notesSlides/notesSlide1.xml><?xml version="1.0" encoding="utf-8"?>
-<p:notes xmlns:a="http://schemas.openxmlformats.org/drawingml/2006/main" xmlns:r="http://schemas.openxmlformats.org/officeDocument/2006/relationships" xmlns:mc="http://schemas.openxmlformats.org/markup-compatibility/2006" xmlns:mv="urn:schemas-microsoft-com:mac:vml" xmlns:p="http://schemas.openxmlformats.org/presentationml/2006/main" xmlns:c="http://schemas.openxmlformats.org/drawingml/2006/chart" xmlns:dgm="http://schemas.openxmlformats.org/drawingml/2006/diagram" xmlns:o="urn:schemas-microsoft-com:office:office" xmlns:v="urn:schemas-microsoft-com:vml" xmlns:pvml="urn:schemas-microsoft-com:office:powerpoint" xmlns:com="http://schemas.openxmlformats.org/drawingml/2006/compatibility" xmlns:p14="http://schemas.microsoft.com/office/powerpoint/2010/main" xmlns:p15="http://schemas.microsoft.com/office/powerpoint/2012/main" xmlns:ahyp="http://schemas.microsoft.com/office/drawing/2018/hyperlinkcolor" showMasterPhAnim="0" showMasterSp="0">
+<p:notes xmlns:a="http://schemas.openxmlformats.org/drawingml/2006/main" xmlns:r="http://schemas.openxmlformats.org/officeDocument/2006/relationships" xmlns:p="http://schemas.openxmlformats.org/presentationml/2006/main" showMasterSp="0" showMasterPhAnim="0">
   <p:cSld>
     <p:spTree>
       <p:nvGrpSpPr>
-        <p:cNvPr id="56" name="Shape 56"/>
+        <p:cNvPr id="1" name="Shape 56"/>
         <p:cNvGrpSpPr/>
         <p:nvPr/>
       </p:nvGrpSpPr>
@@ -711,9 +738,11 @@
       <p:sp>
         <p:nvSpPr>
           <p:cNvPr id="57" name="Google Shape;57;g172bd9cd584_1_34:notes"/>
-          <p:cNvSpPr/>
+          <p:cNvSpPr>
+            <a:spLocks noGrp="1" noRot="1" noChangeAspect="1"/>
+          </p:cNvSpPr>
           <p:nvPr>
-            <p:ph idx="2" type="sldImg"/>
+            <p:ph type="sldImg" idx="2"/>
           </p:nvPr>
         </p:nvSpPr>
         <p:spPr>
@@ -722,9 +751,13 @@
             <a:ext cx="6096300" cy="3429000"/>
           </a:xfrm>
           <a:custGeom>
-            <a:rect b="b" l="l" r="r" t="t"/>
+            <a:avLst/>
+            <a:gdLst/>
+            <a:ahLst/>
+            <a:cxnLst/>
+            <a:rect l="l" t="t" r="r" b="b"/>
             <a:pathLst>
-              <a:path extrusionOk="0" h="120000" w="120000">
+              <a:path w="120000" h="120000" extrusionOk="0">
                 <a:moveTo>
                   <a:pt x="0" y="0"/>
                 </a:moveTo>
@@ -746,9 +779,11 @@
       <p:sp>
         <p:nvSpPr>
           <p:cNvPr id="58" name="Google Shape;58;g172bd9cd584_1_34:notes"/>
-          <p:cNvSpPr txBox="1"/>
+          <p:cNvSpPr txBox="1">
+            <a:spLocks noGrp="1"/>
+          </p:cNvSpPr>
           <p:nvPr>
-            <p:ph idx="1" type="body"/>
+            <p:ph type="body" idx="1"/>
           </p:nvPr>
         </p:nvSpPr>
         <p:spPr>
@@ -761,12 +796,12 @@
           </a:prstGeom>
         </p:spPr>
         <p:txBody>
-          <a:bodyPr anchorCtr="0" anchor="t" bIns="91425" lIns="91425" spcFirstLastPara="1" rIns="91425" wrap="square" tIns="91425">
+          <a:bodyPr spcFirstLastPara="1" wrap="square" lIns="91425" tIns="91425" rIns="91425" bIns="91425" anchor="t" anchorCtr="0">
             <a:noAutofit/>
           </a:bodyPr>
           <a:lstStyle/>
           <a:p>
-            <a:pPr indent="0" lvl="0" marL="0" rtl="0" algn="l">
+            <a:pPr marL="0" lvl="0" indent="0" algn="l" rtl="0">
               <a:spcBef>
                 <a:spcPts val="0"/>
               </a:spcBef>
@@ -775,9 +810,6 @@
               </a:spcAft>
               <a:buNone/>
             </a:pPr>
-            <a:r>
-              <a:t/>
-            </a:r>
             <a:endParaRPr/>
           </a:p>
         </p:txBody>
@@ -791,11 +823,11 @@
 </file>
 
 <file path=ppt/notesSlides/notesSlide10.xml><?xml version="1.0" encoding="utf-8"?>
-<p:notes xmlns:a="http://schemas.openxmlformats.org/drawingml/2006/main" xmlns:r="http://schemas.openxmlformats.org/officeDocument/2006/relationships" xmlns:mc="http://schemas.openxmlformats.org/markup-compatibility/2006" xmlns:mv="urn:schemas-microsoft-com:mac:vml" xmlns:p="http://schemas.openxmlformats.org/presentationml/2006/main" xmlns:c="http://schemas.openxmlformats.org/drawingml/2006/chart" xmlns:dgm="http://schemas.openxmlformats.org/drawingml/2006/diagram" xmlns:o="urn:schemas-microsoft-com:office:office" xmlns:v="urn:schemas-microsoft-com:vml" xmlns:pvml="urn:schemas-microsoft-com:office:powerpoint" xmlns:com="http://schemas.openxmlformats.org/drawingml/2006/compatibility" xmlns:p14="http://schemas.microsoft.com/office/powerpoint/2010/main" xmlns:p15="http://schemas.microsoft.com/office/powerpoint/2012/main" xmlns:ahyp="http://schemas.microsoft.com/office/drawing/2018/hyperlinkcolor" showMasterPhAnim="0" showMasterSp="0">
+<p:notes xmlns:a="http://schemas.openxmlformats.org/drawingml/2006/main" xmlns:r="http://schemas.openxmlformats.org/officeDocument/2006/relationships" xmlns:p="http://schemas.openxmlformats.org/presentationml/2006/main" showMasterSp="0" showMasterPhAnim="0">
   <p:cSld>
     <p:spTree>
       <p:nvGrpSpPr>
-        <p:cNvPr id="146" name="Shape 146"/>
+        <p:cNvPr id="1" name="Shape 146"/>
         <p:cNvGrpSpPr/>
         <p:nvPr/>
       </p:nvGrpSpPr>
@@ -810,9 +842,11 @@
       <p:sp>
         <p:nvSpPr>
           <p:cNvPr id="147" name="Google Shape;147;g172bd9cd584_1_9:notes"/>
-          <p:cNvSpPr/>
+          <p:cNvSpPr>
+            <a:spLocks noGrp="1" noRot="1" noChangeAspect="1"/>
+          </p:cNvSpPr>
           <p:nvPr>
-            <p:ph idx="2" type="sldImg"/>
+            <p:ph type="sldImg" idx="2"/>
           </p:nvPr>
         </p:nvSpPr>
         <p:spPr>
@@ -821,9 +855,13 @@
             <a:ext cx="6096300" cy="3429000"/>
           </a:xfrm>
           <a:custGeom>
-            <a:rect b="b" l="l" r="r" t="t"/>
+            <a:avLst/>
+            <a:gdLst/>
+            <a:ahLst/>
+            <a:cxnLst/>
+            <a:rect l="l" t="t" r="r" b="b"/>
             <a:pathLst>
-              <a:path extrusionOk="0" h="120000" w="120000">
+              <a:path w="120000" h="120000" extrusionOk="0">
                 <a:moveTo>
                   <a:pt x="0" y="0"/>
                 </a:moveTo>
@@ -845,9 +883,11 @@
       <p:sp>
         <p:nvSpPr>
           <p:cNvPr id="148" name="Google Shape;148;g172bd9cd584_1_9:notes"/>
-          <p:cNvSpPr txBox="1"/>
+          <p:cNvSpPr txBox="1">
+            <a:spLocks noGrp="1"/>
+          </p:cNvSpPr>
           <p:nvPr>
-            <p:ph idx="1" type="body"/>
+            <p:ph type="body" idx="1"/>
           </p:nvPr>
         </p:nvSpPr>
         <p:spPr>
@@ -860,12 +900,12 @@
           </a:prstGeom>
         </p:spPr>
         <p:txBody>
-          <a:bodyPr anchorCtr="0" anchor="t" bIns="91425" lIns="91425" spcFirstLastPara="1" rIns="91425" wrap="square" tIns="91425">
+          <a:bodyPr spcFirstLastPara="1" wrap="square" lIns="91425" tIns="91425" rIns="91425" bIns="91425" anchor="t" anchorCtr="0">
             <a:noAutofit/>
           </a:bodyPr>
           <a:lstStyle/>
           <a:p>
-            <a:pPr indent="0" lvl="0" marL="0" rtl="0" algn="l">
+            <a:pPr marL="0" lvl="0" indent="0" algn="l" rtl="0">
               <a:spcBef>
                 <a:spcPts val="0"/>
               </a:spcBef>
@@ -874,9 +914,6 @@
               </a:spcAft>
               <a:buNone/>
             </a:pPr>
-            <a:r>
-              <a:t/>
-            </a:r>
             <a:endParaRPr/>
           </a:p>
         </p:txBody>
@@ -890,11 +927,11 @@
 </file>
 
 <file path=ppt/notesSlides/notesSlide11.xml><?xml version="1.0" encoding="utf-8"?>
-<p:notes xmlns:a="http://schemas.openxmlformats.org/drawingml/2006/main" xmlns:r="http://schemas.openxmlformats.org/officeDocument/2006/relationships" xmlns:mc="http://schemas.openxmlformats.org/markup-compatibility/2006" xmlns:mv="urn:schemas-microsoft-com:mac:vml" xmlns:p="http://schemas.openxmlformats.org/presentationml/2006/main" xmlns:c="http://schemas.openxmlformats.org/drawingml/2006/chart" xmlns:dgm="http://schemas.openxmlformats.org/drawingml/2006/diagram" xmlns:o="urn:schemas-microsoft-com:office:office" xmlns:v="urn:schemas-microsoft-com:vml" xmlns:pvml="urn:schemas-microsoft-com:office:powerpoint" xmlns:com="http://schemas.openxmlformats.org/drawingml/2006/compatibility" xmlns:p14="http://schemas.microsoft.com/office/powerpoint/2010/main" xmlns:p15="http://schemas.microsoft.com/office/powerpoint/2012/main" xmlns:ahyp="http://schemas.microsoft.com/office/drawing/2018/hyperlinkcolor" showMasterPhAnim="0" showMasterSp="0">
+<p:notes xmlns:a="http://schemas.openxmlformats.org/drawingml/2006/main" xmlns:r="http://schemas.openxmlformats.org/officeDocument/2006/relationships" xmlns:p="http://schemas.openxmlformats.org/presentationml/2006/main" showMasterSp="0" showMasterPhAnim="0">
   <p:cSld>
     <p:spTree>
       <p:nvGrpSpPr>
-        <p:cNvPr id="152" name="Shape 152"/>
+        <p:cNvPr id="1" name="Shape 152"/>
         <p:cNvGrpSpPr/>
         <p:nvPr/>
       </p:nvGrpSpPr>
@@ -909,9 +946,11 @@
       <p:sp>
         <p:nvSpPr>
           <p:cNvPr id="153" name="Google Shape;153;g172bd9cd584_1_14:notes"/>
-          <p:cNvSpPr/>
+          <p:cNvSpPr>
+            <a:spLocks noGrp="1" noRot="1" noChangeAspect="1"/>
+          </p:cNvSpPr>
           <p:nvPr>
-            <p:ph idx="2" type="sldImg"/>
+            <p:ph type="sldImg" idx="2"/>
           </p:nvPr>
         </p:nvSpPr>
         <p:spPr>
@@ -920,9 +959,13 @@
             <a:ext cx="6096300" cy="3429000"/>
           </a:xfrm>
           <a:custGeom>
-            <a:rect b="b" l="l" r="r" t="t"/>
+            <a:avLst/>
+            <a:gdLst/>
+            <a:ahLst/>
+            <a:cxnLst/>
+            <a:rect l="l" t="t" r="r" b="b"/>
             <a:pathLst>
-              <a:path extrusionOk="0" h="120000" w="120000">
+              <a:path w="120000" h="120000" extrusionOk="0">
                 <a:moveTo>
                   <a:pt x="0" y="0"/>
                 </a:moveTo>
@@ -944,9 +987,11 @@
       <p:sp>
         <p:nvSpPr>
           <p:cNvPr id="154" name="Google Shape;154;g172bd9cd584_1_14:notes"/>
-          <p:cNvSpPr txBox="1"/>
+          <p:cNvSpPr txBox="1">
+            <a:spLocks noGrp="1"/>
+          </p:cNvSpPr>
           <p:nvPr>
-            <p:ph idx="1" type="body"/>
+            <p:ph type="body" idx="1"/>
           </p:nvPr>
         </p:nvSpPr>
         <p:spPr>
@@ -959,12 +1004,12 @@
           </a:prstGeom>
         </p:spPr>
         <p:txBody>
-          <a:bodyPr anchorCtr="0" anchor="t" bIns="91425" lIns="91425" spcFirstLastPara="1" rIns="91425" wrap="square" tIns="91425">
+          <a:bodyPr spcFirstLastPara="1" wrap="square" lIns="91425" tIns="91425" rIns="91425" bIns="91425" anchor="t" anchorCtr="0">
             <a:noAutofit/>
           </a:bodyPr>
           <a:lstStyle/>
           <a:p>
-            <a:pPr indent="0" lvl="0" marL="0" rtl="0" algn="l">
+            <a:pPr marL="0" lvl="0" indent="0" algn="l" rtl="0">
               <a:spcBef>
                 <a:spcPts val="0"/>
               </a:spcBef>
@@ -973,9 +1018,6 @@
               </a:spcAft>
               <a:buNone/>
             </a:pPr>
-            <a:r>
-              <a:t/>
-            </a:r>
             <a:endParaRPr/>
           </a:p>
         </p:txBody>
@@ -989,11 +1031,11 @@
 </file>
 
 <file path=ppt/notesSlides/notesSlide12.xml><?xml version="1.0" encoding="utf-8"?>
-<p:notes xmlns:a="http://schemas.openxmlformats.org/drawingml/2006/main" xmlns:r="http://schemas.openxmlformats.org/officeDocument/2006/relationships" xmlns:mc="http://schemas.openxmlformats.org/markup-compatibility/2006" xmlns:mv="urn:schemas-microsoft-com:mac:vml" xmlns:p="http://schemas.openxmlformats.org/presentationml/2006/main" xmlns:c="http://schemas.openxmlformats.org/drawingml/2006/chart" xmlns:dgm="http://schemas.openxmlformats.org/drawingml/2006/diagram" xmlns:o="urn:schemas-microsoft-com:office:office" xmlns:v="urn:schemas-microsoft-com:vml" xmlns:pvml="urn:schemas-microsoft-com:office:powerpoint" xmlns:com="http://schemas.openxmlformats.org/drawingml/2006/compatibility" xmlns:p14="http://schemas.microsoft.com/office/powerpoint/2010/main" xmlns:p15="http://schemas.microsoft.com/office/powerpoint/2012/main" xmlns:ahyp="http://schemas.microsoft.com/office/drawing/2018/hyperlinkcolor" showMasterPhAnim="0" showMasterSp="0">
+<p:notes xmlns:a="http://schemas.openxmlformats.org/drawingml/2006/main" xmlns:r="http://schemas.openxmlformats.org/officeDocument/2006/relationships" xmlns:p="http://schemas.openxmlformats.org/presentationml/2006/main" showMasterSp="0" showMasterPhAnim="0">
   <p:cSld>
     <p:spTree>
       <p:nvGrpSpPr>
-        <p:cNvPr id="158" name="Shape 158"/>
+        <p:cNvPr id="1" name="Shape 158"/>
         <p:cNvGrpSpPr/>
         <p:nvPr/>
       </p:nvGrpSpPr>
@@ -1008,9 +1050,11 @@
       <p:sp>
         <p:nvSpPr>
           <p:cNvPr id="159" name="Google Shape;159;g172bd9cd584_1_29:notes"/>
-          <p:cNvSpPr/>
+          <p:cNvSpPr>
+            <a:spLocks noGrp="1" noRot="1" noChangeAspect="1"/>
+          </p:cNvSpPr>
           <p:nvPr>
-            <p:ph idx="2" type="sldImg"/>
+            <p:ph type="sldImg" idx="2"/>
           </p:nvPr>
         </p:nvSpPr>
         <p:spPr>
@@ -1019,9 +1063,13 @@
             <a:ext cx="6096300" cy="3429000"/>
           </a:xfrm>
           <a:custGeom>
-            <a:rect b="b" l="l" r="r" t="t"/>
+            <a:avLst/>
+            <a:gdLst/>
+            <a:ahLst/>
+            <a:cxnLst/>
+            <a:rect l="l" t="t" r="r" b="b"/>
             <a:pathLst>
-              <a:path extrusionOk="0" h="120000" w="120000">
+              <a:path w="120000" h="120000" extrusionOk="0">
                 <a:moveTo>
                   <a:pt x="0" y="0"/>
                 </a:moveTo>
@@ -1043,9 +1091,11 @@
       <p:sp>
         <p:nvSpPr>
           <p:cNvPr id="160" name="Google Shape;160;g172bd9cd584_1_29:notes"/>
-          <p:cNvSpPr txBox="1"/>
+          <p:cNvSpPr txBox="1">
+            <a:spLocks noGrp="1"/>
+          </p:cNvSpPr>
           <p:nvPr>
-            <p:ph idx="1" type="body"/>
+            <p:ph type="body" idx="1"/>
           </p:nvPr>
         </p:nvSpPr>
         <p:spPr>
@@ -1058,12 +1108,12 @@
           </a:prstGeom>
         </p:spPr>
         <p:txBody>
-          <a:bodyPr anchorCtr="0" anchor="t" bIns="91425" lIns="91425" spcFirstLastPara="1" rIns="91425" wrap="square" tIns="91425">
+          <a:bodyPr spcFirstLastPara="1" wrap="square" lIns="91425" tIns="91425" rIns="91425" bIns="91425" anchor="t" anchorCtr="0">
             <a:noAutofit/>
           </a:bodyPr>
           <a:lstStyle/>
           <a:p>
-            <a:pPr indent="0" lvl="0" marL="0" rtl="0" algn="l">
+            <a:pPr marL="0" lvl="0" indent="0" algn="l" rtl="0">
               <a:spcBef>
                 <a:spcPts val="0"/>
               </a:spcBef>
@@ -1072,9 +1122,6 @@
               </a:spcAft>
               <a:buNone/>
             </a:pPr>
-            <a:r>
-              <a:t/>
-            </a:r>
             <a:endParaRPr/>
           </a:p>
         </p:txBody>
@@ -1088,11 +1135,11 @@
 </file>
 
 <file path=ppt/notesSlides/notesSlide13.xml><?xml version="1.0" encoding="utf-8"?>
-<p:notes xmlns:a="http://schemas.openxmlformats.org/drawingml/2006/main" xmlns:r="http://schemas.openxmlformats.org/officeDocument/2006/relationships" xmlns:mc="http://schemas.openxmlformats.org/markup-compatibility/2006" xmlns:mv="urn:schemas-microsoft-com:mac:vml" xmlns:p="http://schemas.openxmlformats.org/presentationml/2006/main" xmlns:c="http://schemas.openxmlformats.org/drawingml/2006/chart" xmlns:dgm="http://schemas.openxmlformats.org/drawingml/2006/diagram" xmlns:o="urn:schemas-microsoft-com:office:office" xmlns:v="urn:schemas-microsoft-com:vml" xmlns:pvml="urn:schemas-microsoft-com:office:powerpoint" xmlns:com="http://schemas.openxmlformats.org/drawingml/2006/compatibility" xmlns:p14="http://schemas.microsoft.com/office/powerpoint/2010/main" xmlns:p15="http://schemas.microsoft.com/office/powerpoint/2012/main" xmlns:ahyp="http://schemas.microsoft.com/office/drawing/2018/hyperlinkcolor" showMasterPhAnim="0" showMasterSp="0">
+<p:notes xmlns:a="http://schemas.openxmlformats.org/drawingml/2006/main" xmlns:r="http://schemas.openxmlformats.org/officeDocument/2006/relationships" xmlns:p="http://schemas.openxmlformats.org/presentationml/2006/main" showMasterSp="0" showMasterPhAnim="0">
   <p:cSld>
     <p:spTree>
       <p:nvGrpSpPr>
-        <p:cNvPr id="164" name="Shape 164"/>
+        <p:cNvPr id="1" name="Shape 164"/>
         <p:cNvGrpSpPr/>
         <p:nvPr/>
       </p:nvGrpSpPr>
@@ -1107,9 +1154,11 @@
       <p:sp>
         <p:nvSpPr>
           <p:cNvPr id="165" name="Google Shape;165;g172bd9cd584_1_19:notes"/>
-          <p:cNvSpPr/>
+          <p:cNvSpPr>
+            <a:spLocks noGrp="1" noRot="1" noChangeAspect="1"/>
+          </p:cNvSpPr>
           <p:nvPr>
-            <p:ph idx="2" type="sldImg"/>
+            <p:ph type="sldImg" idx="2"/>
           </p:nvPr>
         </p:nvSpPr>
         <p:spPr>
@@ -1118,9 +1167,13 @@
             <a:ext cx="6096300" cy="3429000"/>
           </a:xfrm>
           <a:custGeom>
-            <a:rect b="b" l="l" r="r" t="t"/>
+            <a:avLst/>
+            <a:gdLst/>
+            <a:ahLst/>
+            <a:cxnLst/>
+            <a:rect l="l" t="t" r="r" b="b"/>
             <a:pathLst>
-              <a:path extrusionOk="0" h="120000" w="120000">
+              <a:path w="120000" h="120000" extrusionOk="0">
                 <a:moveTo>
                   <a:pt x="0" y="0"/>
                 </a:moveTo>
@@ -1142,9 +1195,11 @@
       <p:sp>
         <p:nvSpPr>
           <p:cNvPr id="166" name="Google Shape;166;g172bd9cd584_1_19:notes"/>
-          <p:cNvSpPr txBox="1"/>
+          <p:cNvSpPr txBox="1">
+            <a:spLocks noGrp="1"/>
+          </p:cNvSpPr>
           <p:nvPr>
-            <p:ph idx="1" type="body"/>
+            <p:ph type="body" idx="1"/>
           </p:nvPr>
         </p:nvSpPr>
         <p:spPr>
@@ -1157,12 +1212,12 @@
           </a:prstGeom>
         </p:spPr>
         <p:txBody>
-          <a:bodyPr anchorCtr="0" anchor="t" bIns="91425" lIns="91425" spcFirstLastPara="1" rIns="91425" wrap="square" tIns="91425">
+          <a:bodyPr spcFirstLastPara="1" wrap="square" lIns="91425" tIns="91425" rIns="91425" bIns="91425" anchor="t" anchorCtr="0">
             <a:noAutofit/>
           </a:bodyPr>
           <a:lstStyle/>
           <a:p>
-            <a:pPr indent="0" lvl="0" marL="0" rtl="0" algn="l">
+            <a:pPr marL="0" lvl="0" indent="0" algn="l" rtl="0">
               <a:spcBef>
                 <a:spcPts val="0"/>
               </a:spcBef>
@@ -1171,9 +1226,6 @@
               </a:spcAft>
               <a:buNone/>
             </a:pPr>
-            <a:r>
-              <a:t/>
-            </a:r>
             <a:endParaRPr/>
           </a:p>
         </p:txBody>
@@ -1187,11 +1239,11 @@
 </file>
 
 <file path=ppt/notesSlides/notesSlide14.xml><?xml version="1.0" encoding="utf-8"?>
-<p:notes xmlns:a="http://schemas.openxmlformats.org/drawingml/2006/main" xmlns:r="http://schemas.openxmlformats.org/officeDocument/2006/relationships" xmlns:mc="http://schemas.openxmlformats.org/markup-compatibility/2006" xmlns:mv="urn:schemas-microsoft-com:mac:vml" xmlns:p="http://schemas.openxmlformats.org/presentationml/2006/main" xmlns:c="http://schemas.openxmlformats.org/drawingml/2006/chart" xmlns:dgm="http://schemas.openxmlformats.org/drawingml/2006/diagram" xmlns:o="urn:schemas-microsoft-com:office:office" xmlns:v="urn:schemas-microsoft-com:vml" xmlns:pvml="urn:schemas-microsoft-com:office:powerpoint" xmlns:com="http://schemas.openxmlformats.org/drawingml/2006/compatibility" xmlns:p14="http://schemas.microsoft.com/office/powerpoint/2010/main" xmlns:p15="http://schemas.microsoft.com/office/powerpoint/2012/main" xmlns:ahyp="http://schemas.microsoft.com/office/drawing/2018/hyperlinkcolor" showMasterPhAnim="0" showMasterSp="0">
+<p:notes xmlns:a="http://schemas.openxmlformats.org/drawingml/2006/main" xmlns:r="http://schemas.openxmlformats.org/officeDocument/2006/relationships" xmlns:p="http://schemas.openxmlformats.org/presentationml/2006/main" showMasterSp="0" showMasterPhAnim="0">
   <p:cSld>
     <p:spTree>
       <p:nvGrpSpPr>
-        <p:cNvPr id="170" name="Shape 170"/>
+        <p:cNvPr id="1" name="Shape 170"/>
         <p:cNvGrpSpPr/>
         <p:nvPr/>
       </p:nvGrpSpPr>
@@ -1206,9 +1258,11 @@
       <p:sp>
         <p:nvSpPr>
           <p:cNvPr id="171" name="Google Shape;171;g172bd9cd584_1_24:notes"/>
-          <p:cNvSpPr/>
+          <p:cNvSpPr>
+            <a:spLocks noGrp="1" noRot="1" noChangeAspect="1"/>
+          </p:cNvSpPr>
           <p:nvPr>
-            <p:ph idx="2" type="sldImg"/>
+            <p:ph type="sldImg" idx="2"/>
           </p:nvPr>
         </p:nvSpPr>
         <p:spPr>
@@ -1217,9 +1271,13 @@
             <a:ext cx="6096300" cy="3429000"/>
           </a:xfrm>
           <a:custGeom>
-            <a:rect b="b" l="l" r="r" t="t"/>
+            <a:avLst/>
+            <a:gdLst/>
+            <a:ahLst/>
+            <a:cxnLst/>
+            <a:rect l="l" t="t" r="r" b="b"/>
             <a:pathLst>
-              <a:path extrusionOk="0" h="120000" w="120000">
+              <a:path w="120000" h="120000" extrusionOk="0">
                 <a:moveTo>
                   <a:pt x="0" y="0"/>
                 </a:moveTo>
@@ -1241,9 +1299,11 @@
       <p:sp>
         <p:nvSpPr>
           <p:cNvPr id="172" name="Google Shape;172;g172bd9cd584_1_24:notes"/>
-          <p:cNvSpPr txBox="1"/>
+          <p:cNvSpPr txBox="1">
+            <a:spLocks noGrp="1"/>
+          </p:cNvSpPr>
           <p:nvPr>
-            <p:ph idx="1" type="body"/>
+            <p:ph type="body" idx="1"/>
           </p:nvPr>
         </p:nvSpPr>
         <p:spPr>
@@ -1256,12 +1316,12 @@
           </a:prstGeom>
         </p:spPr>
         <p:txBody>
-          <a:bodyPr anchorCtr="0" anchor="t" bIns="91425" lIns="91425" spcFirstLastPara="1" rIns="91425" wrap="square" tIns="91425">
+          <a:bodyPr spcFirstLastPara="1" wrap="square" lIns="91425" tIns="91425" rIns="91425" bIns="91425" anchor="t" anchorCtr="0">
             <a:noAutofit/>
           </a:bodyPr>
           <a:lstStyle/>
           <a:p>
-            <a:pPr indent="0" lvl="0" marL="0" rtl="0" algn="l">
+            <a:pPr marL="0" lvl="0" indent="0" algn="l" rtl="0">
               <a:spcBef>
                 <a:spcPts val="0"/>
               </a:spcBef>
@@ -1270,9 +1330,6 @@
               </a:spcAft>
               <a:buNone/>
             </a:pPr>
-            <a:r>
-              <a:t/>
-            </a:r>
             <a:endParaRPr/>
           </a:p>
         </p:txBody>
@@ -1286,11 +1343,11 @@
 </file>
 
 <file path=ppt/notesSlides/notesSlide15.xml><?xml version="1.0" encoding="utf-8"?>
-<p:notes xmlns:a="http://schemas.openxmlformats.org/drawingml/2006/main" xmlns:r="http://schemas.openxmlformats.org/officeDocument/2006/relationships" xmlns:mc="http://schemas.openxmlformats.org/markup-compatibility/2006" xmlns:mv="urn:schemas-microsoft-com:mac:vml" xmlns:p="http://schemas.openxmlformats.org/presentationml/2006/main" xmlns:c="http://schemas.openxmlformats.org/drawingml/2006/chart" xmlns:dgm="http://schemas.openxmlformats.org/drawingml/2006/diagram" xmlns:o="urn:schemas-microsoft-com:office:office" xmlns:v="urn:schemas-microsoft-com:vml" xmlns:pvml="urn:schemas-microsoft-com:office:powerpoint" xmlns:com="http://schemas.openxmlformats.org/drawingml/2006/compatibility" xmlns:p14="http://schemas.microsoft.com/office/powerpoint/2010/main" xmlns:p15="http://schemas.microsoft.com/office/powerpoint/2012/main" xmlns:ahyp="http://schemas.microsoft.com/office/drawing/2018/hyperlinkcolor" showMasterPhAnim="0" showMasterSp="0">
+<p:notes xmlns:a="http://schemas.openxmlformats.org/drawingml/2006/main" xmlns:r="http://schemas.openxmlformats.org/officeDocument/2006/relationships" xmlns:p="http://schemas.openxmlformats.org/presentationml/2006/main" showMasterSp="0" showMasterPhAnim="0">
   <p:cSld>
     <p:spTree>
       <p:nvGrpSpPr>
-        <p:cNvPr id="176" name="Shape 176"/>
+        <p:cNvPr id="1" name="Shape 176"/>
         <p:cNvGrpSpPr/>
         <p:nvPr/>
       </p:nvGrpSpPr>
@@ -1305,20 +1362,26 @@
       <p:sp>
         <p:nvSpPr>
           <p:cNvPr id="177" name="Google Shape;177;g35ed75ccf_022:notes"/>
-          <p:cNvSpPr/>
+          <p:cNvSpPr>
+            <a:spLocks noGrp="1" noRot="1" noChangeAspect="1"/>
+          </p:cNvSpPr>
           <p:nvPr>
-            <p:ph idx="2" type="sldImg"/>
+            <p:ph type="sldImg" idx="2"/>
           </p:nvPr>
         </p:nvSpPr>
         <p:spPr>
           <a:xfrm>
-            <a:off x="381175" y="685800"/>
-            <a:ext cx="6096300" cy="3429000"/>
+            <a:off x="381000" y="685800"/>
+            <a:ext cx="6096000" cy="3429000"/>
           </a:xfrm>
           <a:custGeom>
-            <a:rect b="b" l="l" r="r" t="t"/>
+            <a:avLst/>
+            <a:gdLst/>
+            <a:ahLst/>
+            <a:cxnLst/>
+            <a:rect l="l" t="t" r="r" b="b"/>
             <a:pathLst>
-              <a:path extrusionOk="0" h="120000" w="120000">
+              <a:path w="120000" h="120000" extrusionOk="0">
                 <a:moveTo>
                   <a:pt x="0" y="0"/>
                 </a:moveTo>
@@ -1340,9 +1403,11 @@
       <p:sp>
         <p:nvSpPr>
           <p:cNvPr id="178" name="Google Shape;178;g35ed75ccf_022:notes"/>
-          <p:cNvSpPr txBox="1"/>
+          <p:cNvSpPr txBox="1">
+            <a:spLocks noGrp="1"/>
+          </p:cNvSpPr>
           <p:nvPr>
-            <p:ph idx="1" type="body"/>
+            <p:ph type="body" idx="1"/>
           </p:nvPr>
         </p:nvSpPr>
         <p:spPr>
@@ -1355,12 +1420,12 @@
           </a:prstGeom>
         </p:spPr>
         <p:txBody>
-          <a:bodyPr anchorCtr="0" anchor="t" bIns="91425" lIns="91425" spcFirstLastPara="1" rIns="91425" wrap="square" tIns="91425">
+          <a:bodyPr spcFirstLastPara="1" wrap="square" lIns="91425" tIns="91425" rIns="91425" bIns="91425" anchor="t" anchorCtr="0">
             <a:noAutofit/>
           </a:bodyPr>
           <a:lstStyle/>
           <a:p>
-            <a:pPr indent="0" lvl="0" marL="0" rtl="0" algn="l">
+            <a:pPr marL="0" lvl="0" indent="0" algn="l" rtl="0">
               <a:spcBef>
                 <a:spcPts val="0"/>
               </a:spcBef>
@@ -1369,9 +1434,6 @@
               </a:spcAft>
               <a:buNone/>
             </a:pPr>
-            <a:r>
-              <a:t/>
-            </a:r>
             <a:endParaRPr/>
           </a:p>
         </p:txBody>
@@ -1385,11 +1447,11 @@
 </file>
 
 <file path=ppt/notesSlides/notesSlide2.xml><?xml version="1.0" encoding="utf-8"?>
-<p:notes xmlns:a="http://schemas.openxmlformats.org/drawingml/2006/main" xmlns:r="http://schemas.openxmlformats.org/officeDocument/2006/relationships" xmlns:mc="http://schemas.openxmlformats.org/markup-compatibility/2006" xmlns:mv="urn:schemas-microsoft-com:mac:vml" xmlns:p="http://schemas.openxmlformats.org/presentationml/2006/main" xmlns:c="http://schemas.openxmlformats.org/drawingml/2006/chart" xmlns:dgm="http://schemas.openxmlformats.org/drawingml/2006/diagram" xmlns:o="urn:schemas-microsoft-com:office:office" xmlns:v="urn:schemas-microsoft-com:vml" xmlns:pvml="urn:schemas-microsoft-com:office:powerpoint" xmlns:com="http://schemas.openxmlformats.org/drawingml/2006/compatibility" xmlns:p14="http://schemas.microsoft.com/office/powerpoint/2010/main" xmlns:p15="http://schemas.microsoft.com/office/powerpoint/2012/main" xmlns:ahyp="http://schemas.microsoft.com/office/drawing/2018/hyperlinkcolor" showMasterPhAnim="0" showMasterSp="0">
+<p:notes xmlns:a="http://schemas.openxmlformats.org/drawingml/2006/main" xmlns:r="http://schemas.openxmlformats.org/officeDocument/2006/relationships" xmlns:p="http://schemas.openxmlformats.org/presentationml/2006/main" showMasterSp="0" showMasterPhAnim="0">
   <p:cSld>
     <p:spTree>
       <p:nvGrpSpPr>
-        <p:cNvPr id="67" name="Shape 67"/>
+        <p:cNvPr id="1" name="Shape 67"/>
         <p:cNvGrpSpPr/>
         <p:nvPr/>
       </p:nvGrpSpPr>
@@ -1404,9 +1466,11 @@
       <p:sp>
         <p:nvSpPr>
           <p:cNvPr id="68" name="Google Shape;68;g35f391192_09:notes"/>
-          <p:cNvSpPr/>
+          <p:cNvSpPr>
+            <a:spLocks noGrp="1" noRot="1" noChangeAspect="1"/>
+          </p:cNvSpPr>
           <p:nvPr>
-            <p:ph idx="2" type="sldImg"/>
+            <p:ph type="sldImg" idx="2"/>
           </p:nvPr>
         </p:nvSpPr>
         <p:spPr>
@@ -1415,9 +1479,13 @@
             <a:ext cx="6096300" cy="3429000"/>
           </a:xfrm>
           <a:custGeom>
-            <a:rect b="b" l="l" r="r" t="t"/>
+            <a:avLst/>
+            <a:gdLst/>
+            <a:ahLst/>
+            <a:cxnLst/>
+            <a:rect l="l" t="t" r="r" b="b"/>
             <a:pathLst>
-              <a:path extrusionOk="0" h="120000" w="120000">
+              <a:path w="120000" h="120000" extrusionOk="0">
                 <a:moveTo>
                   <a:pt x="0" y="0"/>
                 </a:moveTo>
@@ -1439,9 +1507,11 @@
       <p:sp>
         <p:nvSpPr>
           <p:cNvPr id="69" name="Google Shape;69;g35f391192_09:notes"/>
-          <p:cNvSpPr txBox="1"/>
+          <p:cNvSpPr txBox="1">
+            <a:spLocks noGrp="1"/>
+          </p:cNvSpPr>
           <p:nvPr>
-            <p:ph idx="1" type="body"/>
+            <p:ph type="body" idx="1"/>
           </p:nvPr>
         </p:nvSpPr>
         <p:spPr>
@@ -1454,12 +1524,12 @@
           </a:prstGeom>
         </p:spPr>
         <p:txBody>
-          <a:bodyPr anchorCtr="0" anchor="t" bIns="91425" lIns="91425" spcFirstLastPara="1" rIns="91425" wrap="square" tIns="91425">
+          <a:bodyPr spcFirstLastPara="1" wrap="square" lIns="91425" tIns="91425" rIns="91425" bIns="91425" anchor="t" anchorCtr="0">
             <a:noAutofit/>
           </a:bodyPr>
           <a:lstStyle/>
           <a:p>
-            <a:pPr indent="0" lvl="0" marL="0" rtl="0" algn="l">
+            <a:pPr marL="0" lvl="0" indent="0" algn="l" rtl="0">
               <a:spcBef>
                 <a:spcPts val="0"/>
               </a:spcBef>
@@ -1468,9 +1538,6 @@
               </a:spcAft>
               <a:buNone/>
             </a:pPr>
-            <a:r>
-              <a:t/>
-            </a:r>
             <a:endParaRPr/>
           </a:p>
         </p:txBody>
@@ -1484,11 +1551,11 @@
 </file>
 
 <file path=ppt/notesSlides/notesSlide3.xml><?xml version="1.0" encoding="utf-8"?>
-<p:notes xmlns:a="http://schemas.openxmlformats.org/drawingml/2006/main" xmlns:r="http://schemas.openxmlformats.org/officeDocument/2006/relationships" xmlns:mc="http://schemas.openxmlformats.org/markup-compatibility/2006" xmlns:mv="urn:schemas-microsoft-com:mac:vml" xmlns:p="http://schemas.openxmlformats.org/presentationml/2006/main" xmlns:c="http://schemas.openxmlformats.org/drawingml/2006/chart" xmlns:dgm="http://schemas.openxmlformats.org/drawingml/2006/diagram" xmlns:o="urn:schemas-microsoft-com:office:office" xmlns:v="urn:schemas-microsoft-com:vml" xmlns:pvml="urn:schemas-microsoft-com:office:powerpoint" xmlns:com="http://schemas.openxmlformats.org/drawingml/2006/compatibility" xmlns:p14="http://schemas.microsoft.com/office/powerpoint/2010/main" xmlns:p15="http://schemas.microsoft.com/office/powerpoint/2012/main" xmlns:ahyp="http://schemas.microsoft.com/office/drawing/2018/hyperlinkcolor" showMasterPhAnim="0" showMasterSp="0">
+<p:notes xmlns:a="http://schemas.openxmlformats.org/drawingml/2006/main" xmlns:r="http://schemas.openxmlformats.org/officeDocument/2006/relationships" xmlns:p="http://schemas.openxmlformats.org/presentationml/2006/main" showMasterSp="0" showMasterPhAnim="0">
   <p:cSld>
     <p:spTree>
       <p:nvGrpSpPr>
-        <p:cNvPr id="80" name="Shape 80"/>
+        <p:cNvPr id="1" name="Shape 80"/>
         <p:cNvGrpSpPr/>
         <p:nvPr/>
       </p:nvGrpSpPr>
@@ -1503,9 +1570,11 @@
       <p:sp>
         <p:nvSpPr>
           <p:cNvPr id="81" name="Google Shape;81;g35f391192_04:notes"/>
-          <p:cNvSpPr/>
+          <p:cNvSpPr>
+            <a:spLocks noGrp="1" noRot="1" noChangeAspect="1"/>
+          </p:cNvSpPr>
           <p:nvPr>
-            <p:ph idx="2" type="sldImg"/>
+            <p:ph type="sldImg" idx="2"/>
           </p:nvPr>
         </p:nvSpPr>
         <p:spPr>
@@ -1514,9 +1583,13 @@
             <a:ext cx="6096300" cy="3429000"/>
           </a:xfrm>
           <a:custGeom>
-            <a:rect b="b" l="l" r="r" t="t"/>
+            <a:avLst/>
+            <a:gdLst/>
+            <a:ahLst/>
+            <a:cxnLst/>
+            <a:rect l="l" t="t" r="r" b="b"/>
             <a:pathLst>
-              <a:path extrusionOk="0" h="120000" w="120000">
+              <a:path w="120000" h="120000" extrusionOk="0">
                 <a:moveTo>
                   <a:pt x="0" y="0"/>
                 </a:moveTo>
@@ -1538,9 +1611,11 @@
       <p:sp>
         <p:nvSpPr>
           <p:cNvPr id="82" name="Google Shape;82;g35f391192_04:notes"/>
-          <p:cNvSpPr txBox="1"/>
+          <p:cNvSpPr txBox="1">
+            <a:spLocks noGrp="1"/>
+          </p:cNvSpPr>
           <p:nvPr>
-            <p:ph idx="1" type="body"/>
+            <p:ph type="body" idx="1"/>
           </p:nvPr>
         </p:nvSpPr>
         <p:spPr>
@@ -1553,12 +1628,12 @@
           </a:prstGeom>
         </p:spPr>
         <p:txBody>
-          <a:bodyPr anchorCtr="0" anchor="t" bIns="91425" lIns="91425" spcFirstLastPara="1" rIns="91425" wrap="square" tIns="91425">
+          <a:bodyPr spcFirstLastPara="1" wrap="square" lIns="91425" tIns="91425" rIns="91425" bIns="91425" anchor="t" anchorCtr="0">
             <a:noAutofit/>
           </a:bodyPr>
           <a:lstStyle/>
           <a:p>
-            <a:pPr indent="0" lvl="0" marL="0" rtl="0" algn="l">
+            <a:pPr marL="0" lvl="0" indent="0" algn="l" rtl="0">
               <a:spcBef>
                 <a:spcPts val="0"/>
               </a:spcBef>
@@ -1567,9 +1642,6 @@
               </a:spcAft>
               <a:buNone/>
             </a:pPr>
-            <a:r>
-              <a:t/>
-            </a:r>
             <a:endParaRPr/>
           </a:p>
         </p:txBody>
@@ -1583,11 +1655,11 @@
 </file>
 
 <file path=ppt/notesSlides/notesSlide4.xml><?xml version="1.0" encoding="utf-8"?>
-<p:notes xmlns:a="http://schemas.openxmlformats.org/drawingml/2006/main" xmlns:r="http://schemas.openxmlformats.org/officeDocument/2006/relationships" xmlns:mc="http://schemas.openxmlformats.org/markup-compatibility/2006" xmlns:mv="urn:schemas-microsoft-com:mac:vml" xmlns:p="http://schemas.openxmlformats.org/presentationml/2006/main" xmlns:c="http://schemas.openxmlformats.org/drawingml/2006/chart" xmlns:dgm="http://schemas.openxmlformats.org/drawingml/2006/diagram" xmlns:o="urn:schemas-microsoft-com:office:office" xmlns:v="urn:schemas-microsoft-com:vml" xmlns:pvml="urn:schemas-microsoft-com:office:powerpoint" xmlns:com="http://schemas.openxmlformats.org/drawingml/2006/compatibility" xmlns:p14="http://schemas.microsoft.com/office/powerpoint/2010/main" xmlns:p15="http://schemas.microsoft.com/office/powerpoint/2012/main" xmlns:ahyp="http://schemas.microsoft.com/office/drawing/2018/hyperlinkcolor" showMasterPhAnim="0" showMasterSp="0">
+<p:notes xmlns:a="http://schemas.openxmlformats.org/drawingml/2006/main" xmlns:r="http://schemas.openxmlformats.org/officeDocument/2006/relationships" xmlns:p="http://schemas.openxmlformats.org/presentationml/2006/main" showMasterSp="0" showMasterPhAnim="0">
   <p:cSld>
     <p:spTree>
       <p:nvGrpSpPr>
-        <p:cNvPr id="88" name="Shape 88"/>
+        <p:cNvPr id="1" name="Shape 88"/>
         <p:cNvGrpSpPr/>
         <p:nvPr/>
       </p:nvGrpSpPr>
@@ -1602,9 +1674,11 @@
       <p:sp>
         <p:nvSpPr>
           <p:cNvPr id="89" name="Google Shape;89;g35f391192_029:notes"/>
-          <p:cNvSpPr/>
+          <p:cNvSpPr>
+            <a:spLocks noGrp="1" noRot="1" noChangeAspect="1"/>
+          </p:cNvSpPr>
           <p:nvPr>
-            <p:ph idx="2" type="sldImg"/>
+            <p:ph type="sldImg" idx="2"/>
           </p:nvPr>
         </p:nvSpPr>
         <p:spPr>
@@ -1613,9 +1687,13 @@
             <a:ext cx="6096300" cy="3429000"/>
           </a:xfrm>
           <a:custGeom>
-            <a:rect b="b" l="l" r="r" t="t"/>
+            <a:avLst/>
+            <a:gdLst/>
+            <a:ahLst/>
+            <a:cxnLst/>
+            <a:rect l="l" t="t" r="r" b="b"/>
             <a:pathLst>
-              <a:path extrusionOk="0" h="120000" w="120000">
+              <a:path w="120000" h="120000" extrusionOk="0">
                 <a:moveTo>
                   <a:pt x="0" y="0"/>
                 </a:moveTo>
@@ -1637,9 +1715,11 @@
       <p:sp>
         <p:nvSpPr>
           <p:cNvPr id="90" name="Google Shape;90;g35f391192_029:notes"/>
-          <p:cNvSpPr txBox="1"/>
+          <p:cNvSpPr txBox="1">
+            <a:spLocks noGrp="1"/>
+          </p:cNvSpPr>
           <p:nvPr>
-            <p:ph idx="1" type="body"/>
+            <p:ph type="body" idx="1"/>
           </p:nvPr>
         </p:nvSpPr>
         <p:spPr>
@@ -1652,12 +1732,12 @@
           </a:prstGeom>
         </p:spPr>
         <p:txBody>
-          <a:bodyPr anchorCtr="0" anchor="t" bIns="91425" lIns="91425" spcFirstLastPara="1" rIns="91425" wrap="square" tIns="91425">
+          <a:bodyPr spcFirstLastPara="1" wrap="square" lIns="91425" tIns="91425" rIns="91425" bIns="91425" anchor="t" anchorCtr="0">
             <a:noAutofit/>
           </a:bodyPr>
           <a:lstStyle/>
           <a:p>
-            <a:pPr indent="0" lvl="0" marL="0" rtl="0" algn="l">
+            <a:pPr marL="0" lvl="0" indent="0" algn="l" rtl="0">
               <a:spcBef>
                 <a:spcPts val="0"/>
               </a:spcBef>
@@ -1666,9 +1746,6 @@
               </a:spcAft>
               <a:buNone/>
             </a:pPr>
-            <a:r>
-              <a:t/>
-            </a:r>
             <a:endParaRPr/>
           </a:p>
         </p:txBody>
@@ -1682,11 +1759,11 @@
 </file>
 
 <file path=ppt/notesSlides/notesSlide5.xml><?xml version="1.0" encoding="utf-8"?>
-<p:notes xmlns:a="http://schemas.openxmlformats.org/drawingml/2006/main" xmlns:r="http://schemas.openxmlformats.org/officeDocument/2006/relationships" xmlns:mc="http://schemas.openxmlformats.org/markup-compatibility/2006" xmlns:mv="urn:schemas-microsoft-com:mac:vml" xmlns:p="http://schemas.openxmlformats.org/presentationml/2006/main" xmlns:c="http://schemas.openxmlformats.org/drawingml/2006/chart" xmlns:dgm="http://schemas.openxmlformats.org/drawingml/2006/diagram" xmlns:o="urn:schemas-microsoft-com:office:office" xmlns:v="urn:schemas-microsoft-com:vml" xmlns:pvml="urn:schemas-microsoft-com:office:powerpoint" xmlns:com="http://schemas.openxmlformats.org/drawingml/2006/compatibility" xmlns:p14="http://schemas.microsoft.com/office/powerpoint/2010/main" xmlns:p15="http://schemas.microsoft.com/office/powerpoint/2012/main" xmlns:ahyp="http://schemas.microsoft.com/office/drawing/2018/hyperlinkcolor" showMasterPhAnim="0" showMasterSp="0">
+<p:notes xmlns:a="http://schemas.openxmlformats.org/drawingml/2006/main" xmlns:r="http://schemas.openxmlformats.org/officeDocument/2006/relationships" xmlns:p="http://schemas.openxmlformats.org/presentationml/2006/main" showMasterSp="0" showMasterPhAnim="0">
   <p:cSld>
     <p:spTree>
       <p:nvGrpSpPr>
-        <p:cNvPr id="96" name="Shape 96"/>
+        <p:cNvPr id="1" name="Shape 96"/>
         <p:cNvGrpSpPr/>
         <p:nvPr/>
       </p:nvGrpSpPr>
@@ -1701,9 +1778,11 @@
       <p:sp>
         <p:nvSpPr>
           <p:cNvPr id="97" name="Google Shape;97;p:notes"/>
-          <p:cNvSpPr/>
+          <p:cNvSpPr>
+            <a:spLocks noGrp="1" noRot="1" noChangeAspect="1"/>
+          </p:cNvSpPr>
           <p:nvPr>
-            <p:ph idx="2" type="sldImg"/>
+            <p:ph type="sldImg" idx="2"/>
           </p:nvPr>
         </p:nvSpPr>
         <p:spPr>
@@ -1712,9 +1791,13 @@
             <a:ext cx="6096300" cy="3429000"/>
           </a:xfrm>
           <a:custGeom>
-            <a:rect b="b" l="l" r="r" t="t"/>
+            <a:avLst/>
+            <a:gdLst/>
+            <a:ahLst/>
+            <a:cxnLst/>
+            <a:rect l="l" t="t" r="r" b="b"/>
             <a:pathLst>
-              <a:path extrusionOk="0" h="120000" w="120000">
+              <a:path w="120000" h="120000" extrusionOk="0">
                 <a:moveTo>
                   <a:pt x="0" y="0"/>
                 </a:moveTo>
@@ -1736,9 +1819,11 @@
       <p:sp>
         <p:nvSpPr>
           <p:cNvPr id="98" name="Google Shape;98;p:notes"/>
-          <p:cNvSpPr txBox="1"/>
+          <p:cNvSpPr txBox="1">
+            <a:spLocks noGrp="1"/>
+          </p:cNvSpPr>
           <p:nvPr>
-            <p:ph idx="1" type="body"/>
+            <p:ph type="body" idx="1"/>
           </p:nvPr>
         </p:nvSpPr>
         <p:spPr>
@@ -1751,12 +1836,12 @@
           </a:prstGeom>
         </p:spPr>
         <p:txBody>
-          <a:bodyPr anchorCtr="0" anchor="t" bIns="91425" lIns="91425" spcFirstLastPara="1" rIns="91425" wrap="square" tIns="91425">
+          <a:bodyPr spcFirstLastPara="1" wrap="square" lIns="91425" tIns="91425" rIns="91425" bIns="91425" anchor="t" anchorCtr="0">
             <a:noAutofit/>
           </a:bodyPr>
           <a:lstStyle/>
           <a:p>
-            <a:pPr indent="0" lvl="0" marL="0" rtl="0" algn="l">
+            <a:pPr marL="0" lvl="0" indent="0" algn="l" rtl="0">
               <a:spcBef>
                 <a:spcPts val="0"/>
               </a:spcBef>
@@ -1765,9 +1850,6 @@
               </a:spcAft>
               <a:buNone/>
             </a:pPr>
-            <a:r>
-              <a:t/>
-            </a:r>
             <a:endParaRPr/>
           </a:p>
         </p:txBody>
@@ -1781,11 +1863,11 @@
 </file>
 
 <file path=ppt/notesSlides/notesSlide6.xml><?xml version="1.0" encoding="utf-8"?>
-<p:notes xmlns:a="http://schemas.openxmlformats.org/drawingml/2006/main" xmlns:r="http://schemas.openxmlformats.org/officeDocument/2006/relationships" xmlns:mc="http://schemas.openxmlformats.org/markup-compatibility/2006" xmlns:mv="urn:schemas-microsoft-com:mac:vml" xmlns:p="http://schemas.openxmlformats.org/presentationml/2006/main" xmlns:c="http://schemas.openxmlformats.org/drawingml/2006/chart" xmlns:dgm="http://schemas.openxmlformats.org/drawingml/2006/diagram" xmlns:o="urn:schemas-microsoft-com:office:office" xmlns:v="urn:schemas-microsoft-com:vml" xmlns:pvml="urn:schemas-microsoft-com:office:powerpoint" xmlns:com="http://schemas.openxmlformats.org/drawingml/2006/compatibility" xmlns:p14="http://schemas.microsoft.com/office/powerpoint/2010/main" xmlns:p15="http://schemas.microsoft.com/office/powerpoint/2012/main" xmlns:ahyp="http://schemas.microsoft.com/office/drawing/2018/hyperlinkcolor" showMasterPhAnim="0" showMasterSp="0">
+<p:notes xmlns:a="http://schemas.openxmlformats.org/drawingml/2006/main" xmlns:r="http://schemas.openxmlformats.org/officeDocument/2006/relationships" xmlns:p="http://schemas.openxmlformats.org/presentationml/2006/main" showMasterSp="0" showMasterPhAnim="0">
   <p:cSld>
     <p:spTree>
       <p:nvGrpSpPr>
-        <p:cNvPr id="102" name="Shape 102"/>
+        <p:cNvPr id="1" name="Shape 102"/>
         <p:cNvGrpSpPr/>
         <p:nvPr/>
       </p:nvGrpSpPr>
@@ -1800,9 +1882,11 @@
       <p:sp>
         <p:nvSpPr>
           <p:cNvPr id="103" name="Google Shape;103;g172bd9cd584_0_8:notes"/>
-          <p:cNvSpPr/>
+          <p:cNvSpPr>
+            <a:spLocks noGrp="1" noRot="1" noChangeAspect="1"/>
+          </p:cNvSpPr>
           <p:nvPr>
-            <p:ph idx="2" type="sldImg"/>
+            <p:ph type="sldImg" idx="2"/>
           </p:nvPr>
         </p:nvSpPr>
         <p:spPr>
@@ -1811,9 +1895,13 @@
             <a:ext cx="6096300" cy="3429000"/>
           </a:xfrm>
           <a:custGeom>
-            <a:rect b="b" l="l" r="r" t="t"/>
+            <a:avLst/>
+            <a:gdLst/>
+            <a:ahLst/>
+            <a:cxnLst/>
+            <a:rect l="l" t="t" r="r" b="b"/>
             <a:pathLst>
-              <a:path extrusionOk="0" h="120000" w="120000">
+              <a:path w="120000" h="120000" extrusionOk="0">
                 <a:moveTo>
                   <a:pt x="0" y="0"/>
                 </a:moveTo>
@@ -1835,9 +1923,11 @@
       <p:sp>
         <p:nvSpPr>
           <p:cNvPr id="104" name="Google Shape;104;g172bd9cd584_0_8:notes"/>
-          <p:cNvSpPr txBox="1"/>
+          <p:cNvSpPr txBox="1">
+            <a:spLocks noGrp="1"/>
+          </p:cNvSpPr>
           <p:nvPr>
-            <p:ph idx="1" type="body"/>
+            <p:ph type="body" idx="1"/>
           </p:nvPr>
         </p:nvSpPr>
         <p:spPr>
@@ -1850,12 +1940,12 @@
           </a:prstGeom>
         </p:spPr>
         <p:txBody>
-          <a:bodyPr anchorCtr="0" anchor="t" bIns="91425" lIns="91425" spcFirstLastPara="1" rIns="91425" wrap="square" tIns="91425">
+          <a:bodyPr spcFirstLastPara="1" wrap="square" lIns="91425" tIns="91425" rIns="91425" bIns="91425" anchor="t" anchorCtr="0">
             <a:noAutofit/>
           </a:bodyPr>
           <a:lstStyle/>
           <a:p>
-            <a:pPr indent="0" lvl="0" marL="0" rtl="0" algn="l">
+            <a:pPr marL="0" lvl="0" indent="0" algn="l" rtl="0">
               <a:spcBef>
                 <a:spcPts val="0"/>
               </a:spcBef>
@@ -1864,9 +1954,6 @@
               </a:spcAft>
               <a:buNone/>
             </a:pPr>
-            <a:r>
-              <a:t/>
-            </a:r>
             <a:endParaRPr/>
           </a:p>
         </p:txBody>
@@ -1880,11 +1967,11 @@
 </file>
 
 <file path=ppt/notesSlides/notesSlide7.xml><?xml version="1.0" encoding="utf-8"?>
-<p:notes xmlns:a="http://schemas.openxmlformats.org/drawingml/2006/main" xmlns:r="http://schemas.openxmlformats.org/officeDocument/2006/relationships" xmlns:mc="http://schemas.openxmlformats.org/markup-compatibility/2006" xmlns:mv="urn:schemas-microsoft-com:mac:vml" xmlns:p="http://schemas.openxmlformats.org/presentationml/2006/main" xmlns:c="http://schemas.openxmlformats.org/drawingml/2006/chart" xmlns:dgm="http://schemas.openxmlformats.org/drawingml/2006/diagram" xmlns:o="urn:schemas-microsoft-com:office:office" xmlns:v="urn:schemas-microsoft-com:vml" xmlns:pvml="urn:schemas-microsoft-com:office:powerpoint" xmlns:com="http://schemas.openxmlformats.org/drawingml/2006/compatibility" xmlns:p14="http://schemas.microsoft.com/office/powerpoint/2010/main" xmlns:p15="http://schemas.microsoft.com/office/powerpoint/2012/main" xmlns:ahyp="http://schemas.microsoft.com/office/drawing/2018/hyperlinkcolor" showMasterPhAnim="0" showMasterSp="0">
+<p:notes xmlns:a="http://schemas.openxmlformats.org/drawingml/2006/main" xmlns:r="http://schemas.openxmlformats.org/officeDocument/2006/relationships" xmlns:p="http://schemas.openxmlformats.org/presentationml/2006/main" showMasterSp="0" showMasterPhAnim="0">
   <p:cSld>
     <p:spTree>
       <p:nvGrpSpPr>
-        <p:cNvPr id="110" name="Shape 110"/>
+        <p:cNvPr id="1" name="Shape 110"/>
         <p:cNvGrpSpPr/>
         <p:nvPr/>
       </p:nvGrpSpPr>
@@ -1899,9 +1986,11 @@
       <p:sp>
         <p:nvSpPr>
           <p:cNvPr id="111" name="Google Shape;111;g35f391192_017:notes"/>
-          <p:cNvSpPr/>
+          <p:cNvSpPr>
+            <a:spLocks noGrp="1" noRot="1" noChangeAspect="1"/>
+          </p:cNvSpPr>
           <p:nvPr>
-            <p:ph idx="2" type="sldImg"/>
+            <p:ph type="sldImg" idx="2"/>
           </p:nvPr>
         </p:nvSpPr>
         <p:spPr>
@@ -1910,9 +1999,13 @@
             <a:ext cx="6096300" cy="3429000"/>
           </a:xfrm>
           <a:custGeom>
-            <a:rect b="b" l="l" r="r" t="t"/>
+            <a:avLst/>
+            <a:gdLst/>
+            <a:ahLst/>
+            <a:cxnLst/>
+            <a:rect l="l" t="t" r="r" b="b"/>
             <a:pathLst>
-              <a:path extrusionOk="0" h="120000" w="120000">
+              <a:path w="120000" h="120000" extrusionOk="0">
                 <a:moveTo>
                   <a:pt x="0" y="0"/>
                 </a:moveTo>
@@ -1934,9 +2027,11 @@
       <p:sp>
         <p:nvSpPr>
           <p:cNvPr id="112" name="Google Shape;112;g35f391192_017:notes"/>
-          <p:cNvSpPr txBox="1"/>
+          <p:cNvSpPr txBox="1">
+            <a:spLocks noGrp="1"/>
+          </p:cNvSpPr>
           <p:nvPr>
-            <p:ph idx="1" type="body"/>
+            <p:ph type="body" idx="1"/>
           </p:nvPr>
         </p:nvSpPr>
         <p:spPr>
@@ -1949,12 +2044,12 @@
           </a:prstGeom>
         </p:spPr>
         <p:txBody>
-          <a:bodyPr anchorCtr="0" anchor="t" bIns="91425" lIns="91425" spcFirstLastPara="1" rIns="91425" wrap="square" tIns="91425">
+          <a:bodyPr spcFirstLastPara="1" wrap="square" lIns="91425" tIns="91425" rIns="91425" bIns="91425" anchor="t" anchorCtr="0">
             <a:noAutofit/>
           </a:bodyPr>
           <a:lstStyle/>
           <a:p>
-            <a:pPr indent="0" lvl="0" marL="0" rtl="0" algn="l">
+            <a:pPr marL="0" lvl="0" indent="0" algn="l" rtl="0">
               <a:spcBef>
                 <a:spcPts val="0"/>
               </a:spcBef>
@@ -1963,9 +2058,6 @@
               </a:spcAft>
               <a:buNone/>
             </a:pPr>
-            <a:r>
-              <a:t/>
-            </a:r>
             <a:endParaRPr/>
           </a:p>
         </p:txBody>
@@ -1979,11 +2071,11 @@
 </file>
 
 <file path=ppt/notesSlides/notesSlide8.xml><?xml version="1.0" encoding="utf-8"?>
-<p:notes xmlns:a="http://schemas.openxmlformats.org/drawingml/2006/main" xmlns:r="http://schemas.openxmlformats.org/officeDocument/2006/relationships" xmlns:mc="http://schemas.openxmlformats.org/markup-compatibility/2006" xmlns:mv="urn:schemas-microsoft-com:mac:vml" xmlns:p="http://schemas.openxmlformats.org/presentationml/2006/main" xmlns:c="http://schemas.openxmlformats.org/drawingml/2006/chart" xmlns:dgm="http://schemas.openxmlformats.org/drawingml/2006/diagram" xmlns:o="urn:schemas-microsoft-com:office:office" xmlns:v="urn:schemas-microsoft-com:vml" xmlns:pvml="urn:schemas-microsoft-com:office:powerpoint" xmlns:com="http://schemas.openxmlformats.org/drawingml/2006/compatibility" xmlns:p14="http://schemas.microsoft.com/office/powerpoint/2010/main" xmlns:p15="http://schemas.microsoft.com/office/powerpoint/2012/main" xmlns:ahyp="http://schemas.microsoft.com/office/drawing/2018/hyperlinkcolor" showMasterPhAnim="0" showMasterSp="0">
+<p:notes xmlns:a="http://schemas.openxmlformats.org/drawingml/2006/main" xmlns:r="http://schemas.openxmlformats.org/officeDocument/2006/relationships" xmlns:p="http://schemas.openxmlformats.org/presentationml/2006/main" showMasterSp="0" showMasterPhAnim="0">
   <p:cSld>
     <p:spTree>
       <p:nvGrpSpPr>
-        <p:cNvPr id="116" name="Shape 116"/>
+        <p:cNvPr id="1" name="Shape 116"/>
         <p:cNvGrpSpPr/>
         <p:nvPr/>
       </p:nvGrpSpPr>
@@ -1998,9 +2090,11 @@
       <p:sp>
         <p:nvSpPr>
           <p:cNvPr id="117" name="Google Shape;117;g35f391192_057:notes"/>
-          <p:cNvSpPr/>
+          <p:cNvSpPr>
+            <a:spLocks noGrp="1" noRot="1" noChangeAspect="1"/>
+          </p:cNvSpPr>
           <p:nvPr>
-            <p:ph idx="2" type="sldImg"/>
+            <p:ph type="sldImg" idx="2"/>
           </p:nvPr>
         </p:nvSpPr>
         <p:spPr>
@@ -2009,9 +2103,13 @@
             <a:ext cx="6096300" cy="3429000"/>
           </a:xfrm>
           <a:custGeom>
-            <a:rect b="b" l="l" r="r" t="t"/>
+            <a:avLst/>
+            <a:gdLst/>
+            <a:ahLst/>
+            <a:cxnLst/>
+            <a:rect l="l" t="t" r="r" b="b"/>
             <a:pathLst>
-              <a:path extrusionOk="0" h="120000" w="120000">
+              <a:path w="120000" h="120000" extrusionOk="0">
                 <a:moveTo>
                   <a:pt x="0" y="0"/>
                 </a:moveTo>
@@ -2033,9 +2131,11 @@
       <p:sp>
         <p:nvSpPr>
           <p:cNvPr id="118" name="Google Shape;118;g35f391192_057:notes"/>
-          <p:cNvSpPr txBox="1"/>
+          <p:cNvSpPr txBox="1">
+            <a:spLocks noGrp="1"/>
+          </p:cNvSpPr>
           <p:nvPr>
-            <p:ph idx="1" type="body"/>
+            <p:ph type="body" idx="1"/>
           </p:nvPr>
         </p:nvSpPr>
         <p:spPr>
@@ -2048,12 +2148,12 @@
           </a:prstGeom>
         </p:spPr>
         <p:txBody>
-          <a:bodyPr anchorCtr="0" anchor="t" bIns="91425" lIns="91425" spcFirstLastPara="1" rIns="91425" wrap="square" tIns="91425">
+          <a:bodyPr spcFirstLastPara="1" wrap="square" lIns="91425" tIns="91425" rIns="91425" bIns="91425" anchor="t" anchorCtr="0">
             <a:noAutofit/>
           </a:bodyPr>
           <a:lstStyle/>
           <a:p>
-            <a:pPr indent="0" lvl="0" marL="0" rtl="0" algn="l">
+            <a:pPr marL="0" lvl="0" indent="0" algn="l" rtl="0">
               <a:spcBef>
                 <a:spcPts val="0"/>
               </a:spcBef>
@@ -2062,9 +2162,6 @@
               </a:spcAft>
               <a:buNone/>
             </a:pPr>
-            <a:r>
-              <a:t/>
-            </a:r>
             <a:endParaRPr/>
           </a:p>
         </p:txBody>
@@ -2078,11 +2175,11 @@
 </file>
 
 <file path=ppt/notesSlides/notesSlide9.xml><?xml version="1.0" encoding="utf-8"?>
-<p:notes xmlns:a="http://schemas.openxmlformats.org/drawingml/2006/main" xmlns:r="http://schemas.openxmlformats.org/officeDocument/2006/relationships" xmlns:mc="http://schemas.openxmlformats.org/markup-compatibility/2006" xmlns:mv="urn:schemas-microsoft-com:mac:vml" xmlns:p="http://schemas.openxmlformats.org/presentationml/2006/main" xmlns:c="http://schemas.openxmlformats.org/drawingml/2006/chart" xmlns:dgm="http://schemas.openxmlformats.org/drawingml/2006/diagram" xmlns:o="urn:schemas-microsoft-com:office:office" xmlns:v="urn:schemas-microsoft-com:vml" xmlns:pvml="urn:schemas-microsoft-com:office:powerpoint" xmlns:com="http://schemas.openxmlformats.org/drawingml/2006/compatibility" xmlns:p14="http://schemas.microsoft.com/office/powerpoint/2010/main" xmlns:p15="http://schemas.microsoft.com/office/powerpoint/2012/main" xmlns:ahyp="http://schemas.microsoft.com/office/drawing/2018/hyperlinkcolor" showMasterPhAnim="0" showMasterSp="0">
+<p:notes xmlns:a="http://schemas.openxmlformats.org/drawingml/2006/main" xmlns:r="http://schemas.openxmlformats.org/officeDocument/2006/relationships" xmlns:p="http://schemas.openxmlformats.org/presentationml/2006/main" showMasterSp="0" showMasterPhAnim="0">
   <p:cSld>
     <p:spTree>
       <p:nvGrpSpPr>
-        <p:cNvPr id="124" name="Shape 124"/>
+        <p:cNvPr id="1" name="Shape 124"/>
         <p:cNvGrpSpPr/>
         <p:nvPr/>
       </p:nvGrpSpPr>
@@ -2097,9 +2194,11 @@
       <p:sp>
         <p:nvSpPr>
           <p:cNvPr id="125" name="Google Shape;125;g35ed75ccf_015:notes"/>
-          <p:cNvSpPr/>
+          <p:cNvSpPr>
+            <a:spLocks noGrp="1" noRot="1" noChangeAspect="1"/>
+          </p:cNvSpPr>
           <p:nvPr>
-            <p:ph idx="2" type="sldImg"/>
+            <p:ph type="sldImg" idx="2"/>
           </p:nvPr>
         </p:nvSpPr>
         <p:spPr>
@@ -2108,9 +2207,13 @@
             <a:ext cx="6096300" cy="3429000"/>
           </a:xfrm>
           <a:custGeom>
-            <a:rect b="b" l="l" r="r" t="t"/>
+            <a:avLst/>
+            <a:gdLst/>
+            <a:ahLst/>
+            <a:cxnLst/>
+            <a:rect l="l" t="t" r="r" b="b"/>
             <a:pathLst>
-              <a:path extrusionOk="0" h="120000" w="120000">
+              <a:path w="120000" h="120000" extrusionOk="0">
                 <a:moveTo>
                   <a:pt x="0" y="0"/>
                 </a:moveTo>
@@ -2132,9 +2235,11 @@
       <p:sp>
         <p:nvSpPr>
           <p:cNvPr id="126" name="Google Shape;126;g35ed75ccf_015:notes"/>
-          <p:cNvSpPr txBox="1"/>
+          <p:cNvSpPr txBox="1">
+            <a:spLocks noGrp="1"/>
+          </p:cNvSpPr>
           <p:nvPr>
-            <p:ph idx="1" type="body"/>
+            <p:ph type="body" idx="1"/>
           </p:nvPr>
         </p:nvSpPr>
         <p:spPr>
@@ -2147,12 +2252,12 @@
           </a:prstGeom>
         </p:spPr>
         <p:txBody>
-          <a:bodyPr anchorCtr="0" anchor="t" bIns="91425" lIns="91425" spcFirstLastPara="1" rIns="91425" wrap="square" tIns="91425">
+          <a:bodyPr spcFirstLastPara="1" wrap="square" lIns="91425" tIns="91425" rIns="91425" bIns="91425" anchor="t" anchorCtr="0">
             <a:noAutofit/>
           </a:bodyPr>
           <a:lstStyle/>
           <a:p>
-            <a:pPr indent="0" lvl="0" marL="0" rtl="0" algn="l">
+            <a:pPr marL="0" lvl="0" indent="0" algn="l" rtl="0">
               <a:spcBef>
                 <a:spcPts val="0"/>
               </a:spcBef>
@@ -2161,9 +2266,6 @@
               </a:spcAft>
               <a:buNone/>
             </a:pPr>
-            <a:r>
-              <a:t/>
-            </a:r>
             <a:endParaRPr/>
           </a:p>
         </p:txBody>
@@ -2177,11 +2279,11 @@
 </file>
 
 <file path=ppt/slideLayouts/slideLayout1.xml><?xml version="1.0" encoding="utf-8"?>
-<p:sldLayout xmlns:a="http://schemas.openxmlformats.org/drawingml/2006/main" xmlns:r="http://schemas.openxmlformats.org/officeDocument/2006/relationships" xmlns:mc="http://schemas.openxmlformats.org/markup-compatibility/2006" xmlns:mv="urn:schemas-microsoft-com:mac:vml" xmlns:p="http://schemas.openxmlformats.org/presentationml/2006/main" xmlns:c="http://schemas.openxmlformats.org/drawingml/2006/chart" xmlns:dgm="http://schemas.openxmlformats.org/drawingml/2006/diagram" xmlns:o="urn:schemas-microsoft-com:office:office" xmlns:v="urn:schemas-microsoft-com:vml" xmlns:pvml="urn:schemas-microsoft-com:office:powerpoint" xmlns:com="http://schemas.openxmlformats.org/drawingml/2006/compatibility" xmlns:p14="http://schemas.microsoft.com/office/powerpoint/2010/main" xmlns:p15="http://schemas.microsoft.com/office/powerpoint/2012/main" xmlns:ahyp="http://schemas.microsoft.com/office/drawing/2018/hyperlinkcolor" matchingName="Title" type="title">
+<p:sldLayout xmlns:a="http://schemas.openxmlformats.org/drawingml/2006/main" xmlns:r="http://schemas.openxmlformats.org/officeDocument/2006/relationships" xmlns:p="http://schemas.openxmlformats.org/presentationml/2006/main" matchingName="Title" type="title">
   <p:cSld name="TITLE">
     <p:spTree>
       <p:nvGrpSpPr>
-        <p:cNvPr id="9" name="Shape 9"/>
+        <p:cNvPr id="1" name="Shape 9"/>
         <p:cNvGrpSpPr/>
         <p:nvPr/>
       </p:nvGrpSpPr>
@@ -2203,7 +2305,7 @@
           <a:blip r:embed="rId2">
             <a:alphaModFix/>
           </a:blip>
-          <a:srcRect b="0" l="0" r="0" t="0"/>
+          <a:srcRect/>
           <a:stretch/>
         </p:blipFill>
         <p:spPr>
@@ -2223,7 +2325,9 @@
       <p:sp>
         <p:nvSpPr>
           <p:cNvPr id="11" name="Google Shape;11;p2"/>
-          <p:cNvSpPr txBox="1"/>
+          <p:cNvSpPr txBox="1">
+            <a:spLocks noGrp="1"/>
+          </p:cNvSpPr>
           <p:nvPr>
             <p:ph type="ctrTitle"/>
           </p:nvPr>
@@ -2238,7 +2342,7 @@
           </a:prstGeom>
         </p:spPr>
         <p:txBody>
-          <a:bodyPr anchorCtr="0" anchor="ctr" bIns="0" lIns="0" spcFirstLastPara="1" rIns="0" wrap="square" tIns="0">
+          <a:bodyPr spcFirstLastPara="1" wrap="square" lIns="0" tIns="0" rIns="0" bIns="0" anchor="ctr" anchorCtr="0">
             <a:noAutofit/>
           </a:bodyPr>
           <a:lstStyle>
@@ -2342,7 +2446,9 @@
               <a:defRPr sz="5000"/>
             </a:lvl9pPr>
           </a:lstStyle>
-          <a:p/>
+          <a:p>
+            <a:endParaRPr/>
+          </a:p>
         </p:txBody>
       </p:sp>
     </p:spTree>
@@ -2354,11 +2460,11 @@
 </file>
 
 <file path=ppt/slideLayouts/slideLayout10.xml><?xml version="1.0" encoding="utf-8"?>
-<p:sldLayout xmlns:a="http://schemas.openxmlformats.org/drawingml/2006/main" xmlns:r="http://schemas.openxmlformats.org/officeDocument/2006/relationships" xmlns:mc="http://schemas.openxmlformats.org/markup-compatibility/2006" xmlns:mv="urn:schemas-microsoft-com:mac:vml" xmlns:p="http://schemas.openxmlformats.org/presentationml/2006/main" xmlns:c="http://schemas.openxmlformats.org/drawingml/2006/chart" xmlns:dgm="http://schemas.openxmlformats.org/drawingml/2006/diagram" xmlns:o="urn:schemas-microsoft-com:office:office" xmlns:v="urn:schemas-microsoft-com:vml" xmlns:pvml="urn:schemas-microsoft-com:office:powerpoint" xmlns:com="http://schemas.openxmlformats.org/drawingml/2006/compatibility" xmlns:p14="http://schemas.microsoft.com/office/powerpoint/2010/main" xmlns:p15="http://schemas.microsoft.com/office/powerpoint/2012/main" xmlns:ahyp="http://schemas.microsoft.com/office/drawing/2018/hyperlinkcolor" matchingName="Blank · Big circuit">
+<p:sldLayout xmlns:a="http://schemas.openxmlformats.org/drawingml/2006/main" xmlns:r="http://schemas.openxmlformats.org/officeDocument/2006/relationships" xmlns:p="http://schemas.openxmlformats.org/presentationml/2006/main" matchingName="Blank · Big circuit">
   <p:cSld name="BLANK_1">
     <p:spTree>
       <p:nvGrpSpPr>
-        <p:cNvPr id="51" name="Shape 51"/>
+        <p:cNvPr id="1" name="Shape 51"/>
         <p:cNvGrpSpPr/>
         <p:nvPr/>
       </p:nvGrpSpPr>
@@ -2401,9 +2507,11 @@
       <p:sp>
         <p:nvSpPr>
           <p:cNvPr id="53" name="Google Shape;53;p11"/>
-          <p:cNvSpPr txBox="1"/>
+          <p:cNvSpPr txBox="1">
+            <a:spLocks noGrp="1"/>
+          </p:cNvSpPr>
           <p:nvPr>
-            <p:ph idx="12" type="sldNum"/>
+            <p:ph type="sldNum" idx="12"/>
           </p:nvPr>
         </p:nvSpPr>
         <p:spPr>
@@ -2416,7 +2524,7 @@
           </a:prstGeom>
         </p:spPr>
         <p:txBody>
-          <a:bodyPr anchorCtr="0" anchor="ctr" bIns="0" lIns="0" spcFirstLastPara="1" rIns="0" wrap="square" tIns="0">
+          <a:bodyPr spcFirstLastPara="1" wrap="square" lIns="0" tIns="0" rIns="0" bIns="0" anchor="ctr" anchorCtr="0">
             <a:noAutofit/>
           </a:bodyPr>
           <a:lstStyle>
@@ -2458,7 +2566,7 @@
             </a:lvl9pPr>
           </a:lstStyle>
           <a:p>
-            <a:pPr indent="0" lvl="0" marL="0" rtl="0" algn="r">
+            <a:pPr marL="0" lvl="0" indent="0" algn="r" rtl="0">
               <a:spcBef>
                 <a:spcPts val="0"/>
               </a:spcBef>
@@ -2484,11 +2592,11 @@
 </file>
 
 <file path=ppt/slideLayouts/slideLayout11.xml><?xml version="1.0" encoding="utf-8"?>
-<p:sldLayout xmlns:a="http://schemas.openxmlformats.org/drawingml/2006/main" xmlns:r="http://schemas.openxmlformats.org/officeDocument/2006/relationships" xmlns:mc="http://schemas.openxmlformats.org/markup-compatibility/2006" xmlns:mv="urn:schemas-microsoft-com:mac:vml" xmlns:p="http://schemas.openxmlformats.org/presentationml/2006/main" xmlns:c="http://schemas.openxmlformats.org/drawingml/2006/chart" xmlns:dgm="http://schemas.openxmlformats.org/drawingml/2006/diagram" xmlns:o="urn:schemas-microsoft-com:office:office" xmlns:v="urn:schemas-microsoft-com:vml" xmlns:pvml="urn:schemas-microsoft-com:office:powerpoint" xmlns:com="http://schemas.openxmlformats.org/drawingml/2006/compatibility" xmlns:p14="http://schemas.microsoft.com/office/powerpoint/2010/main" xmlns:p15="http://schemas.microsoft.com/office/powerpoint/2012/main" xmlns:ahyp="http://schemas.microsoft.com/office/drawing/2018/hyperlinkcolor" matchingName="Blank">
+<p:sldLayout xmlns:a="http://schemas.openxmlformats.org/drawingml/2006/main" xmlns:r="http://schemas.openxmlformats.org/officeDocument/2006/relationships" xmlns:p="http://schemas.openxmlformats.org/presentationml/2006/main" matchingName="Blank">
   <p:cSld name="BLANK_1_1">
     <p:spTree>
       <p:nvGrpSpPr>
-        <p:cNvPr id="54" name="Shape 54"/>
+        <p:cNvPr id="1" name="Shape 54"/>
         <p:cNvGrpSpPr/>
         <p:nvPr/>
       </p:nvGrpSpPr>
@@ -2503,9 +2611,11 @@
       <p:sp>
         <p:nvSpPr>
           <p:cNvPr id="55" name="Google Shape;55;p12"/>
-          <p:cNvSpPr txBox="1"/>
+          <p:cNvSpPr txBox="1">
+            <a:spLocks noGrp="1"/>
+          </p:cNvSpPr>
           <p:nvPr>
-            <p:ph idx="12" type="sldNum"/>
+            <p:ph type="sldNum" idx="12"/>
           </p:nvPr>
         </p:nvSpPr>
         <p:spPr>
@@ -2518,7 +2628,7 @@
           </a:prstGeom>
         </p:spPr>
         <p:txBody>
-          <a:bodyPr anchorCtr="0" anchor="ctr" bIns="0" lIns="0" spcFirstLastPara="1" rIns="0" wrap="square" tIns="0">
+          <a:bodyPr spcFirstLastPara="1" wrap="square" lIns="0" tIns="0" rIns="0" bIns="0" anchor="ctr" anchorCtr="0">
             <a:noAutofit/>
           </a:bodyPr>
           <a:lstStyle>
@@ -2560,7 +2670,7 @@
             </a:lvl9pPr>
           </a:lstStyle>
           <a:p>
-            <a:pPr indent="0" lvl="0" marL="0" rtl="0" algn="r">
+            <a:pPr marL="0" lvl="0" indent="0" algn="r" rtl="0">
               <a:spcBef>
                 <a:spcPts val="0"/>
               </a:spcBef>
@@ -2586,11 +2696,11 @@
 </file>
 
 <file path=ppt/slideLayouts/slideLayout2.xml><?xml version="1.0" encoding="utf-8"?>
-<p:sldLayout xmlns:a="http://schemas.openxmlformats.org/drawingml/2006/main" xmlns:r="http://schemas.openxmlformats.org/officeDocument/2006/relationships" xmlns:mc="http://schemas.openxmlformats.org/markup-compatibility/2006" xmlns:mv="urn:schemas-microsoft-com:mac:vml" xmlns:p="http://schemas.openxmlformats.org/presentationml/2006/main" xmlns:c="http://schemas.openxmlformats.org/drawingml/2006/chart" xmlns:dgm="http://schemas.openxmlformats.org/drawingml/2006/diagram" xmlns:o="urn:schemas-microsoft-com:office:office" xmlns:v="urn:schemas-microsoft-com:vml" xmlns:pvml="urn:schemas-microsoft-com:office:powerpoint" xmlns:com="http://schemas.openxmlformats.org/drawingml/2006/compatibility" xmlns:p14="http://schemas.microsoft.com/office/powerpoint/2010/main" xmlns:p15="http://schemas.microsoft.com/office/powerpoint/2012/main" xmlns:ahyp="http://schemas.microsoft.com/office/drawing/2018/hyperlinkcolor" matchingName="Subtitle">
+<p:sldLayout xmlns:a="http://schemas.openxmlformats.org/drawingml/2006/main" xmlns:r="http://schemas.openxmlformats.org/officeDocument/2006/relationships" xmlns:p="http://schemas.openxmlformats.org/presentationml/2006/main" matchingName="Subtitle">
   <p:cSld name="TITLE_1">
     <p:spTree>
       <p:nvGrpSpPr>
-        <p:cNvPr id="12" name="Shape 12"/>
+        <p:cNvPr id="1" name="Shape 12"/>
         <p:cNvGrpSpPr/>
         <p:nvPr/>
       </p:nvGrpSpPr>
@@ -2633,7 +2743,9 @@
       <p:sp>
         <p:nvSpPr>
           <p:cNvPr id="14" name="Google Shape;14;p3"/>
-          <p:cNvSpPr txBox="1"/>
+          <p:cNvSpPr txBox="1">
+            <a:spLocks noGrp="1"/>
+          </p:cNvSpPr>
           <p:nvPr>
             <p:ph type="ctrTitle"/>
           </p:nvPr>
@@ -2648,7 +2760,7 @@
           </a:prstGeom>
         </p:spPr>
         <p:txBody>
-          <a:bodyPr anchorCtr="0" anchor="b" bIns="0" lIns="0" spcFirstLastPara="1" rIns="0" wrap="square" tIns="0">
+          <a:bodyPr spcFirstLastPara="1" wrap="square" lIns="0" tIns="0" rIns="0" bIns="0" anchor="b" anchorCtr="0">
             <a:noAutofit/>
           </a:bodyPr>
           <a:lstStyle>
@@ -2752,15 +2864,19 @@
               <a:defRPr sz="3600"/>
             </a:lvl9pPr>
           </a:lstStyle>
-          <a:p/>
+          <a:p>
+            <a:endParaRPr/>
+          </a:p>
         </p:txBody>
       </p:sp>
       <p:sp>
         <p:nvSpPr>
           <p:cNvPr id="15" name="Google Shape;15;p3"/>
-          <p:cNvSpPr txBox="1"/>
+          <p:cNvSpPr txBox="1">
+            <a:spLocks noGrp="1"/>
+          </p:cNvSpPr>
           <p:nvPr>
-            <p:ph idx="1" type="subTitle"/>
+            <p:ph type="subTitle" idx="1"/>
           </p:nvPr>
         </p:nvSpPr>
         <p:spPr>
@@ -2773,7 +2889,7 @@
           </a:prstGeom>
         </p:spPr>
         <p:txBody>
-          <a:bodyPr anchorCtr="0" anchor="t" bIns="0" lIns="0" spcFirstLastPara="1" rIns="0" wrap="square" tIns="0">
+          <a:bodyPr spcFirstLastPara="1" wrap="square" lIns="0" tIns="0" rIns="0" bIns="0" anchor="t" anchorCtr="0">
             <a:noAutofit/>
           </a:bodyPr>
           <a:lstStyle>
@@ -2940,7 +3056,9 @@
               </a:defRPr>
             </a:lvl9pPr>
           </a:lstStyle>
-          <a:p/>
+          <a:p>
+            <a:endParaRPr/>
+          </a:p>
         </p:txBody>
       </p:sp>
     </p:spTree>
@@ -2952,11 +3070,11 @@
 </file>
 
 <file path=ppt/slideLayouts/slideLayout3.xml><?xml version="1.0" encoding="utf-8"?>
-<p:sldLayout xmlns:a="http://schemas.openxmlformats.org/drawingml/2006/main" xmlns:r="http://schemas.openxmlformats.org/officeDocument/2006/relationships" xmlns:mc="http://schemas.openxmlformats.org/markup-compatibility/2006" xmlns:mv="urn:schemas-microsoft-com:mac:vml" xmlns:p="http://schemas.openxmlformats.org/presentationml/2006/main" xmlns:c="http://schemas.openxmlformats.org/drawingml/2006/chart" xmlns:dgm="http://schemas.openxmlformats.org/drawingml/2006/diagram" xmlns:o="urn:schemas-microsoft-com:office:office" xmlns:v="urn:schemas-microsoft-com:vml" xmlns:pvml="urn:schemas-microsoft-com:office:powerpoint" xmlns:com="http://schemas.openxmlformats.org/drawingml/2006/compatibility" xmlns:p14="http://schemas.microsoft.com/office/powerpoint/2010/main" xmlns:p15="http://schemas.microsoft.com/office/powerpoint/2012/main" xmlns:ahyp="http://schemas.microsoft.com/office/drawing/2018/hyperlinkcolor" matchingName="Quote">
+<p:sldLayout xmlns:a="http://schemas.openxmlformats.org/drawingml/2006/main" xmlns:r="http://schemas.openxmlformats.org/officeDocument/2006/relationships" xmlns:p="http://schemas.openxmlformats.org/presentationml/2006/main" matchingName="Quote">
   <p:cSld name="TITLE_1_1">
     <p:spTree>
       <p:nvGrpSpPr>
-        <p:cNvPr id="16" name="Shape 16"/>
+        <p:cNvPr id="1" name="Shape 16"/>
         <p:cNvGrpSpPr/>
         <p:nvPr/>
       </p:nvGrpSpPr>
@@ -3029,7 +3147,7 @@
               </a:gs>
             </a:gsLst>
             <a:path path="circle">
-              <a:fillToRect b="50%" l="50%" r="50%" t="50%"/>
+              <a:fillToRect l="50000" t="50000" r="50000" b="50000"/>
             </a:path>
             <a:tileRect/>
           </a:gradFill>
@@ -3038,12 +3156,12 @@
           </a:ln>
         </p:spPr>
         <p:txBody>
-          <a:bodyPr anchorCtr="0" anchor="ctr" bIns="91425" lIns="91425" spcFirstLastPara="1" rIns="91425" wrap="square" tIns="91425">
+          <a:bodyPr spcFirstLastPara="1" wrap="square" lIns="91425" tIns="91425" rIns="91425" bIns="91425" anchor="ctr" anchorCtr="0">
             <a:noAutofit/>
           </a:bodyPr>
           <a:lstStyle/>
           <a:p>
-            <a:pPr indent="0" lvl="0" marL="0" rtl="0" algn="l">
+            <a:pPr marL="0" lvl="0" indent="0" algn="l" rtl="0">
               <a:spcBef>
                 <a:spcPts val="0"/>
               </a:spcBef>
@@ -3052,9 +3170,6 @@
               </a:spcAft>
               <a:buNone/>
             </a:pPr>
-            <a:r>
-              <a:t/>
-            </a:r>
             <a:endParaRPr/>
           </a:p>
         </p:txBody>
@@ -3062,9 +3177,11 @@
       <p:sp>
         <p:nvSpPr>
           <p:cNvPr id="19" name="Google Shape;19;p4"/>
-          <p:cNvSpPr txBox="1"/>
+          <p:cNvSpPr txBox="1">
+            <a:spLocks noGrp="1"/>
+          </p:cNvSpPr>
           <p:nvPr>
-            <p:ph idx="1" type="body"/>
+            <p:ph type="body" idx="1"/>
           </p:nvPr>
         </p:nvSpPr>
         <p:spPr>
@@ -3077,11 +3194,11 @@
           </a:prstGeom>
         </p:spPr>
         <p:txBody>
-          <a:bodyPr anchorCtr="0" anchor="t" bIns="0" lIns="0" spcFirstLastPara="1" rIns="0" wrap="square" tIns="0">
+          <a:bodyPr spcFirstLastPara="1" wrap="square" lIns="0" tIns="0" rIns="0" bIns="0" anchor="t" anchorCtr="0">
             <a:noAutofit/>
           </a:bodyPr>
           <a:lstStyle>
-            <a:lvl1pPr indent="-419100" lvl="0" marL="457200" rtl="0">
+            <a:lvl1pPr marL="457200" lvl="0" indent="-419100" rtl="0">
               <a:spcBef>
                 <a:spcPts val="600"/>
               </a:spcBef>
@@ -3098,7 +3215,7 @@
                 <a:sym typeface="Lexend Deca"/>
               </a:defRPr>
             </a:lvl1pPr>
-            <a:lvl2pPr indent="-419100" lvl="1" marL="914400" rtl="0">
+            <a:lvl2pPr marL="914400" lvl="1" indent="-419100" rtl="0">
               <a:spcBef>
                 <a:spcPts val="0"/>
               </a:spcBef>
@@ -3115,7 +3232,7 @@
                 <a:sym typeface="Lexend Deca"/>
               </a:defRPr>
             </a:lvl2pPr>
-            <a:lvl3pPr indent="-419100" lvl="2" marL="1371600" rtl="0">
+            <a:lvl3pPr marL="1371600" lvl="2" indent="-419100" rtl="0">
               <a:spcBef>
                 <a:spcPts val="0"/>
               </a:spcBef>
@@ -3132,7 +3249,7 @@
                 <a:sym typeface="Lexend Deca"/>
               </a:defRPr>
             </a:lvl3pPr>
-            <a:lvl4pPr indent="-419100" lvl="3" marL="1828800" rtl="0">
+            <a:lvl4pPr marL="1828800" lvl="3" indent="-419100" rtl="0">
               <a:spcBef>
                 <a:spcPts val="0"/>
               </a:spcBef>
@@ -3149,7 +3266,7 @@
                 <a:sym typeface="Lexend Deca"/>
               </a:defRPr>
             </a:lvl4pPr>
-            <a:lvl5pPr indent="-419100" lvl="4" marL="2286000" rtl="0">
+            <a:lvl5pPr marL="2286000" lvl="4" indent="-419100" rtl="0">
               <a:spcBef>
                 <a:spcPts val="0"/>
               </a:spcBef>
@@ -3166,7 +3283,7 @@
                 <a:sym typeface="Lexend Deca"/>
               </a:defRPr>
             </a:lvl5pPr>
-            <a:lvl6pPr indent="-419100" lvl="5" marL="2743200" rtl="0">
+            <a:lvl6pPr marL="2743200" lvl="5" indent="-419100" rtl="0">
               <a:spcBef>
                 <a:spcPts val="0"/>
               </a:spcBef>
@@ -3183,7 +3300,7 @@
                 <a:sym typeface="Lexend Deca"/>
               </a:defRPr>
             </a:lvl6pPr>
-            <a:lvl7pPr indent="-419100" lvl="6" marL="3200400" rtl="0">
+            <a:lvl7pPr marL="3200400" lvl="6" indent="-419100" rtl="0">
               <a:spcBef>
                 <a:spcPts val="0"/>
               </a:spcBef>
@@ -3200,7 +3317,7 @@
                 <a:sym typeface="Lexend Deca"/>
               </a:defRPr>
             </a:lvl7pPr>
-            <a:lvl8pPr indent="-419100" lvl="7" marL="3657600" rtl="0">
+            <a:lvl8pPr marL="3657600" lvl="7" indent="-419100" rtl="0">
               <a:spcBef>
                 <a:spcPts val="0"/>
               </a:spcBef>
@@ -3217,7 +3334,7 @@
                 <a:sym typeface="Lexend Deca"/>
               </a:defRPr>
             </a:lvl8pPr>
-            <a:lvl9pPr indent="-419100" lvl="8" marL="4114800">
+            <a:lvl9pPr marL="4114800" lvl="8" indent="-419100">
               <a:spcBef>
                 <a:spcPts val="0"/>
               </a:spcBef>
@@ -3235,7 +3352,9 @@
               </a:defRPr>
             </a:lvl9pPr>
           </a:lstStyle>
-          <a:p/>
+          <a:p>
+            <a:endParaRPr/>
+          </a:p>
         </p:txBody>
       </p:sp>
       <p:sp>
@@ -3258,12 +3377,12 @@
           </a:ln>
         </p:spPr>
         <p:txBody>
-          <a:bodyPr anchorCtr="0" anchor="t" bIns="0" lIns="0" spcFirstLastPara="1" rIns="0" wrap="square" tIns="0">
+          <a:bodyPr spcFirstLastPara="1" wrap="square" lIns="0" tIns="0" rIns="0" bIns="0" anchor="t" anchorCtr="0">
             <a:noAutofit/>
           </a:bodyPr>
           <a:lstStyle/>
           <a:p>
-            <a:pPr indent="0" lvl="0" marL="0" rtl="0" algn="l">
+            <a:pPr marL="0" lvl="0" indent="0" algn="l" rtl="0">
               <a:spcBef>
                 <a:spcPts val="0"/>
               </a:spcBef>
@@ -3299,9 +3418,11 @@
       <p:sp>
         <p:nvSpPr>
           <p:cNvPr id="21" name="Google Shape;21;p4"/>
-          <p:cNvSpPr txBox="1"/>
+          <p:cNvSpPr txBox="1">
+            <a:spLocks noGrp="1"/>
+          </p:cNvSpPr>
           <p:nvPr>
-            <p:ph idx="12" type="sldNum"/>
+            <p:ph type="sldNum" idx="12"/>
           </p:nvPr>
         </p:nvSpPr>
         <p:spPr>
@@ -3314,7 +3435,7 @@
           </a:prstGeom>
         </p:spPr>
         <p:txBody>
-          <a:bodyPr anchorCtr="0" anchor="ctr" bIns="0" lIns="0" spcFirstLastPara="1" rIns="0" wrap="square" tIns="0">
+          <a:bodyPr spcFirstLastPara="1" wrap="square" lIns="0" tIns="0" rIns="0" bIns="0" anchor="ctr" anchorCtr="0">
             <a:noAutofit/>
           </a:bodyPr>
           <a:lstStyle>
@@ -3356,7 +3477,7 @@
             </a:lvl9pPr>
           </a:lstStyle>
           <a:p>
-            <a:pPr indent="0" lvl="0" marL="0" rtl="0" algn="r">
+            <a:pPr marL="0" lvl="0" indent="0" algn="r" rtl="0">
               <a:spcBef>
                 <a:spcPts val="0"/>
               </a:spcBef>
@@ -3382,11 +3503,11 @@
 </file>
 
 <file path=ppt/slideLayouts/slideLayout4.xml><?xml version="1.0" encoding="utf-8"?>
-<p:sldLayout xmlns:a="http://schemas.openxmlformats.org/drawingml/2006/main" xmlns:r="http://schemas.openxmlformats.org/officeDocument/2006/relationships" xmlns:mc="http://schemas.openxmlformats.org/markup-compatibility/2006" xmlns:mv="urn:schemas-microsoft-com:mac:vml" xmlns:p="http://schemas.openxmlformats.org/presentationml/2006/main" xmlns:c="http://schemas.openxmlformats.org/drawingml/2006/chart" xmlns:dgm="http://schemas.openxmlformats.org/drawingml/2006/diagram" xmlns:o="urn:schemas-microsoft-com:office:office" xmlns:v="urn:schemas-microsoft-com:vml" xmlns:pvml="urn:schemas-microsoft-com:office:powerpoint" xmlns:com="http://schemas.openxmlformats.org/drawingml/2006/compatibility" xmlns:p14="http://schemas.microsoft.com/office/powerpoint/2010/main" xmlns:p15="http://schemas.microsoft.com/office/powerpoint/2012/main" xmlns:ahyp="http://schemas.microsoft.com/office/drawing/2018/hyperlinkcolor" matchingName="Title + 1 column" type="tx">
+<p:sldLayout xmlns:a="http://schemas.openxmlformats.org/drawingml/2006/main" xmlns:r="http://schemas.openxmlformats.org/officeDocument/2006/relationships" xmlns:p="http://schemas.openxmlformats.org/presentationml/2006/main" matchingName="Title + 1 column" type="tx">
   <p:cSld name="TITLE_AND_BODY">
     <p:spTree>
       <p:nvGrpSpPr>
-        <p:cNvPr id="22" name="Shape 22"/>
+        <p:cNvPr id="1" name="Shape 22"/>
         <p:cNvGrpSpPr/>
         <p:nvPr/>
       </p:nvGrpSpPr>
@@ -3429,7 +3550,9 @@
       <p:sp>
         <p:nvSpPr>
           <p:cNvPr id="24" name="Google Shape;24;p5"/>
-          <p:cNvSpPr txBox="1"/>
+          <p:cNvSpPr txBox="1">
+            <a:spLocks noGrp="1"/>
+          </p:cNvSpPr>
           <p:nvPr>
             <p:ph type="title"/>
           </p:nvPr>
@@ -3444,7 +3567,7 @@
           </a:prstGeom>
         </p:spPr>
         <p:txBody>
-          <a:bodyPr anchorCtr="0" anchor="b" bIns="0" lIns="0" spcFirstLastPara="1" rIns="0" wrap="square" tIns="0">
+          <a:bodyPr spcFirstLastPara="1" wrap="square" lIns="0" tIns="0" rIns="0" bIns="0" anchor="b" anchorCtr="0">
             <a:noAutofit/>
           </a:bodyPr>
           <a:lstStyle>
@@ -3548,15 +3671,19 @@
               <a:defRPr/>
             </a:lvl9pPr>
           </a:lstStyle>
-          <a:p/>
+          <a:p>
+            <a:endParaRPr/>
+          </a:p>
         </p:txBody>
       </p:sp>
       <p:sp>
         <p:nvSpPr>
           <p:cNvPr id="25" name="Google Shape;25;p5"/>
-          <p:cNvSpPr txBox="1"/>
+          <p:cNvSpPr txBox="1">
+            <a:spLocks noGrp="1"/>
+          </p:cNvSpPr>
           <p:nvPr>
-            <p:ph idx="1" type="body"/>
+            <p:ph type="body" idx="1"/>
           </p:nvPr>
         </p:nvSpPr>
         <p:spPr>
@@ -3569,11 +3696,11 @@
           </a:prstGeom>
         </p:spPr>
         <p:txBody>
-          <a:bodyPr anchorCtr="0" anchor="t" bIns="0" lIns="0" spcFirstLastPara="1" rIns="0" wrap="square" tIns="0">
+          <a:bodyPr spcFirstLastPara="1" wrap="square" lIns="0" tIns="0" rIns="0" bIns="0" anchor="t" anchorCtr="0">
             <a:noAutofit/>
           </a:bodyPr>
           <a:lstStyle>
-            <a:lvl1pPr indent="-381000" lvl="0" marL="457200">
+            <a:lvl1pPr marL="457200" lvl="0" indent="-381000">
               <a:spcBef>
                 <a:spcPts val="600"/>
               </a:spcBef>
@@ -3584,7 +3711,7 @@
               <a:buChar char="⬡"/>
               <a:defRPr/>
             </a:lvl1pPr>
-            <a:lvl2pPr indent="-381000" lvl="1" marL="914400">
+            <a:lvl2pPr marL="914400" lvl="1" indent="-381000">
               <a:spcBef>
                 <a:spcPts val="0"/>
               </a:spcBef>
@@ -3595,7 +3722,7 @@
               <a:buChar char="∙"/>
               <a:defRPr/>
             </a:lvl2pPr>
-            <a:lvl3pPr indent="-381000" lvl="2" marL="1371600">
+            <a:lvl3pPr marL="1371600" lvl="2" indent="-381000">
               <a:spcBef>
                 <a:spcPts val="0"/>
               </a:spcBef>
@@ -3606,7 +3733,7 @@
               <a:buChar char="∙"/>
               <a:defRPr/>
             </a:lvl3pPr>
-            <a:lvl4pPr indent="-381000" lvl="3" marL="1828800">
+            <a:lvl4pPr marL="1828800" lvl="3" indent="-381000">
               <a:spcBef>
                 <a:spcPts val="0"/>
               </a:spcBef>
@@ -3617,7 +3744,7 @@
               <a:buChar char="●"/>
               <a:defRPr/>
             </a:lvl4pPr>
-            <a:lvl5pPr indent="-381000" lvl="4" marL="2286000">
+            <a:lvl5pPr marL="2286000" lvl="4" indent="-381000">
               <a:spcBef>
                 <a:spcPts val="0"/>
               </a:spcBef>
@@ -3628,7 +3755,7 @@
               <a:buChar char="○"/>
               <a:defRPr/>
             </a:lvl5pPr>
-            <a:lvl6pPr indent="-381000" lvl="5" marL="2743200">
+            <a:lvl6pPr marL="2743200" lvl="5" indent="-381000">
               <a:spcBef>
                 <a:spcPts val="0"/>
               </a:spcBef>
@@ -3639,7 +3766,7 @@
               <a:buChar char="■"/>
               <a:defRPr/>
             </a:lvl6pPr>
-            <a:lvl7pPr indent="-381000" lvl="6" marL="3200400">
+            <a:lvl7pPr marL="3200400" lvl="6" indent="-381000">
               <a:spcBef>
                 <a:spcPts val="0"/>
               </a:spcBef>
@@ -3650,7 +3777,7 @@
               <a:buChar char="●"/>
               <a:defRPr/>
             </a:lvl7pPr>
-            <a:lvl8pPr indent="-381000" lvl="7" marL="3657600">
+            <a:lvl8pPr marL="3657600" lvl="7" indent="-381000">
               <a:spcBef>
                 <a:spcPts val="0"/>
               </a:spcBef>
@@ -3661,7 +3788,7 @@
               <a:buChar char="○"/>
               <a:defRPr/>
             </a:lvl8pPr>
-            <a:lvl9pPr indent="-381000" lvl="8" marL="4114800">
+            <a:lvl9pPr marL="4114800" lvl="8" indent="-381000">
               <a:spcBef>
                 <a:spcPts val="0"/>
               </a:spcBef>
@@ -3673,15 +3800,19 @@
               <a:defRPr/>
             </a:lvl9pPr>
           </a:lstStyle>
-          <a:p/>
+          <a:p>
+            <a:endParaRPr/>
+          </a:p>
         </p:txBody>
       </p:sp>
       <p:sp>
         <p:nvSpPr>
           <p:cNvPr id="26" name="Google Shape;26;p5"/>
-          <p:cNvSpPr txBox="1"/>
+          <p:cNvSpPr txBox="1">
+            <a:spLocks noGrp="1"/>
+          </p:cNvSpPr>
           <p:nvPr>
-            <p:ph idx="12" type="sldNum"/>
+            <p:ph type="sldNum" idx="12"/>
           </p:nvPr>
         </p:nvSpPr>
         <p:spPr>
@@ -3694,7 +3825,7 @@
           </a:prstGeom>
         </p:spPr>
         <p:txBody>
-          <a:bodyPr anchorCtr="0" anchor="ctr" bIns="0" lIns="0" spcFirstLastPara="1" rIns="0" wrap="square" tIns="0">
+          <a:bodyPr spcFirstLastPara="1" wrap="square" lIns="0" tIns="0" rIns="0" bIns="0" anchor="ctr" anchorCtr="0">
             <a:noAutofit/>
           </a:bodyPr>
           <a:lstStyle>
@@ -3736,7 +3867,7 @@
             </a:lvl9pPr>
           </a:lstStyle>
           <a:p>
-            <a:pPr indent="0" lvl="0" marL="0" rtl="0" algn="r">
+            <a:pPr marL="0" lvl="0" indent="0" algn="r" rtl="0">
               <a:spcBef>
                 <a:spcPts val="0"/>
               </a:spcBef>
@@ -3762,11 +3893,11 @@
 </file>
 
 <file path=ppt/slideLayouts/slideLayout5.xml><?xml version="1.0" encoding="utf-8"?>
-<p:sldLayout xmlns:a="http://schemas.openxmlformats.org/drawingml/2006/main" xmlns:r="http://schemas.openxmlformats.org/officeDocument/2006/relationships" xmlns:mc="http://schemas.openxmlformats.org/markup-compatibility/2006" xmlns:mv="urn:schemas-microsoft-com:mac:vml" xmlns:p="http://schemas.openxmlformats.org/presentationml/2006/main" xmlns:c="http://schemas.openxmlformats.org/drawingml/2006/chart" xmlns:dgm="http://schemas.openxmlformats.org/drawingml/2006/diagram" xmlns:o="urn:schemas-microsoft-com:office:office" xmlns:v="urn:schemas-microsoft-com:vml" xmlns:pvml="urn:schemas-microsoft-com:office:powerpoint" xmlns:com="http://schemas.openxmlformats.org/drawingml/2006/compatibility" xmlns:p14="http://schemas.microsoft.com/office/powerpoint/2010/main" xmlns:p15="http://schemas.microsoft.com/office/powerpoint/2012/main" xmlns:ahyp="http://schemas.microsoft.com/office/drawing/2018/hyperlinkcolor" matchingName="Title + 2 columns" type="twoColTx">
+<p:sldLayout xmlns:a="http://schemas.openxmlformats.org/drawingml/2006/main" xmlns:r="http://schemas.openxmlformats.org/officeDocument/2006/relationships" xmlns:p="http://schemas.openxmlformats.org/presentationml/2006/main" matchingName="Title + 2 columns" type="twoColTx">
   <p:cSld name="TITLE_AND_TWO_COLUMNS">
     <p:spTree>
       <p:nvGrpSpPr>
-        <p:cNvPr id="27" name="Shape 27"/>
+        <p:cNvPr id="1" name="Shape 27"/>
         <p:cNvGrpSpPr/>
         <p:nvPr/>
       </p:nvGrpSpPr>
@@ -3809,7 +3940,9 @@
       <p:sp>
         <p:nvSpPr>
           <p:cNvPr id="29" name="Google Shape;29;p6"/>
-          <p:cNvSpPr txBox="1"/>
+          <p:cNvSpPr txBox="1">
+            <a:spLocks noGrp="1"/>
+          </p:cNvSpPr>
           <p:nvPr>
             <p:ph type="title"/>
           </p:nvPr>
@@ -3824,7 +3957,7 @@
           </a:prstGeom>
         </p:spPr>
         <p:txBody>
-          <a:bodyPr anchorCtr="0" anchor="b" bIns="0" lIns="0" spcFirstLastPara="1" rIns="0" wrap="square" tIns="0">
+          <a:bodyPr spcFirstLastPara="1" wrap="square" lIns="0" tIns="0" rIns="0" bIns="0" anchor="b" anchorCtr="0">
             <a:noAutofit/>
           </a:bodyPr>
           <a:lstStyle>
@@ -3928,15 +4061,19 @@
               <a:defRPr/>
             </a:lvl9pPr>
           </a:lstStyle>
-          <a:p/>
+          <a:p>
+            <a:endParaRPr/>
+          </a:p>
         </p:txBody>
       </p:sp>
       <p:sp>
         <p:nvSpPr>
           <p:cNvPr id="30" name="Google Shape;30;p6"/>
-          <p:cNvSpPr txBox="1"/>
+          <p:cNvSpPr txBox="1">
+            <a:spLocks noGrp="1"/>
+          </p:cNvSpPr>
           <p:nvPr>
-            <p:ph idx="1" type="body"/>
+            <p:ph type="body" idx="1"/>
           </p:nvPr>
         </p:nvSpPr>
         <p:spPr>
@@ -3949,11 +4086,11 @@
           </a:prstGeom>
         </p:spPr>
         <p:txBody>
-          <a:bodyPr anchorCtr="0" anchor="t" bIns="0" lIns="0" spcFirstLastPara="1" rIns="0" wrap="square" tIns="0">
+          <a:bodyPr spcFirstLastPara="1" wrap="square" lIns="0" tIns="0" rIns="0" bIns="0" anchor="t" anchorCtr="0">
             <a:noAutofit/>
           </a:bodyPr>
           <a:lstStyle>
-            <a:lvl1pPr indent="-355600" lvl="0" marL="457200">
+            <a:lvl1pPr marL="457200" lvl="0" indent="-355600">
               <a:spcBef>
                 <a:spcPts val="600"/>
               </a:spcBef>
@@ -3964,7 +4101,7 @@
               <a:buChar char="⬡"/>
               <a:defRPr sz="2000"/>
             </a:lvl1pPr>
-            <a:lvl2pPr indent="-355600" lvl="1" marL="914400">
+            <a:lvl2pPr marL="914400" lvl="1" indent="-355600">
               <a:spcBef>
                 <a:spcPts val="0"/>
               </a:spcBef>
@@ -3975,7 +4112,7 @@
               <a:buChar char="∙"/>
               <a:defRPr sz="2000"/>
             </a:lvl2pPr>
-            <a:lvl3pPr indent="-355600" lvl="2" marL="1371600">
+            <a:lvl3pPr marL="1371600" lvl="2" indent="-355600">
               <a:spcBef>
                 <a:spcPts val="0"/>
               </a:spcBef>
@@ -3986,7 +4123,7 @@
               <a:buChar char="∙"/>
               <a:defRPr sz="2000"/>
             </a:lvl3pPr>
-            <a:lvl4pPr indent="-355600" lvl="3" marL="1828800">
+            <a:lvl4pPr marL="1828800" lvl="3" indent="-355600">
               <a:spcBef>
                 <a:spcPts val="0"/>
               </a:spcBef>
@@ -3997,7 +4134,7 @@
               <a:buChar char="●"/>
               <a:defRPr sz="2000"/>
             </a:lvl4pPr>
-            <a:lvl5pPr indent="-355600" lvl="4" marL="2286000">
+            <a:lvl5pPr marL="2286000" lvl="4" indent="-355600">
               <a:spcBef>
                 <a:spcPts val="0"/>
               </a:spcBef>
@@ -4008,7 +4145,7 @@
               <a:buChar char="○"/>
               <a:defRPr sz="2000"/>
             </a:lvl5pPr>
-            <a:lvl6pPr indent="-355600" lvl="5" marL="2743200">
+            <a:lvl6pPr marL="2743200" lvl="5" indent="-355600">
               <a:spcBef>
                 <a:spcPts val="0"/>
               </a:spcBef>
@@ -4019,7 +4156,7 @@
               <a:buChar char="■"/>
               <a:defRPr sz="2000"/>
             </a:lvl6pPr>
-            <a:lvl7pPr indent="-355600" lvl="6" marL="3200400">
+            <a:lvl7pPr marL="3200400" lvl="6" indent="-355600">
               <a:spcBef>
                 <a:spcPts val="0"/>
               </a:spcBef>
@@ -4030,7 +4167,7 @@
               <a:buChar char="●"/>
               <a:defRPr sz="2000"/>
             </a:lvl7pPr>
-            <a:lvl8pPr indent="-355600" lvl="7" marL="3657600">
+            <a:lvl8pPr marL="3657600" lvl="7" indent="-355600">
               <a:spcBef>
                 <a:spcPts val="0"/>
               </a:spcBef>
@@ -4041,7 +4178,7 @@
               <a:buChar char="○"/>
               <a:defRPr sz="2000"/>
             </a:lvl8pPr>
-            <a:lvl9pPr indent="-355600" lvl="8" marL="4114800">
+            <a:lvl9pPr marL="4114800" lvl="8" indent="-355600">
               <a:spcBef>
                 <a:spcPts val="0"/>
               </a:spcBef>
@@ -4053,15 +4190,19 @@
               <a:defRPr sz="2000"/>
             </a:lvl9pPr>
           </a:lstStyle>
-          <a:p/>
+          <a:p>
+            <a:endParaRPr/>
+          </a:p>
         </p:txBody>
       </p:sp>
       <p:sp>
         <p:nvSpPr>
           <p:cNvPr id="31" name="Google Shape;31;p6"/>
-          <p:cNvSpPr txBox="1"/>
+          <p:cNvSpPr txBox="1">
+            <a:spLocks noGrp="1"/>
+          </p:cNvSpPr>
           <p:nvPr>
-            <p:ph idx="2" type="body"/>
+            <p:ph type="body" idx="2"/>
           </p:nvPr>
         </p:nvSpPr>
         <p:spPr>
@@ -4074,11 +4215,11 @@
           </a:prstGeom>
         </p:spPr>
         <p:txBody>
-          <a:bodyPr anchorCtr="0" anchor="t" bIns="0" lIns="0" spcFirstLastPara="1" rIns="0" wrap="square" tIns="0">
+          <a:bodyPr spcFirstLastPara="1" wrap="square" lIns="0" tIns="0" rIns="0" bIns="0" anchor="t" anchorCtr="0">
             <a:noAutofit/>
           </a:bodyPr>
           <a:lstStyle>
-            <a:lvl1pPr indent="-355600" lvl="0" marL="457200">
+            <a:lvl1pPr marL="457200" lvl="0" indent="-355600">
               <a:spcBef>
                 <a:spcPts val="600"/>
               </a:spcBef>
@@ -4089,7 +4230,7 @@
               <a:buChar char="⬡"/>
               <a:defRPr sz="2000"/>
             </a:lvl1pPr>
-            <a:lvl2pPr indent="-355600" lvl="1" marL="914400">
+            <a:lvl2pPr marL="914400" lvl="1" indent="-355600">
               <a:spcBef>
                 <a:spcPts val="0"/>
               </a:spcBef>
@@ -4100,7 +4241,7 @@
               <a:buChar char="∙"/>
               <a:defRPr sz="2000"/>
             </a:lvl2pPr>
-            <a:lvl3pPr indent="-355600" lvl="2" marL="1371600">
+            <a:lvl3pPr marL="1371600" lvl="2" indent="-355600">
               <a:spcBef>
                 <a:spcPts val="0"/>
               </a:spcBef>
@@ -4111,7 +4252,7 @@
               <a:buChar char="∙"/>
               <a:defRPr sz="2000"/>
             </a:lvl3pPr>
-            <a:lvl4pPr indent="-355600" lvl="3" marL="1828800">
+            <a:lvl4pPr marL="1828800" lvl="3" indent="-355600">
               <a:spcBef>
                 <a:spcPts val="0"/>
               </a:spcBef>
@@ -4122,7 +4263,7 @@
               <a:buChar char="●"/>
               <a:defRPr sz="2000"/>
             </a:lvl4pPr>
-            <a:lvl5pPr indent="-355600" lvl="4" marL="2286000">
+            <a:lvl5pPr marL="2286000" lvl="4" indent="-355600">
               <a:spcBef>
                 <a:spcPts val="0"/>
               </a:spcBef>
@@ -4133,7 +4274,7 @@
               <a:buChar char="○"/>
               <a:defRPr sz="2000"/>
             </a:lvl5pPr>
-            <a:lvl6pPr indent="-355600" lvl="5" marL="2743200">
+            <a:lvl6pPr marL="2743200" lvl="5" indent="-355600">
               <a:spcBef>
                 <a:spcPts val="0"/>
               </a:spcBef>
@@ -4144,7 +4285,7 @@
               <a:buChar char="■"/>
               <a:defRPr sz="2000"/>
             </a:lvl6pPr>
-            <a:lvl7pPr indent="-355600" lvl="6" marL="3200400">
+            <a:lvl7pPr marL="3200400" lvl="6" indent="-355600">
               <a:spcBef>
                 <a:spcPts val="0"/>
               </a:spcBef>
@@ -4155,7 +4296,7 @@
               <a:buChar char="●"/>
               <a:defRPr sz="2000"/>
             </a:lvl7pPr>
-            <a:lvl8pPr indent="-355600" lvl="7" marL="3657600">
+            <a:lvl8pPr marL="3657600" lvl="7" indent="-355600">
               <a:spcBef>
                 <a:spcPts val="0"/>
               </a:spcBef>
@@ -4166,7 +4307,7 @@
               <a:buChar char="○"/>
               <a:defRPr sz="2000"/>
             </a:lvl8pPr>
-            <a:lvl9pPr indent="-355600" lvl="8" marL="4114800">
+            <a:lvl9pPr marL="4114800" lvl="8" indent="-355600">
               <a:spcBef>
                 <a:spcPts val="0"/>
               </a:spcBef>
@@ -4178,15 +4319,19 @@
               <a:defRPr sz="2000"/>
             </a:lvl9pPr>
           </a:lstStyle>
-          <a:p/>
+          <a:p>
+            <a:endParaRPr/>
+          </a:p>
         </p:txBody>
       </p:sp>
       <p:sp>
         <p:nvSpPr>
           <p:cNvPr id="32" name="Google Shape;32;p6"/>
-          <p:cNvSpPr txBox="1"/>
+          <p:cNvSpPr txBox="1">
+            <a:spLocks noGrp="1"/>
+          </p:cNvSpPr>
           <p:nvPr>
-            <p:ph idx="12" type="sldNum"/>
+            <p:ph type="sldNum" idx="12"/>
           </p:nvPr>
         </p:nvSpPr>
         <p:spPr>
@@ -4199,7 +4344,7 @@
           </a:prstGeom>
         </p:spPr>
         <p:txBody>
-          <a:bodyPr anchorCtr="0" anchor="ctr" bIns="0" lIns="0" spcFirstLastPara="1" rIns="0" wrap="square" tIns="0">
+          <a:bodyPr spcFirstLastPara="1" wrap="square" lIns="0" tIns="0" rIns="0" bIns="0" anchor="ctr" anchorCtr="0">
             <a:noAutofit/>
           </a:bodyPr>
           <a:lstStyle>
@@ -4241,7 +4386,7 @@
             </a:lvl9pPr>
           </a:lstStyle>
           <a:p>
-            <a:pPr indent="0" lvl="0" marL="0" rtl="0" algn="r">
+            <a:pPr marL="0" lvl="0" indent="0" algn="r" rtl="0">
               <a:spcBef>
                 <a:spcPts val="0"/>
               </a:spcBef>
@@ -4267,11 +4412,11 @@
 </file>
 
 <file path=ppt/slideLayouts/slideLayout6.xml><?xml version="1.0" encoding="utf-8"?>
-<p:sldLayout xmlns:a="http://schemas.openxmlformats.org/drawingml/2006/main" xmlns:r="http://schemas.openxmlformats.org/officeDocument/2006/relationships" xmlns:mc="http://schemas.openxmlformats.org/markup-compatibility/2006" xmlns:mv="urn:schemas-microsoft-com:mac:vml" xmlns:p="http://schemas.openxmlformats.org/presentationml/2006/main" xmlns:c="http://schemas.openxmlformats.org/drawingml/2006/chart" xmlns:dgm="http://schemas.openxmlformats.org/drawingml/2006/diagram" xmlns:o="urn:schemas-microsoft-com:office:office" xmlns:v="urn:schemas-microsoft-com:vml" xmlns:pvml="urn:schemas-microsoft-com:office:powerpoint" xmlns:com="http://schemas.openxmlformats.org/drawingml/2006/compatibility" xmlns:p14="http://schemas.microsoft.com/office/powerpoint/2010/main" xmlns:p15="http://schemas.microsoft.com/office/powerpoint/2012/main" xmlns:ahyp="http://schemas.microsoft.com/office/drawing/2018/hyperlinkcolor" matchingName="Title + 3 columns">
+<p:sldLayout xmlns:a="http://schemas.openxmlformats.org/drawingml/2006/main" xmlns:r="http://schemas.openxmlformats.org/officeDocument/2006/relationships" xmlns:p="http://schemas.openxmlformats.org/presentationml/2006/main" matchingName="Title + 3 columns">
   <p:cSld name="TITLE_AND_TWO_COLUMNS_1">
     <p:spTree>
       <p:nvGrpSpPr>
-        <p:cNvPr id="33" name="Shape 33"/>
+        <p:cNvPr id="1" name="Shape 33"/>
         <p:cNvGrpSpPr/>
         <p:nvPr/>
       </p:nvGrpSpPr>
@@ -4314,7 +4459,9 @@
       <p:sp>
         <p:nvSpPr>
           <p:cNvPr id="35" name="Google Shape;35;p7"/>
-          <p:cNvSpPr txBox="1"/>
+          <p:cNvSpPr txBox="1">
+            <a:spLocks noGrp="1"/>
+          </p:cNvSpPr>
           <p:nvPr>
             <p:ph type="title"/>
           </p:nvPr>
@@ -4329,7 +4476,7 @@
           </a:prstGeom>
         </p:spPr>
         <p:txBody>
-          <a:bodyPr anchorCtr="0" anchor="b" bIns="0" lIns="0" spcFirstLastPara="1" rIns="0" wrap="square" tIns="0">
+          <a:bodyPr spcFirstLastPara="1" wrap="square" lIns="0" tIns="0" rIns="0" bIns="0" anchor="b" anchorCtr="0">
             <a:noAutofit/>
           </a:bodyPr>
           <a:lstStyle>
@@ -4433,15 +4580,19 @@
               <a:defRPr/>
             </a:lvl9pPr>
           </a:lstStyle>
-          <a:p/>
+          <a:p>
+            <a:endParaRPr/>
+          </a:p>
         </p:txBody>
       </p:sp>
       <p:sp>
         <p:nvSpPr>
           <p:cNvPr id="36" name="Google Shape;36;p7"/>
-          <p:cNvSpPr txBox="1"/>
+          <p:cNvSpPr txBox="1">
+            <a:spLocks noGrp="1"/>
+          </p:cNvSpPr>
           <p:nvPr>
-            <p:ph idx="1" type="body"/>
+            <p:ph type="body" idx="1"/>
           </p:nvPr>
         </p:nvSpPr>
         <p:spPr>
@@ -4454,11 +4605,11 @@
           </a:prstGeom>
         </p:spPr>
         <p:txBody>
-          <a:bodyPr anchorCtr="0" anchor="t" bIns="0" lIns="0" spcFirstLastPara="1" rIns="0" wrap="square" tIns="0">
+          <a:bodyPr spcFirstLastPara="1" wrap="square" lIns="0" tIns="0" rIns="0" bIns="0" anchor="t" anchorCtr="0">
             <a:noAutofit/>
           </a:bodyPr>
           <a:lstStyle>
-            <a:lvl1pPr indent="-330200" lvl="0" marL="457200" rtl="0">
+            <a:lvl1pPr marL="457200" lvl="0" indent="-330200" rtl="0">
               <a:spcBef>
                 <a:spcPts val="600"/>
               </a:spcBef>
@@ -4469,7 +4620,7 @@
               <a:buChar char="⬡"/>
               <a:defRPr sz="1600"/>
             </a:lvl1pPr>
-            <a:lvl2pPr indent="-330200" lvl="1" marL="914400" rtl="0">
+            <a:lvl2pPr marL="914400" lvl="1" indent="-330200" rtl="0">
               <a:spcBef>
                 <a:spcPts val="0"/>
               </a:spcBef>
@@ -4480,7 +4631,7 @@
               <a:buChar char="∙"/>
               <a:defRPr sz="1600"/>
             </a:lvl2pPr>
-            <a:lvl3pPr indent="-330200" lvl="2" marL="1371600" rtl="0">
+            <a:lvl3pPr marL="1371600" lvl="2" indent="-330200" rtl="0">
               <a:spcBef>
                 <a:spcPts val="0"/>
               </a:spcBef>
@@ -4491,7 +4642,7 @@
               <a:buChar char="∙"/>
               <a:defRPr sz="1600"/>
             </a:lvl3pPr>
-            <a:lvl4pPr indent="-330200" lvl="3" marL="1828800" rtl="0">
+            <a:lvl4pPr marL="1828800" lvl="3" indent="-330200" rtl="0">
               <a:spcBef>
                 <a:spcPts val="0"/>
               </a:spcBef>
@@ -4502,7 +4653,7 @@
               <a:buChar char="●"/>
               <a:defRPr sz="1600"/>
             </a:lvl4pPr>
-            <a:lvl5pPr indent="-330200" lvl="4" marL="2286000" rtl="0">
+            <a:lvl5pPr marL="2286000" lvl="4" indent="-330200" rtl="0">
               <a:spcBef>
                 <a:spcPts val="0"/>
               </a:spcBef>
@@ -4513,7 +4664,7 @@
               <a:buChar char="○"/>
               <a:defRPr sz="1600"/>
             </a:lvl5pPr>
-            <a:lvl6pPr indent="-330200" lvl="5" marL="2743200" rtl="0">
+            <a:lvl6pPr marL="2743200" lvl="5" indent="-330200" rtl="0">
               <a:spcBef>
                 <a:spcPts val="0"/>
               </a:spcBef>
@@ -4524,7 +4675,7 @@
               <a:buChar char="■"/>
               <a:defRPr sz="1600"/>
             </a:lvl6pPr>
-            <a:lvl7pPr indent="-330200" lvl="6" marL="3200400" rtl="0">
+            <a:lvl7pPr marL="3200400" lvl="6" indent="-330200" rtl="0">
               <a:spcBef>
                 <a:spcPts val="0"/>
               </a:spcBef>
@@ -4535,7 +4686,7 @@
               <a:buChar char="●"/>
               <a:defRPr sz="1600"/>
             </a:lvl7pPr>
-            <a:lvl8pPr indent="-330200" lvl="7" marL="3657600" rtl="0">
+            <a:lvl8pPr marL="3657600" lvl="7" indent="-330200" rtl="0">
               <a:spcBef>
                 <a:spcPts val="0"/>
               </a:spcBef>
@@ -4546,7 +4697,7 @@
               <a:buChar char="○"/>
               <a:defRPr sz="1600"/>
             </a:lvl8pPr>
-            <a:lvl9pPr indent="-330200" lvl="8" marL="4114800" rtl="0">
+            <a:lvl9pPr marL="4114800" lvl="8" indent="-330200" rtl="0">
               <a:spcBef>
                 <a:spcPts val="0"/>
               </a:spcBef>
@@ -4558,15 +4709,19 @@
               <a:defRPr sz="1600"/>
             </a:lvl9pPr>
           </a:lstStyle>
-          <a:p/>
+          <a:p>
+            <a:endParaRPr/>
+          </a:p>
         </p:txBody>
       </p:sp>
       <p:sp>
         <p:nvSpPr>
           <p:cNvPr id="37" name="Google Shape;37;p7"/>
-          <p:cNvSpPr txBox="1"/>
+          <p:cNvSpPr txBox="1">
+            <a:spLocks noGrp="1"/>
+          </p:cNvSpPr>
           <p:nvPr>
-            <p:ph idx="2" type="body"/>
+            <p:ph type="body" idx="2"/>
           </p:nvPr>
         </p:nvSpPr>
         <p:spPr>
@@ -4579,11 +4734,11 @@
           </a:prstGeom>
         </p:spPr>
         <p:txBody>
-          <a:bodyPr anchorCtr="0" anchor="t" bIns="0" lIns="0" spcFirstLastPara="1" rIns="0" wrap="square" tIns="0">
+          <a:bodyPr spcFirstLastPara="1" wrap="square" lIns="0" tIns="0" rIns="0" bIns="0" anchor="t" anchorCtr="0">
             <a:noAutofit/>
           </a:bodyPr>
           <a:lstStyle>
-            <a:lvl1pPr indent="-330200" lvl="0" marL="457200" rtl="0">
+            <a:lvl1pPr marL="457200" lvl="0" indent="-330200" rtl="0">
               <a:spcBef>
                 <a:spcPts val="600"/>
               </a:spcBef>
@@ -4594,7 +4749,7 @@
               <a:buChar char="⬡"/>
               <a:defRPr sz="1600"/>
             </a:lvl1pPr>
-            <a:lvl2pPr indent="-330200" lvl="1" marL="914400" rtl="0">
+            <a:lvl2pPr marL="914400" lvl="1" indent="-330200" rtl="0">
               <a:spcBef>
                 <a:spcPts val="0"/>
               </a:spcBef>
@@ -4605,7 +4760,7 @@
               <a:buChar char="∙"/>
               <a:defRPr sz="1600"/>
             </a:lvl2pPr>
-            <a:lvl3pPr indent="-330200" lvl="2" marL="1371600" rtl="0">
+            <a:lvl3pPr marL="1371600" lvl="2" indent="-330200" rtl="0">
               <a:spcBef>
                 <a:spcPts val="0"/>
               </a:spcBef>
@@ -4616,7 +4771,7 @@
               <a:buChar char="∙"/>
               <a:defRPr sz="1600"/>
             </a:lvl3pPr>
-            <a:lvl4pPr indent="-330200" lvl="3" marL="1828800" rtl="0">
+            <a:lvl4pPr marL="1828800" lvl="3" indent="-330200" rtl="0">
               <a:spcBef>
                 <a:spcPts val="0"/>
               </a:spcBef>
@@ -4627,7 +4782,7 @@
               <a:buChar char="●"/>
               <a:defRPr sz="1600"/>
             </a:lvl4pPr>
-            <a:lvl5pPr indent="-330200" lvl="4" marL="2286000" rtl="0">
+            <a:lvl5pPr marL="2286000" lvl="4" indent="-330200" rtl="0">
               <a:spcBef>
                 <a:spcPts val="0"/>
               </a:spcBef>
@@ -4638,7 +4793,7 @@
               <a:buChar char="○"/>
               <a:defRPr sz="1600"/>
             </a:lvl5pPr>
-            <a:lvl6pPr indent="-330200" lvl="5" marL="2743200" rtl="0">
+            <a:lvl6pPr marL="2743200" lvl="5" indent="-330200" rtl="0">
               <a:spcBef>
                 <a:spcPts val="0"/>
               </a:spcBef>
@@ -4649,7 +4804,7 @@
               <a:buChar char="■"/>
               <a:defRPr sz="1600"/>
             </a:lvl6pPr>
-            <a:lvl7pPr indent="-330200" lvl="6" marL="3200400" rtl="0">
+            <a:lvl7pPr marL="3200400" lvl="6" indent="-330200" rtl="0">
               <a:spcBef>
                 <a:spcPts val="0"/>
               </a:spcBef>
@@ -4660,7 +4815,7 @@
               <a:buChar char="●"/>
               <a:defRPr sz="1600"/>
             </a:lvl7pPr>
-            <a:lvl8pPr indent="-330200" lvl="7" marL="3657600" rtl="0">
+            <a:lvl8pPr marL="3657600" lvl="7" indent="-330200" rtl="0">
               <a:spcBef>
                 <a:spcPts val="0"/>
               </a:spcBef>
@@ -4671,7 +4826,7 @@
               <a:buChar char="○"/>
               <a:defRPr sz="1600"/>
             </a:lvl8pPr>
-            <a:lvl9pPr indent="-330200" lvl="8" marL="4114800" rtl="0">
+            <a:lvl9pPr marL="4114800" lvl="8" indent="-330200" rtl="0">
               <a:spcBef>
                 <a:spcPts val="0"/>
               </a:spcBef>
@@ -4683,15 +4838,19 @@
               <a:defRPr sz="1600"/>
             </a:lvl9pPr>
           </a:lstStyle>
-          <a:p/>
+          <a:p>
+            <a:endParaRPr/>
+          </a:p>
         </p:txBody>
       </p:sp>
       <p:sp>
         <p:nvSpPr>
           <p:cNvPr id="38" name="Google Shape;38;p7"/>
-          <p:cNvSpPr txBox="1"/>
+          <p:cNvSpPr txBox="1">
+            <a:spLocks noGrp="1"/>
+          </p:cNvSpPr>
           <p:nvPr>
-            <p:ph idx="3" type="body"/>
+            <p:ph type="body" idx="3"/>
           </p:nvPr>
         </p:nvSpPr>
         <p:spPr>
@@ -4704,11 +4863,11 @@
           </a:prstGeom>
         </p:spPr>
         <p:txBody>
-          <a:bodyPr anchorCtr="0" anchor="t" bIns="0" lIns="0" spcFirstLastPara="1" rIns="0" wrap="square" tIns="0">
+          <a:bodyPr spcFirstLastPara="1" wrap="square" lIns="0" tIns="0" rIns="0" bIns="0" anchor="t" anchorCtr="0">
             <a:noAutofit/>
           </a:bodyPr>
           <a:lstStyle>
-            <a:lvl1pPr indent="-330200" lvl="0" marL="457200" rtl="0">
+            <a:lvl1pPr marL="457200" lvl="0" indent="-330200" rtl="0">
               <a:spcBef>
                 <a:spcPts val="600"/>
               </a:spcBef>
@@ -4719,7 +4878,7 @@
               <a:buChar char="⬡"/>
               <a:defRPr sz="1600"/>
             </a:lvl1pPr>
-            <a:lvl2pPr indent="-330200" lvl="1" marL="914400" rtl="0">
+            <a:lvl2pPr marL="914400" lvl="1" indent="-330200" rtl="0">
               <a:spcBef>
                 <a:spcPts val="0"/>
               </a:spcBef>
@@ -4730,7 +4889,7 @@
               <a:buChar char="∙"/>
               <a:defRPr sz="1600"/>
             </a:lvl2pPr>
-            <a:lvl3pPr indent="-330200" lvl="2" marL="1371600" rtl="0">
+            <a:lvl3pPr marL="1371600" lvl="2" indent="-330200" rtl="0">
               <a:spcBef>
                 <a:spcPts val="0"/>
               </a:spcBef>
@@ -4741,7 +4900,7 @@
               <a:buChar char="∙"/>
               <a:defRPr sz="1600"/>
             </a:lvl3pPr>
-            <a:lvl4pPr indent="-330200" lvl="3" marL="1828800" rtl="0">
+            <a:lvl4pPr marL="1828800" lvl="3" indent="-330200" rtl="0">
               <a:spcBef>
                 <a:spcPts val="0"/>
               </a:spcBef>
@@ -4752,7 +4911,7 @@
               <a:buChar char="●"/>
               <a:defRPr sz="1600"/>
             </a:lvl4pPr>
-            <a:lvl5pPr indent="-330200" lvl="4" marL="2286000" rtl="0">
+            <a:lvl5pPr marL="2286000" lvl="4" indent="-330200" rtl="0">
               <a:spcBef>
                 <a:spcPts val="0"/>
               </a:spcBef>
@@ -4763,7 +4922,7 @@
               <a:buChar char="○"/>
               <a:defRPr sz="1600"/>
             </a:lvl5pPr>
-            <a:lvl6pPr indent="-330200" lvl="5" marL="2743200" rtl="0">
+            <a:lvl6pPr marL="2743200" lvl="5" indent="-330200" rtl="0">
               <a:spcBef>
                 <a:spcPts val="0"/>
               </a:spcBef>
@@ -4774,7 +4933,7 @@
               <a:buChar char="■"/>
               <a:defRPr sz="1600"/>
             </a:lvl6pPr>
-            <a:lvl7pPr indent="-330200" lvl="6" marL="3200400" rtl="0">
+            <a:lvl7pPr marL="3200400" lvl="6" indent="-330200" rtl="0">
               <a:spcBef>
                 <a:spcPts val="0"/>
               </a:spcBef>
@@ -4785,7 +4944,7 @@
               <a:buChar char="●"/>
               <a:defRPr sz="1600"/>
             </a:lvl7pPr>
-            <a:lvl8pPr indent="-330200" lvl="7" marL="3657600" rtl="0">
+            <a:lvl8pPr marL="3657600" lvl="7" indent="-330200" rtl="0">
               <a:spcBef>
                 <a:spcPts val="0"/>
               </a:spcBef>
@@ -4796,7 +4955,7 @@
               <a:buChar char="○"/>
               <a:defRPr sz="1600"/>
             </a:lvl8pPr>
-            <a:lvl9pPr indent="-330200" lvl="8" marL="4114800" rtl="0">
+            <a:lvl9pPr marL="4114800" lvl="8" indent="-330200" rtl="0">
               <a:spcBef>
                 <a:spcPts val="0"/>
               </a:spcBef>
@@ -4808,15 +4967,19 @@
               <a:defRPr sz="1600"/>
             </a:lvl9pPr>
           </a:lstStyle>
-          <a:p/>
+          <a:p>
+            <a:endParaRPr/>
+          </a:p>
         </p:txBody>
       </p:sp>
       <p:sp>
         <p:nvSpPr>
           <p:cNvPr id="39" name="Google Shape;39;p7"/>
-          <p:cNvSpPr txBox="1"/>
+          <p:cNvSpPr txBox="1">
+            <a:spLocks noGrp="1"/>
+          </p:cNvSpPr>
           <p:nvPr>
-            <p:ph idx="12" type="sldNum"/>
+            <p:ph type="sldNum" idx="12"/>
           </p:nvPr>
         </p:nvSpPr>
         <p:spPr>
@@ -4829,7 +4992,7 @@
           </a:prstGeom>
         </p:spPr>
         <p:txBody>
-          <a:bodyPr anchorCtr="0" anchor="ctr" bIns="0" lIns="0" spcFirstLastPara="1" rIns="0" wrap="square" tIns="0">
+          <a:bodyPr spcFirstLastPara="1" wrap="square" lIns="0" tIns="0" rIns="0" bIns="0" anchor="ctr" anchorCtr="0">
             <a:noAutofit/>
           </a:bodyPr>
           <a:lstStyle>
@@ -4871,7 +5034,7 @@
             </a:lvl9pPr>
           </a:lstStyle>
           <a:p>
-            <a:pPr indent="0" lvl="0" marL="0" rtl="0" algn="r">
+            <a:pPr marL="0" lvl="0" indent="0" algn="r" rtl="0">
               <a:spcBef>
                 <a:spcPts val="0"/>
               </a:spcBef>
@@ -4897,11 +5060,11 @@
 </file>
 
 <file path=ppt/slideLayouts/slideLayout7.xml><?xml version="1.0" encoding="utf-8"?>
-<p:sldLayout xmlns:a="http://schemas.openxmlformats.org/drawingml/2006/main" xmlns:r="http://schemas.openxmlformats.org/officeDocument/2006/relationships" xmlns:mc="http://schemas.openxmlformats.org/markup-compatibility/2006" xmlns:mv="urn:schemas-microsoft-com:mac:vml" xmlns:p="http://schemas.openxmlformats.org/presentationml/2006/main" xmlns:c="http://schemas.openxmlformats.org/drawingml/2006/chart" xmlns:dgm="http://schemas.openxmlformats.org/drawingml/2006/diagram" xmlns:o="urn:schemas-microsoft-com:office:office" xmlns:v="urn:schemas-microsoft-com:vml" xmlns:pvml="urn:schemas-microsoft-com:office:powerpoint" xmlns:com="http://schemas.openxmlformats.org/drawingml/2006/compatibility" xmlns:p14="http://schemas.microsoft.com/office/powerpoint/2010/main" xmlns:p15="http://schemas.microsoft.com/office/powerpoint/2012/main" xmlns:ahyp="http://schemas.microsoft.com/office/drawing/2018/hyperlinkcolor" matchingName="Title only" type="titleOnly">
+<p:sldLayout xmlns:a="http://schemas.openxmlformats.org/drawingml/2006/main" xmlns:r="http://schemas.openxmlformats.org/officeDocument/2006/relationships" xmlns:p="http://schemas.openxmlformats.org/presentationml/2006/main" matchingName="Title only" type="titleOnly">
   <p:cSld name="TITLE_ONLY">
     <p:spTree>
       <p:nvGrpSpPr>
-        <p:cNvPr id="40" name="Shape 40"/>
+        <p:cNvPr id="1" name="Shape 40"/>
         <p:cNvGrpSpPr/>
         <p:nvPr/>
       </p:nvGrpSpPr>
@@ -4944,7 +5107,9 @@
       <p:sp>
         <p:nvSpPr>
           <p:cNvPr id="42" name="Google Shape;42;p8"/>
-          <p:cNvSpPr txBox="1"/>
+          <p:cNvSpPr txBox="1">
+            <a:spLocks noGrp="1"/>
+          </p:cNvSpPr>
           <p:nvPr>
             <p:ph type="title"/>
           </p:nvPr>
@@ -4959,7 +5124,7 @@
           </a:prstGeom>
         </p:spPr>
         <p:txBody>
-          <a:bodyPr anchorCtr="0" anchor="b" bIns="0" lIns="0" spcFirstLastPara="1" rIns="0" wrap="square" tIns="0">
+          <a:bodyPr spcFirstLastPara="1" wrap="square" lIns="0" tIns="0" rIns="0" bIns="0" anchor="b" anchorCtr="0">
             <a:noAutofit/>
           </a:bodyPr>
           <a:lstStyle>
@@ -5063,15 +5228,19 @@
               <a:defRPr/>
             </a:lvl9pPr>
           </a:lstStyle>
-          <a:p/>
+          <a:p>
+            <a:endParaRPr/>
+          </a:p>
         </p:txBody>
       </p:sp>
       <p:sp>
         <p:nvSpPr>
           <p:cNvPr id="43" name="Google Shape;43;p8"/>
-          <p:cNvSpPr txBox="1"/>
+          <p:cNvSpPr txBox="1">
+            <a:spLocks noGrp="1"/>
+          </p:cNvSpPr>
           <p:nvPr>
-            <p:ph idx="12" type="sldNum"/>
+            <p:ph type="sldNum" idx="12"/>
           </p:nvPr>
         </p:nvSpPr>
         <p:spPr>
@@ -5084,7 +5253,7 @@
           </a:prstGeom>
         </p:spPr>
         <p:txBody>
-          <a:bodyPr anchorCtr="0" anchor="ctr" bIns="0" lIns="0" spcFirstLastPara="1" rIns="0" wrap="square" tIns="0">
+          <a:bodyPr spcFirstLastPara="1" wrap="square" lIns="0" tIns="0" rIns="0" bIns="0" anchor="ctr" anchorCtr="0">
             <a:noAutofit/>
           </a:bodyPr>
           <a:lstStyle>
@@ -5126,7 +5295,7 @@
             </a:lvl9pPr>
           </a:lstStyle>
           <a:p>
-            <a:pPr indent="0" lvl="0" marL="0" rtl="0" algn="r">
+            <a:pPr marL="0" lvl="0" indent="0" algn="r" rtl="0">
               <a:spcBef>
                 <a:spcPts val="0"/>
               </a:spcBef>
@@ -5152,11 +5321,11 @@
 </file>
 
 <file path=ppt/slideLayouts/slideLayout8.xml><?xml version="1.0" encoding="utf-8"?>
-<p:sldLayout xmlns:a="http://schemas.openxmlformats.org/drawingml/2006/main" xmlns:r="http://schemas.openxmlformats.org/officeDocument/2006/relationships" xmlns:mc="http://schemas.openxmlformats.org/markup-compatibility/2006" xmlns:mv="urn:schemas-microsoft-com:mac:vml" xmlns:p="http://schemas.openxmlformats.org/presentationml/2006/main" xmlns:c="http://schemas.openxmlformats.org/drawingml/2006/chart" xmlns:dgm="http://schemas.openxmlformats.org/drawingml/2006/diagram" xmlns:o="urn:schemas-microsoft-com:office:office" xmlns:v="urn:schemas-microsoft-com:vml" xmlns:pvml="urn:schemas-microsoft-com:office:powerpoint" xmlns:com="http://schemas.openxmlformats.org/drawingml/2006/compatibility" xmlns:p14="http://schemas.microsoft.com/office/powerpoint/2010/main" xmlns:p15="http://schemas.microsoft.com/office/powerpoint/2012/main" xmlns:ahyp="http://schemas.microsoft.com/office/drawing/2018/hyperlinkcolor" matchingName="Caption">
+<p:sldLayout xmlns:a="http://schemas.openxmlformats.org/drawingml/2006/main" xmlns:r="http://schemas.openxmlformats.org/officeDocument/2006/relationships" xmlns:p="http://schemas.openxmlformats.org/presentationml/2006/main" matchingName="Caption">
   <p:cSld name="CAPTION_ONLY">
     <p:spTree>
       <p:nvGrpSpPr>
-        <p:cNvPr id="44" name="Shape 44"/>
+        <p:cNvPr id="1" name="Shape 44"/>
         <p:cNvGrpSpPr/>
         <p:nvPr/>
       </p:nvGrpSpPr>
@@ -5199,9 +5368,11 @@
       <p:sp>
         <p:nvSpPr>
           <p:cNvPr id="46" name="Google Shape;46;p9"/>
-          <p:cNvSpPr txBox="1"/>
+          <p:cNvSpPr txBox="1">
+            <a:spLocks noGrp="1"/>
+          </p:cNvSpPr>
           <p:nvPr>
-            <p:ph idx="1" type="body"/>
+            <p:ph type="body" idx="1"/>
           </p:nvPr>
         </p:nvSpPr>
         <p:spPr>
@@ -5214,11 +5385,11 @@
           </a:prstGeom>
         </p:spPr>
         <p:txBody>
-          <a:bodyPr anchorCtr="0" anchor="t" bIns="0" lIns="0" spcFirstLastPara="1" rIns="0" wrap="square" tIns="0">
+          <a:bodyPr spcFirstLastPara="1" wrap="square" lIns="0" tIns="0" rIns="0" bIns="0" anchor="t" anchorCtr="0">
             <a:noAutofit/>
           </a:bodyPr>
           <a:lstStyle>
-            <a:lvl1pPr indent="-228600" lvl="0" marL="457200">
+            <a:lvl1pPr marL="457200" lvl="0" indent="-228600">
               <a:spcBef>
                 <a:spcPts val="360"/>
               </a:spcBef>
@@ -5230,15 +5401,19 @@
               <a:defRPr sz="1400"/>
             </a:lvl1pPr>
           </a:lstStyle>
-          <a:p/>
+          <a:p>
+            <a:endParaRPr/>
+          </a:p>
         </p:txBody>
       </p:sp>
       <p:sp>
         <p:nvSpPr>
           <p:cNvPr id="47" name="Google Shape;47;p9"/>
-          <p:cNvSpPr txBox="1"/>
+          <p:cNvSpPr txBox="1">
+            <a:spLocks noGrp="1"/>
+          </p:cNvSpPr>
           <p:nvPr>
-            <p:ph idx="12" type="sldNum"/>
+            <p:ph type="sldNum" idx="12"/>
           </p:nvPr>
         </p:nvSpPr>
         <p:spPr>
@@ -5251,7 +5426,7 @@
           </a:prstGeom>
         </p:spPr>
         <p:txBody>
-          <a:bodyPr anchorCtr="0" anchor="ctr" bIns="0" lIns="0" spcFirstLastPara="1" rIns="0" wrap="square" tIns="0">
+          <a:bodyPr spcFirstLastPara="1" wrap="square" lIns="0" tIns="0" rIns="0" bIns="0" anchor="ctr" anchorCtr="0">
             <a:noAutofit/>
           </a:bodyPr>
           <a:lstStyle>
@@ -5293,7 +5468,7 @@
             </a:lvl9pPr>
           </a:lstStyle>
           <a:p>
-            <a:pPr indent="0" lvl="0" marL="0" rtl="0" algn="r">
+            <a:pPr marL="0" lvl="0" indent="0" algn="r" rtl="0">
               <a:spcBef>
                 <a:spcPts val="0"/>
               </a:spcBef>
@@ -5319,11 +5494,11 @@
 </file>
 
 <file path=ppt/slideLayouts/slideLayout9.xml><?xml version="1.0" encoding="utf-8"?>
-<p:sldLayout xmlns:a="http://schemas.openxmlformats.org/drawingml/2006/main" xmlns:r="http://schemas.openxmlformats.org/officeDocument/2006/relationships" xmlns:mc="http://schemas.openxmlformats.org/markup-compatibility/2006" xmlns:mv="urn:schemas-microsoft-com:mac:vml" xmlns:p="http://schemas.openxmlformats.org/presentationml/2006/main" xmlns:c="http://schemas.openxmlformats.org/drawingml/2006/chart" xmlns:dgm="http://schemas.openxmlformats.org/drawingml/2006/diagram" xmlns:o="urn:schemas-microsoft-com:office:office" xmlns:v="urn:schemas-microsoft-com:vml" xmlns:pvml="urn:schemas-microsoft-com:office:powerpoint" xmlns:com="http://schemas.openxmlformats.org/drawingml/2006/compatibility" xmlns:p14="http://schemas.microsoft.com/office/powerpoint/2010/main" xmlns:p15="http://schemas.microsoft.com/office/powerpoint/2012/main" xmlns:ahyp="http://schemas.microsoft.com/office/drawing/2018/hyperlinkcolor" matchingName="Blank · Small circuit" type="blank">
+<p:sldLayout xmlns:a="http://schemas.openxmlformats.org/drawingml/2006/main" xmlns:r="http://schemas.openxmlformats.org/officeDocument/2006/relationships" xmlns:p="http://schemas.openxmlformats.org/presentationml/2006/main" matchingName="Blank · Small circuit" type="blank">
   <p:cSld name="BLANK">
     <p:spTree>
       <p:nvGrpSpPr>
-        <p:cNvPr id="48" name="Shape 48"/>
+        <p:cNvPr id="1" name="Shape 48"/>
         <p:cNvGrpSpPr/>
         <p:nvPr/>
       </p:nvGrpSpPr>
@@ -5366,9 +5541,11 @@
       <p:sp>
         <p:nvSpPr>
           <p:cNvPr id="50" name="Google Shape;50;p10"/>
-          <p:cNvSpPr txBox="1"/>
+          <p:cNvSpPr txBox="1">
+            <a:spLocks noGrp="1"/>
+          </p:cNvSpPr>
           <p:nvPr>
-            <p:ph idx="12" type="sldNum"/>
+            <p:ph type="sldNum" idx="12"/>
           </p:nvPr>
         </p:nvSpPr>
         <p:spPr>
@@ -5381,7 +5558,7 @@
           </a:prstGeom>
         </p:spPr>
         <p:txBody>
-          <a:bodyPr anchorCtr="0" anchor="ctr" bIns="0" lIns="0" spcFirstLastPara="1" rIns="0" wrap="square" tIns="0">
+          <a:bodyPr spcFirstLastPara="1" wrap="square" lIns="0" tIns="0" rIns="0" bIns="0" anchor="ctr" anchorCtr="0">
             <a:noAutofit/>
           </a:bodyPr>
           <a:lstStyle>
@@ -5423,7 +5600,7 @@
             </a:lvl9pPr>
           </a:lstStyle>
           <a:p>
-            <a:pPr indent="0" lvl="0" marL="0" rtl="0" algn="r">
+            <a:pPr marL="0" lvl="0" indent="0" algn="r" rtl="0">
               <a:spcBef>
                 <a:spcPts val="0"/>
               </a:spcBef>
@@ -5449,7 +5626,7 @@
 </file>
 
 <file path=ppt/slideMasters/slideMaster1.xml><?xml version="1.0" encoding="utf-8"?>
-<p:sldMaster xmlns:a="http://schemas.openxmlformats.org/drawingml/2006/main" xmlns:r="http://schemas.openxmlformats.org/officeDocument/2006/relationships" xmlns:mc="http://schemas.openxmlformats.org/markup-compatibility/2006" xmlns:mv="urn:schemas-microsoft-com:mac:vml" xmlns:p="http://schemas.openxmlformats.org/presentationml/2006/main" xmlns:c="http://schemas.openxmlformats.org/drawingml/2006/chart" xmlns:dgm="http://schemas.openxmlformats.org/drawingml/2006/diagram" xmlns:o="urn:schemas-microsoft-com:office:office" xmlns:v="urn:schemas-microsoft-com:vml" xmlns:pvml="urn:schemas-microsoft-com:office:powerpoint" xmlns:com="http://schemas.openxmlformats.org/drawingml/2006/compatibility" xmlns:p14="http://schemas.microsoft.com/office/powerpoint/2010/main" xmlns:p15="http://schemas.microsoft.com/office/powerpoint/2012/main" xmlns:ahyp="http://schemas.microsoft.com/office/drawing/2018/hyperlinkcolor">
+<p:sldMaster xmlns:a="http://schemas.openxmlformats.org/drawingml/2006/main" xmlns:r="http://schemas.openxmlformats.org/officeDocument/2006/relationships" xmlns:p="http://schemas.openxmlformats.org/presentationml/2006/main">
   <p:cSld name="simple-light">
     <p:bg>
       <p:bgPr>
@@ -5467,11 +5644,12 @@
           </a:gsLst>
           <a:lin ang="8100019" scaled="0"/>
         </a:gradFill>
+        <a:effectLst/>
       </p:bgPr>
     </p:bg>
     <p:spTree>
       <p:nvGrpSpPr>
-        <p:cNvPr id="5" name="Shape 5"/>
+        <p:cNvPr id="1" name="Shape 5"/>
         <p:cNvGrpSpPr/>
         <p:nvPr/>
       </p:nvGrpSpPr>
@@ -5486,7 +5664,9 @@
       <p:sp>
         <p:nvSpPr>
           <p:cNvPr id="6" name="Google Shape;6;p1"/>
-          <p:cNvSpPr txBox="1"/>
+          <p:cNvSpPr txBox="1">
+            <a:spLocks noGrp="1"/>
+          </p:cNvSpPr>
           <p:nvPr>
             <p:ph type="title"/>
           </p:nvPr>
@@ -5505,7 +5685,7 @@
           </a:ln>
         </p:spPr>
         <p:txBody>
-          <a:bodyPr anchorCtr="0" anchor="b" bIns="0" lIns="0" spcFirstLastPara="1" rIns="0" wrap="square" tIns="0">
+          <a:bodyPr spcFirstLastPara="1" wrap="square" lIns="0" tIns="0" rIns="0" bIns="0" anchor="b" anchorCtr="0">
             <a:noAutofit/>
           </a:bodyPr>
           <a:lstStyle>
@@ -5522,7 +5702,7 @@
               <a:buSzPts val="3200"/>
               <a:buFont typeface="Lexend Deca"/>
               <a:buNone/>
-              <a:defRPr b="1" sz="3200">
+              <a:defRPr sz="3200" b="1">
                 <a:solidFill>
                   <a:schemeClr val="lt1"/>
                 </a:solidFill>
@@ -5545,7 +5725,7 @@
               <a:buSzPts val="3200"/>
               <a:buFont typeface="Lexend Deca"/>
               <a:buNone/>
-              <a:defRPr b="1" sz="3200">
+              <a:defRPr sz="3200" b="1">
                 <a:solidFill>
                   <a:schemeClr val="lt1"/>
                 </a:solidFill>
@@ -5568,7 +5748,7 @@
               <a:buSzPts val="3200"/>
               <a:buFont typeface="Lexend Deca"/>
               <a:buNone/>
-              <a:defRPr b="1" sz="3200">
+              <a:defRPr sz="3200" b="1">
                 <a:solidFill>
                   <a:schemeClr val="lt1"/>
                 </a:solidFill>
@@ -5591,7 +5771,7 @@
               <a:buSzPts val="3200"/>
               <a:buFont typeface="Lexend Deca"/>
               <a:buNone/>
-              <a:defRPr b="1" sz="3200">
+              <a:defRPr sz="3200" b="1">
                 <a:solidFill>
                   <a:schemeClr val="lt1"/>
                 </a:solidFill>
@@ -5614,7 +5794,7 @@
               <a:buSzPts val="3200"/>
               <a:buFont typeface="Lexend Deca"/>
               <a:buNone/>
-              <a:defRPr b="1" sz="3200">
+              <a:defRPr sz="3200" b="1">
                 <a:solidFill>
                   <a:schemeClr val="lt1"/>
                 </a:solidFill>
@@ -5637,7 +5817,7 @@
               <a:buSzPts val="3200"/>
               <a:buFont typeface="Lexend Deca"/>
               <a:buNone/>
-              <a:defRPr b="1" sz="3200">
+              <a:defRPr sz="3200" b="1">
                 <a:solidFill>
                   <a:schemeClr val="lt1"/>
                 </a:solidFill>
@@ -5660,7 +5840,7 @@
               <a:buSzPts val="3200"/>
               <a:buFont typeface="Lexend Deca"/>
               <a:buNone/>
-              <a:defRPr b="1" sz="3200">
+              <a:defRPr sz="3200" b="1">
                 <a:solidFill>
                   <a:schemeClr val="lt1"/>
                 </a:solidFill>
@@ -5683,7 +5863,7 @@
               <a:buSzPts val="3200"/>
               <a:buFont typeface="Lexend Deca"/>
               <a:buNone/>
-              <a:defRPr b="1" sz="3200">
+              <a:defRPr sz="3200" b="1">
                 <a:solidFill>
                   <a:schemeClr val="lt1"/>
                 </a:solidFill>
@@ -5706,7 +5886,7 @@
               <a:buSzPts val="3200"/>
               <a:buFont typeface="Lexend Deca"/>
               <a:buNone/>
-              <a:defRPr b="1" sz="3200">
+              <a:defRPr sz="3200" b="1">
                 <a:solidFill>
                   <a:schemeClr val="lt1"/>
                 </a:solidFill>
@@ -5717,15 +5897,19 @@
               </a:defRPr>
             </a:lvl9pPr>
           </a:lstStyle>
-          <a:p/>
+          <a:p>
+            <a:endParaRPr/>
+          </a:p>
         </p:txBody>
       </p:sp>
       <p:sp>
         <p:nvSpPr>
           <p:cNvPr id="7" name="Google Shape;7;p1"/>
-          <p:cNvSpPr txBox="1"/>
+          <p:cNvSpPr txBox="1">
+            <a:spLocks noGrp="1"/>
+          </p:cNvSpPr>
           <p:nvPr>
-            <p:ph idx="1" type="body"/>
+            <p:ph type="body" idx="1"/>
           </p:nvPr>
         </p:nvSpPr>
         <p:spPr>
@@ -5742,11 +5926,11 @@
           </a:ln>
         </p:spPr>
         <p:txBody>
-          <a:bodyPr anchorCtr="0" anchor="t" bIns="0" lIns="0" spcFirstLastPara="1" rIns="0" wrap="square" tIns="0">
+          <a:bodyPr spcFirstLastPara="1" wrap="square" lIns="0" tIns="0" rIns="0" bIns="0" anchor="t" anchorCtr="0">
             <a:noAutofit/>
           </a:bodyPr>
           <a:lstStyle>
-            <a:lvl1pPr indent="-342900" lvl="0" marL="457200">
+            <a:lvl1pPr marL="457200" lvl="0" indent="-342900">
               <a:lnSpc>
                 <a:spcPct val="115000"/>
               </a:lnSpc>
@@ -5772,7 +5956,7 @@
                 <a:sym typeface="Muli"/>
               </a:defRPr>
             </a:lvl1pPr>
-            <a:lvl2pPr indent="-381000" lvl="1" marL="914400">
+            <a:lvl2pPr marL="914400" lvl="1" indent="-381000">
               <a:lnSpc>
                 <a:spcPct val="115000"/>
               </a:lnSpc>
@@ -5798,7 +5982,7 @@
                 <a:sym typeface="Muli"/>
               </a:defRPr>
             </a:lvl2pPr>
-            <a:lvl3pPr indent="-381000" lvl="2" marL="1371600">
+            <a:lvl3pPr marL="1371600" lvl="2" indent="-381000">
               <a:lnSpc>
                 <a:spcPct val="115000"/>
               </a:lnSpc>
@@ -5824,7 +6008,7 @@
                 <a:sym typeface="Muli"/>
               </a:defRPr>
             </a:lvl3pPr>
-            <a:lvl4pPr indent="-381000" lvl="3" marL="1828800">
+            <a:lvl4pPr marL="1828800" lvl="3" indent="-381000">
               <a:lnSpc>
                 <a:spcPct val="115000"/>
               </a:lnSpc>
@@ -5850,7 +6034,7 @@
                 <a:sym typeface="Muli"/>
               </a:defRPr>
             </a:lvl4pPr>
-            <a:lvl5pPr indent="-381000" lvl="4" marL="2286000">
+            <a:lvl5pPr marL="2286000" lvl="4" indent="-381000">
               <a:lnSpc>
                 <a:spcPct val="115000"/>
               </a:lnSpc>
@@ -5876,7 +6060,7 @@
                 <a:sym typeface="Muli"/>
               </a:defRPr>
             </a:lvl5pPr>
-            <a:lvl6pPr indent="-381000" lvl="5" marL="2743200">
+            <a:lvl6pPr marL="2743200" lvl="5" indent="-381000">
               <a:lnSpc>
                 <a:spcPct val="115000"/>
               </a:lnSpc>
@@ -5902,7 +6086,7 @@
                 <a:sym typeface="Muli"/>
               </a:defRPr>
             </a:lvl6pPr>
-            <a:lvl7pPr indent="-381000" lvl="6" marL="3200400">
+            <a:lvl7pPr marL="3200400" lvl="6" indent="-381000">
               <a:lnSpc>
                 <a:spcPct val="115000"/>
               </a:lnSpc>
@@ -5928,7 +6112,7 @@
                 <a:sym typeface="Muli"/>
               </a:defRPr>
             </a:lvl7pPr>
-            <a:lvl8pPr indent="-381000" lvl="7" marL="3657600">
+            <a:lvl8pPr marL="3657600" lvl="7" indent="-381000">
               <a:lnSpc>
                 <a:spcPct val="115000"/>
               </a:lnSpc>
@@ -5954,7 +6138,7 @@
                 <a:sym typeface="Muli"/>
               </a:defRPr>
             </a:lvl8pPr>
-            <a:lvl9pPr indent="-381000" lvl="8" marL="4114800">
+            <a:lvl9pPr marL="4114800" lvl="8" indent="-381000">
               <a:lnSpc>
                 <a:spcPct val="115000"/>
               </a:lnSpc>
@@ -5981,15 +6165,19 @@
               </a:defRPr>
             </a:lvl9pPr>
           </a:lstStyle>
-          <a:p/>
+          <a:p>
+            <a:endParaRPr/>
+          </a:p>
         </p:txBody>
       </p:sp>
       <p:sp>
         <p:nvSpPr>
           <p:cNvPr id="8" name="Google Shape;8;p1"/>
-          <p:cNvSpPr txBox="1"/>
+          <p:cNvSpPr txBox="1">
+            <a:spLocks noGrp="1"/>
+          </p:cNvSpPr>
           <p:nvPr>
-            <p:ph idx="12" type="sldNum"/>
+            <p:ph type="sldNum" idx="12"/>
           </p:nvPr>
         </p:nvSpPr>
         <p:spPr>
@@ -6006,7 +6194,7 @@
           </a:ln>
         </p:spPr>
         <p:txBody>
-          <a:bodyPr anchorCtr="0" anchor="ctr" bIns="0" lIns="0" spcFirstLastPara="1" rIns="0" wrap="square" tIns="0">
+          <a:bodyPr spcFirstLastPara="1" wrap="square" lIns="0" tIns="0" rIns="0" bIns="0" anchor="ctr" anchorCtr="0">
             <a:noAutofit/>
           </a:bodyPr>
           <a:lstStyle>
@@ -6120,7 +6308,7 @@
             </a:lvl9pPr>
           </a:lstStyle>
           <a:p>
-            <a:pPr indent="0" lvl="0" marL="0" rtl="0" algn="r">
+            <a:pPr marL="0" lvl="0" indent="0" algn="r" rtl="0">
               <a:spcBef>
                 <a:spcPts val="0"/>
               </a:spcBef>
@@ -6139,7 +6327,7 @@
       </p:sp>
     </p:spTree>
   </p:cSld>
-  <p:clrMap accent1="accent1" accent2="accent2" accent3="accent3" accent4="accent4" accent5="accent5" accent6="accent6" bg1="lt1" bg2="dk2" tx1="dk1" tx2="lt2" folHlink="folHlink" hlink="hlink"/>
+  <p:clrMap bg1="lt1" tx1="dk1" bg2="dk2" tx2="lt2" accent1="accent1" accent2="accent2" accent3="accent3" accent4="accent4" accent5="accent5" accent6="accent6" hlink="hlink" folHlink="folHlink"/>
   <p:sldLayoutIdLst>
     <p:sldLayoutId id="2147483648" r:id="rId1"/>
     <p:sldLayoutId id="2147483649" r:id="rId2"/>
@@ -6156,10 +6344,10 @@
   <p:transition>
     <p:fade thruBlk="1"/>
   </p:transition>
-  <p:hf dt="0" ftr="0" hdr="0"/>
+  <p:hf hdr="0" ftr="0" dt="0"/>
   <p:txStyles>
     <p:titleStyle>
-      <a:defPPr lvl="0" marR="0" rtl="0" algn="l">
+      <a:defPPr marR="0" lvl="0" algn="l" rtl="0">
         <a:lnSpc>
           <a:spcPct val="100000"/>
         </a:lnSpc>
@@ -6170,7 +6358,7 @@
           <a:spcPts val="0"/>
         </a:spcAft>
       </a:defPPr>
-      <a:lvl1pPr lvl="0" marR="0" rtl="0" algn="l">
+      <a:lvl1pPr marR="0" lvl="0" algn="l" rtl="0">
         <a:lnSpc>
           <a:spcPct val="100000"/>
         </a:lnSpc>
@@ -6184,7 +6372,7 @@
           <a:srgbClr val="000000"/>
         </a:buClr>
         <a:buFont typeface="Arial"/>
-        <a:defRPr b="0" i="0" sz="1400" u="none" cap="none" strike="noStrike">
+        <a:defRPr sz="1400" b="0" i="0" u="none" strike="noStrike" cap="none">
           <a:solidFill>
             <a:srgbClr val="000000"/>
           </a:solidFill>
@@ -6194,7 +6382,7 @@
           <a:sym typeface="Arial"/>
         </a:defRPr>
       </a:lvl1pPr>
-      <a:lvl2pPr lvl="1" marR="0" rtl="0" algn="l">
+      <a:lvl2pPr marR="0" lvl="1" algn="l" rtl="0">
         <a:lnSpc>
           <a:spcPct val="100000"/>
         </a:lnSpc>
@@ -6208,7 +6396,7 @@
           <a:srgbClr val="000000"/>
         </a:buClr>
         <a:buFont typeface="Arial"/>
-        <a:defRPr b="0" i="0" sz="1400" u="none" cap="none" strike="noStrike">
+        <a:defRPr sz="1400" b="0" i="0" u="none" strike="noStrike" cap="none">
           <a:solidFill>
             <a:srgbClr val="000000"/>
           </a:solidFill>
@@ -6218,7 +6406,7 @@
           <a:sym typeface="Arial"/>
         </a:defRPr>
       </a:lvl2pPr>
-      <a:lvl3pPr lvl="2" marR="0" rtl="0" algn="l">
+      <a:lvl3pPr marR="0" lvl="2" algn="l" rtl="0">
         <a:lnSpc>
           <a:spcPct val="100000"/>
         </a:lnSpc>
@@ -6232,7 +6420,7 @@
           <a:srgbClr val="000000"/>
         </a:buClr>
         <a:buFont typeface="Arial"/>
-        <a:defRPr b="0" i="0" sz="1400" u="none" cap="none" strike="noStrike">
+        <a:defRPr sz="1400" b="0" i="0" u="none" strike="noStrike" cap="none">
           <a:solidFill>
             <a:srgbClr val="000000"/>
           </a:solidFill>
@@ -6242,7 +6430,7 @@
           <a:sym typeface="Arial"/>
         </a:defRPr>
       </a:lvl3pPr>
-      <a:lvl4pPr lvl="3" marR="0" rtl="0" algn="l">
+      <a:lvl4pPr marR="0" lvl="3" algn="l" rtl="0">
         <a:lnSpc>
           <a:spcPct val="100000"/>
         </a:lnSpc>
@@ -6256,7 +6444,7 @@
           <a:srgbClr val="000000"/>
         </a:buClr>
         <a:buFont typeface="Arial"/>
-        <a:defRPr b="0" i="0" sz="1400" u="none" cap="none" strike="noStrike">
+        <a:defRPr sz="1400" b="0" i="0" u="none" strike="noStrike" cap="none">
           <a:solidFill>
             <a:srgbClr val="000000"/>
           </a:solidFill>
@@ -6266,7 +6454,7 @@
           <a:sym typeface="Arial"/>
         </a:defRPr>
       </a:lvl4pPr>
-      <a:lvl5pPr lvl="4" marR="0" rtl="0" algn="l">
+      <a:lvl5pPr marR="0" lvl="4" algn="l" rtl="0">
         <a:lnSpc>
           <a:spcPct val="100000"/>
         </a:lnSpc>
@@ -6280,7 +6468,7 @@
           <a:srgbClr val="000000"/>
         </a:buClr>
         <a:buFont typeface="Arial"/>
-        <a:defRPr b="0" i="0" sz="1400" u="none" cap="none" strike="noStrike">
+        <a:defRPr sz="1400" b="0" i="0" u="none" strike="noStrike" cap="none">
           <a:solidFill>
             <a:srgbClr val="000000"/>
           </a:solidFill>
@@ -6290,7 +6478,7 @@
           <a:sym typeface="Arial"/>
         </a:defRPr>
       </a:lvl5pPr>
-      <a:lvl6pPr lvl="5" marR="0" rtl="0" algn="l">
+      <a:lvl6pPr marR="0" lvl="5" algn="l" rtl="0">
         <a:lnSpc>
           <a:spcPct val="100000"/>
         </a:lnSpc>
@@ -6304,7 +6492,7 @@
           <a:srgbClr val="000000"/>
         </a:buClr>
         <a:buFont typeface="Arial"/>
-        <a:defRPr b="0" i="0" sz="1400" u="none" cap="none" strike="noStrike">
+        <a:defRPr sz="1400" b="0" i="0" u="none" strike="noStrike" cap="none">
           <a:solidFill>
             <a:srgbClr val="000000"/>
           </a:solidFill>
@@ -6314,7 +6502,7 @@
           <a:sym typeface="Arial"/>
         </a:defRPr>
       </a:lvl6pPr>
-      <a:lvl7pPr lvl="6" marR="0" rtl="0" algn="l">
+      <a:lvl7pPr marR="0" lvl="6" algn="l" rtl="0">
         <a:lnSpc>
           <a:spcPct val="100000"/>
         </a:lnSpc>
@@ -6328,7 +6516,7 @@
           <a:srgbClr val="000000"/>
         </a:buClr>
         <a:buFont typeface="Arial"/>
-        <a:defRPr b="0" i="0" sz="1400" u="none" cap="none" strike="noStrike">
+        <a:defRPr sz="1400" b="0" i="0" u="none" strike="noStrike" cap="none">
           <a:solidFill>
             <a:srgbClr val="000000"/>
           </a:solidFill>
@@ -6338,7 +6526,7 @@
           <a:sym typeface="Arial"/>
         </a:defRPr>
       </a:lvl7pPr>
-      <a:lvl8pPr lvl="7" marR="0" rtl="0" algn="l">
+      <a:lvl8pPr marR="0" lvl="7" algn="l" rtl="0">
         <a:lnSpc>
           <a:spcPct val="100000"/>
         </a:lnSpc>
@@ -6352,7 +6540,7 @@
           <a:srgbClr val="000000"/>
         </a:buClr>
         <a:buFont typeface="Arial"/>
-        <a:defRPr b="0" i="0" sz="1400" u="none" cap="none" strike="noStrike">
+        <a:defRPr sz="1400" b="0" i="0" u="none" strike="noStrike" cap="none">
           <a:solidFill>
             <a:srgbClr val="000000"/>
           </a:solidFill>
@@ -6362,7 +6550,7 @@
           <a:sym typeface="Arial"/>
         </a:defRPr>
       </a:lvl8pPr>
-      <a:lvl9pPr lvl="8" marR="0" rtl="0" algn="l">
+      <a:lvl9pPr marR="0" lvl="8" algn="l" rtl="0">
         <a:lnSpc>
           <a:spcPct val="100000"/>
         </a:lnSpc>
@@ -6376,7 +6564,7 @@
           <a:srgbClr val="000000"/>
         </a:buClr>
         <a:buFont typeface="Arial"/>
-        <a:defRPr b="0" i="0" sz="1400" u="none" cap="none" strike="noStrike">
+        <a:defRPr sz="1400" b="0" i="0" u="none" strike="noStrike" cap="none">
           <a:solidFill>
             <a:srgbClr val="000000"/>
           </a:solidFill>
@@ -6388,7 +6576,7 @@
       </a:lvl9pPr>
     </p:titleStyle>
     <p:bodyStyle>
-      <a:defPPr lvl="0" marR="0" rtl="0" algn="l">
+      <a:defPPr marR="0" lvl="0" algn="l" rtl="0">
         <a:lnSpc>
           <a:spcPct val="100000"/>
         </a:lnSpc>
@@ -6399,7 +6587,7 @@
           <a:spcPts val="0"/>
         </a:spcAft>
       </a:defPPr>
-      <a:lvl1pPr lvl="0" marR="0" rtl="0" algn="l">
+      <a:lvl1pPr marR="0" lvl="0" algn="l" rtl="0">
         <a:lnSpc>
           <a:spcPct val="100000"/>
         </a:lnSpc>
@@ -6413,7 +6601,7 @@
           <a:srgbClr val="000000"/>
         </a:buClr>
         <a:buFont typeface="Arial"/>
-        <a:defRPr b="0" i="0" sz="1400" u="none" cap="none" strike="noStrike">
+        <a:defRPr sz="1400" b="0" i="0" u="none" strike="noStrike" cap="none">
           <a:solidFill>
             <a:srgbClr val="000000"/>
           </a:solidFill>
@@ -6423,7 +6611,7 @@
           <a:sym typeface="Arial"/>
         </a:defRPr>
       </a:lvl1pPr>
-      <a:lvl2pPr lvl="1" marR="0" rtl="0" algn="l">
+      <a:lvl2pPr marR="0" lvl="1" algn="l" rtl="0">
         <a:lnSpc>
           <a:spcPct val="100000"/>
         </a:lnSpc>
@@ -6437,7 +6625,7 @@
           <a:srgbClr val="000000"/>
         </a:buClr>
         <a:buFont typeface="Arial"/>
-        <a:defRPr b="0" i="0" sz="1400" u="none" cap="none" strike="noStrike">
+        <a:defRPr sz="1400" b="0" i="0" u="none" strike="noStrike" cap="none">
           <a:solidFill>
             <a:srgbClr val="000000"/>
           </a:solidFill>
@@ -6447,7 +6635,7 @@
           <a:sym typeface="Arial"/>
         </a:defRPr>
       </a:lvl2pPr>
-      <a:lvl3pPr lvl="2" marR="0" rtl="0" algn="l">
+      <a:lvl3pPr marR="0" lvl="2" algn="l" rtl="0">
         <a:lnSpc>
           <a:spcPct val="100000"/>
         </a:lnSpc>
@@ -6461,7 +6649,7 @@
           <a:srgbClr val="000000"/>
         </a:buClr>
         <a:buFont typeface="Arial"/>
-        <a:defRPr b="0" i="0" sz="1400" u="none" cap="none" strike="noStrike">
+        <a:defRPr sz="1400" b="0" i="0" u="none" strike="noStrike" cap="none">
           <a:solidFill>
             <a:srgbClr val="000000"/>
           </a:solidFill>
@@ -6471,7 +6659,7 @@
           <a:sym typeface="Arial"/>
         </a:defRPr>
       </a:lvl3pPr>
-      <a:lvl4pPr lvl="3" marR="0" rtl="0" algn="l">
+      <a:lvl4pPr marR="0" lvl="3" algn="l" rtl="0">
         <a:lnSpc>
           <a:spcPct val="100000"/>
         </a:lnSpc>
@@ -6485,7 +6673,7 @@
           <a:srgbClr val="000000"/>
         </a:buClr>
         <a:buFont typeface="Arial"/>
-        <a:defRPr b="0" i="0" sz="1400" u="none" cap="none" strike="noStrike">
+        <a:defRPr sz="1400" b="0" i="0" u="none" strike="noStrike" cap="none">
           <a:solidFill>
             <a:srgbClr val="000000"/>
           </a:solidFill>
@@ -6495,7 +6683,7 @@
           <a:sym typeface="Arial"/>
         </a:defRPr>
       </a:lvl4pPr>
-      <a:lvl5pPr lvl="4" marR="0" rtl="0" algn="l">
+      <a:lvl5pPr marR="0" lvl="4" algn="l" rtl="0">
         <a:lnSpc>
           <a:spcPct val="100000"/>
         </a:lnSpc>
@@ -6509,7 +6697,7 @@
           <a:srgbClr val="000000"/>
         </a:buClr>
         <a:buFont typeface="Arial"/>
-        <a:defRPr b="0" i="0" sz="1400" u="none" cap="none" strike="noStrike">
+        <a:defRPr sz="1400" b="0" i="0" u="none" strike="noStrike" cap="none">
           <a:solidFill>
             <a:srgbClr val="000000"/>
           </a:solidFill>
@@ -6519,7 +6707,7 @@
           <a:sym typeface="Arial"/>
         </a:defRPr>
       </a:lvl5pPr>
-      <a:lvl6pPr lvl="5" marR="0" rtl="0" algn="l">
+      <a:lvl6pPr marR="0" lvl="5" algn="l" rtl="0">
         <a:lnSpc>
           <a:spcPct val="100000"/>
         </a:lnSpc>
@@ -6533,7 +6721,7 @@
           <a:srgbClr val="000000"/>
         </a:buClr>
         <a:buFont typeface="Arial"/>
-        <a:defRPr b="0" i="0" sz="1400" u="none" cap="none" strike="noStrike">
+        <a:defRPr sz="1400" b="0" i="0" u="none" strike="noStrike" cap="none">
           <a:solidFill>
             <a:srgbClr val="000000"/>
           </a:solidFill>
@@ -6543,7 +6731,7 @@
           <a:sym typeface="Arial"/>
         </a:defRPr>
       </a:lvl6pPr>
-      <a:lvl7pPr lvl="6" marR="0" rtl="0" algn="l">
+      <a:lvl7pPr marR="0" lvl="6" algn="l" rtl="0">
         <a:lnSpc>
           <a:spcPct val="100000"/>
         </a:lnSpc>
@@ -6557,7 +6745,7 @@
           <a:srgbClr val="000000"/>
         </a:buClr>
         <a:buFont typeface="Arial"/>
-        <a:defRPr b="0" i="0" sz="1400" u="none" cap="none" strike="noStrike">
+        <a:defRPr sz="1400" b="0" i="0" u="none" strike="noStrike" cap="none">
           <a:solidFill>
             <a:srgbClr val="000000"/>
           </a:solidFill>
@@ -6567,7 +6755,7 @@
           <a:sym typeface="Arial"/>
         </a:defRPr>
       </a:lvl7pPr>
-      <a:lvl8pPr lvl="7" marR="0" rtl="0" algn="l">
+      <a:lvl8pPr marR="0" lvl="7" algn="l" rtl="0">
         <a:lnSpc>
           <a:spcPct val="100000"/>
         </a:lnSpc>
@@ -6581,7 +6769,7 @@
           <a:srgbClr val="000000"/>
         </a:buClr>
         <a:buFont typeface="Arial"/>
-        <a:defRPr b="0" i="0" sz="1400" u="none" cap="none" strike="noStrike">
+        <a:defRPr sz="1400" b="0" i="0" u="none" strike="noStrike" cap="none">
           <a:solidFill>
             <a:srgbClr val="000000"/>
           </a:solidFill>
@@ -6591,7 +6779,7 @@
           <a:sym typeface="Arial"/>
         </a:defRPr>
       </a:lvl8pPr>
-      <a:lvl9pPr lvl="8" marR="0" rtl="0" algn="l">
+      <a:lvl9pPr marR="0" lvl="8" algn="l" rtl="0">
         <a:lnSpc>
           <a:spcPct val="100000"/>
         </a:lnSpc>
@@ -6605,7 +6793,7 @@
           <a:srgbClr val="000000"/>
         </a:buClr>
         <a:buFont typeface="Arial"/>
-        <a:defRPr b="0" i="0" sz="1400" u="none" cap="none" strike="noStrike">
+        <a:defRPr sz="1400" b="0" i="0" u="none" strike="noStrike" cap="none">
           <a:solidFill>
             <a:srgbClr val="000000"/>
           </a:solidFill>
@@ -6617,7 +6805,7 @@
       </a:lvl9pPr>
     </p:bodyStyle>
     <p:otherStyle>
-      <a:defPPr lvl="0" marR="0" rtl="0" algn="l">
+      <a:defPPr marR="0" lvl="0" algn="l" rtl="0">
         <a:lnSpc>
           <a:spcPct val="100000"/>
         </a:lnSpc>
@@ -6628,7 +6816,7 @@
           <a:spcPts val="0"/>
         </a:spcAft>
       </a:defPPr>
-      <a:lvl1pPr lvl="0" marR="0" rtl="0" algn="l">
+      <a:lvl1pPr marR="0" lvl="0" algn="l" rtl="0">
         <a:lnSpc>
           <a:spcPct val="100000"/>
         </a:lnSpc>
@@ -6642,7 +6830,7 @@
           <a:srgbClr val="000000"/>
         </a:buClr>
         <a:buFont typeface="Arial"/>
-        <a:defRPr b="0" i="0" sz="1400" u="none" cap="none" strike="noStrike">
+        <a:defRPr sz="1400" b="0" i="0" u="none" strike="noStrike" cap="none">
           <a:solidFill>
             <a:srgbClr val="000000"/>
           </a:solidFill>
@@ -6652,7 +6840,7 @@
           <a:sym typeface="Arial"/>
         </a:defRPr>
       </a:lvl1pPr>
-      <a:lvl2pPr lvl="1" marR="0" rtl="0" algn="l">
+      <a:lvl2pPr marR="0" lvl="1" algn="l" rtl="0">
         <a:lnSpc>
           <a:spcPct val="100000"/>
         </a:lnSpc>
@@ -6666,7 +6854,7 @@
           <a:srgbClr val="000000"/>
         </a:buClr>
         <a:buFont typeface="Arial"/>
-        <a:defRPr b="0" i="0" sz="1400" u="none" cap="none" strike="noStrike">
+        <a:defRPr sz="1400" b="0" i="0" u="none" strike="noStrike" cap="none">
           <a:solidFill>
             <a:srgbClr val="000000"/>
           </a:solidFill>
@@ -6676,7 +6864,7 @@
           <a:sym typeface="Arial"/>
         </a:defRPr>
       </a:lvl2pPr>
-      <a:lvl3pPr lvl="2" marR="0" rtl="0" algn="l">
+      <a:lvl3pPr marR="0" lvl="2" algn="l" rtl="0">
         <a:lnSpc>
           <a:spcPct val="100000"/>
         </a:lnSpc>
@@ -6690,7 +6878,7 @@
           <a:srgbClr val="000000"/>
         </a:buClr>
         <a:buFont typeface="Arial"/>
-        <a:defRPr b="0" i="0" sz="1400" u="none" cap="none" strike="noStrike">
+        <a:defRPr sz="1400" b="0" i="0" u="none" strike="noStrike" cap="none">
           <a:solidFill>
             <a:srgbClr val="000000"/>
           </a:solidFill>
@@ -6700,7 +6888,7 @@
           <a:sym typeface="Arial"/>
         </a:defRPr>
       </a:lvl3pPr>
-      <a:lvl4pPr lvl="3" marR="0" rtl="0" algn="l">
+      <a:lvl4pPr marR="0" lvl="3" algn="l" rtl="0">
         <a:lnSpc>
           <a:spcPct val="100000"/>
         </a:lnSpc>
@@ -6714,7 +6902,7 @@
           <a:srgbClr val="000000"/>
         </a:buClr>
         <a:buFont typeface="Arial"/>
-        <a:defRPr b="0" i="0" sz="1400" u="none" cap="none" strike="noStrike">
+        <a:defRPr sz="1400" b="0" i="0" u="none" strike="noStrike" cap="none">
           <a:solidFill>
             <a:srgbClr val="000000"/>
           </a:solidFill>
@@ -6724,7 +6912,7 @@
           <a:sym typeface="Arial"/>
         </a:defRPr>
       </a:lvl4pPr>
-      <a:lvl5pPr lvl="4" marR="0" rtl="0" algn="l">
+      <a:lvl5pPr marR="0" lvl="4" algn="l" rtl="0">
         <a:lnSpc>
           <a:spcPct val="100000"/>
         </a:lnSpc>
@@ -6738,7 +6926,7 @@
           <a:srgbClr val="000000"/>
         </a:buClr>
         <a:buFont typeface="Arial"/>
-        <a:defRPr b="0" i="0" sz="1400" u="none" cap="none" strike="noStrike">
+        <a:defRPr sz="1400" b="0" i="0" u="none" strike="noStrike" cap="none">
           <a:solidFill>
             <a:srgbClr val="000000"/>
           </a:solidFill>
@@ -6748,7 +6936,7 @@
           <a:sym typeface="Arial"/>
         </a:defRPr>
       </a:lvl5pPr>
-      <a:lvl6pPr lvl="5" marR="0" rtl="0" algn="l">
+      <a:lvl6pPr marR="0" lvl="5" algn="l" rtl="0">
         <a:lnSpc>
           <a:spcPct val="100000"/>
         </a:lnSpc>
@@ -6762,7 +6950,7 @@
           <a:srgbClr val="000000"/>
         </a:buClr>
         <a:buFont typeface="Arial"/>
-        <a:defRPr b="0" i="0" sz="1400" u="none" cap="none" strike="noStrike">
+        <a:defRPr sz="1400" b="0" i="0" u="none" strike="noStrike" cap="none">
           <a:solidFill>
             <a:srgbClr val="000000"/>
           </a:solidFill>
@@ -6772,7 +6960,7 @@
           <a:sym typeface="Arial"/>
         </a:defRPr>
       </a:lvl6pPr>
-      <a:lvl7pPr lvl="6" marR="0" rtl="0" algn="l">
+      <a:lvl7pPr marR="0" lvl="6" algn="l" rtl="0">
         <a:lnSpc>
           <a:spcPct val="100000"/>
         </a:lnSpc>
@@ -6786,7 +6974,7 @@
           <a:srgbClr val="000000"/>
         </a:buClr>
         <a:buFont typeface="Arial"/>
-        <a:defRPr b="0" i="0" sz="1400" u="none" cap="none" strike="noStrike">
+        <a:defRPr sz="1400" b="0" i="0" u="none" strike="noStrike" cap="none">
           <a:solidFill>
             <a:srgbClr val="000000"/>
           </a:solidFill>
@@ -6796,7 +6984,7 @@
           <a:sym typeface="Arial"/>
         </a:defRPr>
       </a:lvl7pPr>
-      <a:lvl8pPr lvl="7" marR="0" rtl="0" algn="l">
+      <a:lvl8pPr marR="0" lvl="7" algn="l" rtl="0">
         <a:lnSpc>
           <a:spcPct val="100000"/>
         </a:lnSpc>
@@ -6810,7 +6998,7 @@
           <a:srgbClr val="000000"/>
         </a:buClr>
         <a:buFont typeface="Arial"/>
-        <a:defRPr b="0" i="0" sz="1400" u="none" cap="none" strike="noStrike">
+        <a:defRPr sz="1400" b="0" i="0" u="none" strike="noStrike" cap="none">
           <a:solidFill>
             <a:srgbClr val="000000"/>
           </a:solidFill>
@@ -6820,7 +7008,7 @@
           <a:sym typeface="Arial"/>
         </a:defRPr>
       </a:lvl8pPr>
-      <a:lvl9pPr lvl="8" marR="0" rtl="0" algn="l">
+      <a:lvl9pPr marR="0" lvl="8" algn="l" rtl="0">
         <a:lnSpc>
           <a:spcPct val="100000"/>
         </a:lnSpc>
@@ -6834,7 +7022,7 @@
           <a:srgbClr val="000000"/>
         </a:buClr>
         <a:buFont typeface="Arial"/>
-        <a:defRPr b="0" i="0" sz="1400" u="none" cap="none" strike="noStrike">
+        <a:defRPr sz="1400" b="0" i="0" u="none" strike="noStrike" cap="none">
           <a:solidFill>
             <a:srgbClr val="000000"/>
           </a:solidFill>
@@ -6850,11 +7038,11 @@
 </file>
 
 <file path=ppt/slides/slide1.xml><?xml version="1.0" encoding="utf-8"?>
-<p:sld xmlns:a="http://schemas.openxmlformats.org/drawingml/2006/main" xmlns:r="http://schemas.openxmlformats.org/officeDocument/2006/relationships" xmlns:mc="http://schemas.openxmlformats.org/markup-compatibility/2006" xmlns:mv="urn:schemas-microsoft-com:mac:vml" xmlns:p="http://schemas.openxmlformats.org/presentationml/2006/main" xmlns:c="http://schemas.openxmlformats.org/drawingml/2006/chart" xmlns:dgm="http://schemas.openxmlformats.org/drawingml/2006/diagram" xmlns:o="urn:schemas-microsoft-com:office:office" xmlns:v="urn:schemas-microsoft-com:vml" xmlns:pvml="urn:schemas-microsoft-com:office:powerpoint" xmlns:com="http://schemas.openxmlformats.org/drawingml/2006/compatibility" xmlns:p14="http://schemas.microsoft.com/office/powerpoint/2010/main" xmlns:p15="http://schemas.microsoft.com/office/powerpoint/2012/main" xmlns:ahyp="http://schemas.microsoft.com/office/drawing/2018/hyperlinkcolor">
+<p:sld xmlns:a="http://schemas.openxmlformats.org/drawingml/2006/main" xmlns:r="http://schemas.openxmlformats.org/officeDocument/2006/relationships" xmlns:p="http://schemas.openxmlformats.org/presentationml/2006/main">
   <p:cSld>
     <p:spTree>
       <p:nvGrpSpPr>
-        <p:cNvPr id="59" name="Shape 59"/>
+        <p:cNvPr id="1" name="Shape 59"/>
         <p:cNvGrpSpPr/>
         <p:nvPr/>
       </p:nvGrpSpPr>
@@ -6869,7 +7057,9 @@
       <p:sp>
         <p:nvSpPr>
           <p:cNvPr id="60" name="Google Shape;60;p13"/>
-          <p:cNvSpPr txBox="1"/>
+          <p:cNvSpPr txBox="1">
+            <a:spLocks noGrp="1"/>
+          </p:cNvSpPr>
           <p:nvPr>
             <p:ph type="ctrTitle"/>
           </p:nvPr>
@@ -6884,12 +7074,12 @@
           </a:prstGeom>
         </p:spPr>
         <p:txBody>
-          <a:bodyPr anchorCtr="0" anchor="ctr" bIns="0" lIns="0" spcFirstLastPara="1" rIns="0" wrap="square" tIns="0">
+          <a:bodyPr spcFirstLastPara="1" wrap="square" lIns="0" tIns="0" rIns="0" bIns="0" anchor="ctr" anchorCtr="0">
             <a:noAutofit/>
           </a:bodyPr>
           <a:lstStyle/>
           <a:p>
-            <a:pPr indent="0" lvl="0" marL="0" rtl="0" algn="l">
+            <a:pPr marL="0" lvl="0" indent="0" algn="l" rtl="0">
               <a:spcBef>
                 <a:spcPts val="0"/>
               </a:spcBef>
@@ -7083,11 +7273,11 @@
 </file>
 
 <file path=ppt/slides/slide10.xml><?xml version="1.0" encoding="utf-8"?>
-<p:sld xmlns:a="http://schemas.openxmlformats.org/drawingml/2006/main" xmlns:r="http://schemas.openxmlformats.org/officeDocument/2006/relationships" xmlns:mc="http://schemas.openxmlformats.org/markup-compatibility/2006" xmlns:mv="urn:schemas-microsoft-com:mac:vml" xmlns:p="http://schemas.openxmlformats.org/presentationml/2006/main" xmlns:c="http://schemas.openxmlformats.org/drawingml/2006/chart" xmlns:dgm="http://schemas.openxmlformats.org/drawingml/2006/diagram" xmlns:o="urn:schemas-microsoft-com:office:office" xmlns:v="urn:schemas-microsoft-com:vml" xmlns:pvml="urn:schemas-microsoft-com:office:powerpoint" xmlns:com="http://schemas.openxmlformats.org/drawingml/2006/compatibility" xmlns:p14="http://schemas.microsoft.com/office/powerpoint/2010/main" xmlns:p15="http://schemas.microsoft.com/office/powerpoint/2012/main" xmlns:ahyp="http://schemas.microsoft.com/office/drawing/2018/hyperlinkcolor">
+<p:sld xmlns:a="http://schemas.openxmlformats.org/drawingml/2006/main" xmlns:r="http://schemas.openxmlformats.org/officeDocument/2006/relationships" xmlns:p="http://schemas.openxmlformats.org/presentationml/2006/main">
   <p:cSld>
     <p:spTree>
       <p:nvGrpSpPr>
-        <p:cNvPr id="149" name="Shape 149"/>
+        <p:cNvPr id="1" name="Shape 149"/>
         <p:cNvGrpSpPr/>
         <p:nvPr/>
       </p:nvGrpSpPr>
@@ -7102,9 +7292,11 @@
       <p:sp>
         <p:nvSpPr>
           <p:cNvPr id="150" name="Google Shape;150;p22"/>
-          <p:cNvSpPr txBox="1"/>
+          <p:cNvSpPr txBox="1">
+            <a:spLocks noGrp="1"/>
+          </p:cNvSpPr>
           <p:nvPr>
-            <p:ph idx="1" type="body"/>
+            <p:ph type="body" idx="1"/>
           </p:nvPr>
         </p:nvSpPr>
         <p:spPr>
@@ -7117,12 +7309,12 @@
           </a:prstGeom>
         </p:spPr>
         <p:txBody>
-          <a:bodyPr anchorCtr="0" anchor="t" bIns="0" lIns="0" spcFirstLastPara="1" rIns="0" wrap="square" tIns="0">
+          <a:bodyPr spcFirstLastPara="1" wrap="square" lIns="0" tIns="0" rIns="0" bIns="0" anchor="t" anchorCtr="0">
             <a:noAutofit/>
           </a:bodyPr>
           <a:lstStyle/>
           <a:p>
-            <a:pPr indent="0" lvl="0" marL="0" rtl="0" algn="l">
+            <a:pPr marL="0" lvl="0" indent="0" algn="l" rtl="0">
               <a:spcBef>
                 <a:spcPts val="600"/>
               </a:spcBef>
@@ -7132,7 +7324,7 @@
               <a:buNone/>
             </a:pPr>
             <a:r>
-              <a:rPr b="1" lang="en" sz="3200">
+              <a:rPr lang="en" sz="3200" b="1">
                 <a:latin typeface="Muli"/>
                 <a:ea typeface="Muli"/>
                 <a:cs typeface="Muli"/>
@@ -7140,7 +7332,7 @@
               </a:rPr>
               <a:t>Imperative Programming</a:t>
             </a:r>
-            <a:endParaRPr b="1" sz="3200">
+            <a:endParaRPr sz="3200" b="1">
               <a:latin typeface="Muli"/>
               <a:ea typeface="Muli"/>
               <a:cs typeface="Muli"/>
@@ -7148,7 +7340,7 @@
             </a:endParaRPr>
           </a:p>
           <a:p>
-            <a:pPr indent="0" lvl="0" marL="0" rtl="0" algn="l">
+            <a:pPr marL="0" lvl="0" indent="0" algn="l" rtl="0">
               <a:spcBef>
                 <a:spcPts val="600"/>
               </a:spcBef>
@@ -7157,10 +7349,7 @@
               </a:spcAft>
               <a:buNone/>
             </a:pPr>
-            <a:r>
-              <a:t/>
-            </a:r>
-            <a:endParaRPr b="1" sz="3200">
+            <a:endParaRPr sz="3200" b="1">
               <a:latin typeface="Muli"/>
               <a:ea typeface="Muli"/>
               <a:cs typeface="Muli"/>
@@ -7168,7 +7357,7 @@
             </a:endParaRPr>
           </a:p>
           <a:p>
-            <a:pPr indent="0" lvl="0" marL="0" rtl="0" algn="l">
+            <a:pPr marL="0" lvl="0" indent="0" algn="l" rtl="0">
               <a:spcBef>
                 <a:spcPts val="600"/>
               </a:spcBef>
@@ -7178,31 +7367,13 @@
               <a:buNone/>
             </a:pPr>
             <a:r>
-              <a:rPr b="1" lang="en">
+              <a:rPr lang="en" b="1">
                 <a:latin typeface="Muli"/>
                 <a:ea typeface="Muli"/>
                 <a:cs typeface="Muli"/>
                 <a:sym typeface="Muli"/>
               </a:rPr>
-              <a:t>	Imperative programming consists of sets of detailed instructions that are given to the computer to execute in a given order. It’s called “imperative” because as programmers we dictate </a:t>
-            </a:r>
-            <a:r>
-              <a:rPr b="1" lang="en">
-                <a:latin typeface="Muli"/>
-                <a:ea typeface="Muli"/>
-                <a:cs typeface="Muli"/>
-                <a:sym typeface="Muli"/>
-              </a:rPr>
-              <a:t>exactly</a:t>
-            </a:r>
-            <a:r>
-              <a:rPr b="1" lang="en">
-                <a:latin typeface="Muli"/>
-                <a:ea typeface="Muli"/>
-                <a:cs typeface="Muli"/>
-                <a:sym typeface="Muli"/>
-              </a:rPr>
-              <a:t> what the computer has to do, in a very specific way.</a:t>
+              <a:t>	Imperative programming consists of sets of detailed instructions that are given to the computer to execute in a given order. It’s called “imperative” because as programmers we dictate exactly what the computer has to do, in a very specific way.</a:t>
             </a:r>
             <a:endParaRPr b="1">
               <a:latin typeface="Muli"/>
@@ -7212,7 +7383,7 @@
             </a:endParaRPr>
           </a:p>
           <a:p>
-            <a:pPr indent="0" lvl="0" marL="0" rtl="0" algn="l">
+            <a:pPr marL="0" lvl="0" indent="0" algn="l" rtl="0">
               <a:spcBef>
                 <a:spcPts val="600"/>
               </a:spcBef>
@@ -7222,7 +7393,7 @@
               <a:buNone/>
             </a:pPr>
             <a:r>
-              <a:rPr b="1" lang="en">
+              <a:rPr lang="en" b="1">
                 <a:latin typeface="Muli"/>
                 <a:ea typeface="Muli"/>
                 <a:cs typeface="Muli"/>
@@ -7242,9 +7413,11 @@
       <p:sp>
         <p:nvSpPr>
           <p:cNvPr id="151" name="Google Shape;151;p22"/>
-          <p:cNvSpPr txBox="1"/>
+          <p:cNvSpPr txBox="1">
+            <a:spLocks noGrp="1"/>
+          </p:cNvSpPr>
           <p:nvPr>
-            <p:ph idx="12" type="sldNum"/>
+            <p:ph type="sldNum" idx="12"/>
           </p:nvPr>
         </p:nvSpPr>
         <p:spPr>
@@ -7257,12 +7430,12 @@
           </a:prstGeom>
         </p:spPr>
         <p:txBody>
-          <a:bodyPr anchorCtr="0" anchor="ctr" bIns="0" lIns="0" spcFirstLastPara="1" rIns="0" wrap="square" tIns="0">
+          <a:bodyPr spcFirstLastPara="1" wrap="square" lIns="0" tIns="0" rIns="0" bIns="0" anchor="ctr" anchorCtr="0">
             <a:noAutofit/>
           </a:bodyPr>
           <a:lstStyle/>
           <a:p>
-            <a:pPr indent="0" lvl="0" marL="0" rtl="0" algn="r">
+            <a:pPr marL="0" lvl="0" indent="0" algn="r" rtl="0">
               <a:spcBef>
                 <a:spcPts val="0"/>
               </a:spcBef>
@@ -7273,7 +7446,7 @@
             </a:pPr>
             <a:fld id="{00000000-1234-1234-1234-123412341234}" type="slidenum">
               <a:rPr lang="en"/>
-              <a:t>‹#›</a:t>
+              <a:t>10</a:t>
             </a:fld>
             <a:endParaRPr/>
           </a:p>
@@ -7288,11 +7461,11 @@
 </file>
 
 <file path=ppt/slides/slide11.xml><?xml version="1.0" encoding="utf-8"?>
-<p:sld xmlns:a="http://schemas.openxmlformats.org/drawingml/2006/main" xmlns:r="http://schemas.openxmlformats.org/officeDocument/2006/relationships" xmlns:mc="http://schemas.openxmlformats.org/markup-compatibility/2006" xmlns:mv="urn:schemas-microsoft-com:mac:vml" xmlns:p="http://schemas.openxmlformats.org/presentationml/2006/main" xmlns:c="http://schemas.openxmlformats.org/drawingml/2006/chart" xmlns:dgm="http://schemas.openxmlformats.org/drawingml/2006/diagram" xmlns:o="urn:schemas-microsoft-com:office:office" xmlns:v="urn:schemas-microsoft-com:vml" xmlns:pvml="urn:schemas-microsoft-com:office:powerpoint" xmlns:com="http://schemas.openxmlformats.org/drawingml/2006/compatibility" xmlns:p14="http://schemas.microsoft.com/office/powerpoint/2010/main" xmlns:p15="http://schemas.microsoft.com/office/powerpoint/2012/main" xmlns:ahyp="http://schemas.microsoft.com/office/drawing/2018/hyperlinkcolor">
+<p:sld xmlns:a="http://schemas.openxmlformats.org/drawingml/2006/main" xmlns:r="http://schemas.openxmlformats.org/officeDocument/2006/relationships" xmlns:p="http://schemas.openxmlformats.org/presentationml/2006/main">
   <p:cSld>
     <p:spTree>
       <p:nvGrpSpPr>
-        <p:cNvPr id="155" name="Shape 155"/>
+        <p:cNvPr id="1" name="Shape 155"/>
         <p:cNvGrpSpPr/>
         <p:nvPr/>
       </p:nvGrpSpPr>
@@ -7307,9 +7480,11 @@
       <p:sp>
         <p:nvSpPr>
           <p:cNvPr id="156" name="Google Shape;156;p23"/>
-          <p:cNvSpPr txBox="1"/>
+          <p:cNvSpPr txBox="1">
+            <a:spLocks noGrp="1"/>
+          </p:cNvSpPr>
           <p:nvPr>
-            <p:ph idx="1" type="body"/>
+            <p:ph type="body" idx="1"/>
           </p:nvPr>
         </p:nvSpPr>
         <p:spPr>
@@ -7322,12 +7497,12 @@
           </a:prstGeom>
         </p:spPr>
         <p:txBody>
-          <a:bodyPr anchorCtr="0" anchor="t" bIns="0" lIns="0" spcFirstLastPara="1" rIns="0" wrap="square" tIns="0">
+          <a:bodyPr spcFirstLastPara="1" wrap="square" lIns="0" tIns="0" rIns="0" bIns="0" anchor="t" anchorCtr="0">
             <a:noAutofit/>
           </a:bodyPr>
           <a:lstStyle/>
           <a:p>
-            <a:pPr indent="0" lvl="0" marL="0" rtl="0" algn="l">
+            <a:pPr marL="0" lvl="0" indent="0" algn="l" rtl="0">
               <a:spcBef>
                 <a:spcPts val="600"/>
               </a:spcBef>
@@ -7337,24 +7512,15 @@
               <a:buNone/>
             </a:pPr>
             <a:r>
-              <a:rPr b="1" lang="en" sz="3200">
+              <a:rPr lang="en" sz="3200" b="1">
                 <a:latin typeface="Muli"/>
                 <a:ea typeface="Muli"/>
                 <a:cs typeface="Muli"/>
                 <a:sym typeface="Muli"/>
               </a:rPr>
-              <a:t>Procedural</a:t>
+              <a:t>Procedural Programming</a:t>
             </a:r>
-            <a:r>
-              <a:rPr b="1" lang="en" sz="3200">
-                <a:latin typeface="Muli"/>
-                <a:ea typeface="Muli"/>
-                <a:cs typeface="Muli"/>
-                <a:sym typeface="Muli"/>
-              </a:rPr>
-              <a:t> Programming</a:t>
-            </a:r>
-            <a:endParaRPr b="1" sz="3200">
+            <a:endParaRPr sz="3200" b="1">
               <a:latin typeface="Muli"/>
               <a:ea typeface="Muli"/>
               <a:cs typeface="Muli"/>
@@ -7362,7 +7528,7 @@
             </a:endParaRPr>
           </a:p>
           <a:p>
-            <a:pPr indent="0" lvl="0" marL="0" rtl="0" algn="l">
+            <a:pPr marL="0" lvl="0" indent="0" algn="l" rtl="0">
               <a:spcBef>
                 <a:spcPts val="600"/>
               </a:spcBef>
@@ -7371,10 +7537,7 @@
               </a:spcAft>
               <a:buNone/>
             </a:pPr>
-            <a:r>
-              <a:t/>
-            </a:r>
-            <a:endParaRPr b="1" sz="3200">
+            <a:endParaRPr sz="3200" b="1">
               <a:latin typeface="Muli"/>
               <a:ea typeface="Muli"/>
               <a:cs typeface="Muli"/>
@@ -7382,7 +7545,7 @@
             </a:endParaRPr>
           </a:p>
           <a:p>
-            <a:pPr indent="0" lvl="0" marL="0" rtl="0" algn="l">
+            <a:pPr marL="0" lvl="0" indent="0" algn="l" rtl="0">
               <a:spcBef>
                 <a:spcPts val="600"/>
               </a:spcBef>
@@ -7392,7 +7555,7 @@
               <a:buNone/>
             </a:pPr>
             <a:r>
-              <a:rPr b="1" lang="en">
+              <a:rPr lang="en" b="1">
                 <a:latin typeface="Muli"/>
                 <a:ea typeface="Muli"/>
                 <a:cs typeface="Muli"/>
@@ -7408,7 +7571,7 @@
             </a:endParaRPr>
           </a:p>
           <a:p>
-            <a:pPr indent="0" lvl="0" marL="0" rtl="0" algn="l">
+            <a:pPr marL="0" lvl="0" indent="0" algn="l" rtl="0">
               <a:spcBef>
                 <a:spcPts val="600"/>
               </a:spcBef>
@@ -7418,7 +7581,7 @@
               <a:buNone/>
             </a:pPr>
             <a:r>
-              <a:rPr b="1" lang="en">
+              <a:rPr lang="en" b="1">
                 <a:latin typeface="Muli"/>
                 <a:ea typeface="Muli"/>
                 <a:cs typeface="Muli"/>
@@ -7438,9 +7601,11 @@
       <p:sp>
         <p:nvSpPr>
           <p:cNvPr id="157" name="Google Shape;157;p23"/>
-          <p:cNvSpPr txBox="1"/>
+          <p:cNvSpPr txBox="1">
+            <a:spLocks noGrp="1"/>
+          </p:cNvSpPr>
           <p:nvPr>
-            <p:ph idx="12" type="sldNum"/>
+            <p:ph type="sldNum" idx="12"/>
           </p:nvPr>
         </p:nvSpPr>
         <p:spPr>
@@ -7453,12 +7618,12 @@
           </a:prstGeom>
         </p:spPr>
         <p:txBody>
-          <a:bodyPr anchorCtr="0" anchor="ctr" bIns="0" lIns="0" spcFirstLastPara="1" rIns="0" wrap="square" tIns="0">
+          <a:bodyPr spcFirstLastPara="1" wrap="square" lIns="0" tIns="0" rIns="0" bIns="0" anchor="ctr" anchorCtr="0">
             <a:noAutofit/>
           </a:bodyPr>
           <a:lstStyle/>
           <a:p>
-            <a:pPr indent="0" lvl="0" marL="0" rtl="0" algn="r">
+            <a:pPr marL="0" lvl="0" indent="0" algn="r" rtl="0">
               <a:spcBef>
                 <a:spcPts val="0"/>
               </a:spcBef>
@@ -7469,7 +7634,7 @@
             </a:pPr>
             <a:fld id="{00000000-1234-1234-1234-123412341234}" type="slidenum">
               <a:rPr lang="en"/>
-              <a:t>‹#›</a:t>
+              <a:t>11</a:t>
             </a:fld>
             <a:endParaRPr/>
           </a:p>
@@ -7484,11 +7649,11 @@
 </file>
 
 <file path=ppt/slides/slide12.xml><?xml version="1.0" encoding="utf-8"?>
-<p:sld xmlns:a="http://schemas.openxmlformats.org/drawingml/2006/main" xmlns:r="http://schemas.openxmlformats.org/officeDocument/2006/relationships" xmlns:mc="http://schemas.openxmlformats.org/markup-compatibility/2006" xmlns:mv="urn:schemas-microsoft-com:mac:vml" xmlns:p="http://schemas.openxmlformats.org/presentationml/2006/main" xmlns:c="http://schemas.openxmlformats.org/drawingml/2006/chart" xmlns:dgm="http://schemas.openxmlformats.org/drawingml/2006/diagram" xmlns:o="urn:schemas-microsoft-com:office:office" xmlns:v="urn:schemas-microsoft-com:vml" xmlns:pvml="urn:schemas-microsoft-com:office:powerpoint" xmlns:com="http://schemas.openxmlformats.org/drawingml/2006/compatibility" xmlns:p14="http://schemas.microsoft.com/office/powerpoint/2010/main" xmlns:p15="http://schemas.microsoft.com/office/powerpoint/2012/main" xmlns:ahyp="http://schemas.microsoft.com/office/drawing/2018/hyperlinkcolor">
+<p:sld xmlns:a="http://schemas.openxmlformats.org/drawingml/2006/main" xmlns:r="http://schemas.openxmlformats.org/officeDocument/2006/relationships" xmlns:p="http://schemas.openxmlformats.org/presentationml/2006/main">
   <p:cSld>
     <p:spTree>
       <p:nvGrpSpPr>
-        <p:cNvPr id="161" name="Shape 161"/>
+        <p:cNvPr id="1" name="Shape 161"/>
         <p:cNvGrpSpPr/>
         <p:nvPr/>
       </p:nvGrpSpPr>
@@ -7503,9 +7668,11 @@
       <p:sp>
         <p:nvSpPr>
           <p:cNvPr id="162" name="Google Shape;162;p24"/>
-          <p:cNvSpPr txBox="1"/>
+          <p:cNvSpPr txBox="1">
+            <a:spLocks noGrp="1"/>
+          </p:cNvSpPr>
           <p:nvPr>
-            <p:ph idx="1" type="body"/>
+            <p:ph type="body" idx="1"/>
           </p:nvPr>
         </p:nvSpPr>
         <p:spPr>
@@ -7518,12 +7685,12 @@
           </a:prstGeom>
         </p:spPr>
         <p:txBody>
-          <a:bodyPr anchorCtr="0" anchor="t" bIns="0" lIns="0" spcFirstLastPara="1" rIns="0" wrap="square" tIns="0">
+          <a:bodyPr spcFirstLastPara="1" wrap="square" lIns="0" tIns="0" rIns="0" bIns="0" anchor="t" anchorCtr="0">
             <a:noAutofit/>
           </a:bodyPr>
           <a:lstStyle/>
           <a:p>
-            <a:pPr indent="0" lvl="0" marL="0" rtl="0" algn="l">
+            <a:pPr marL="0" lvl="0" indent="0" algn="l" rtl="0">
               <a:spcBef>
                 <a:spcPts val="600"/>
               </a:spcBef>
@@ -7533,24 +7700,15 @@
               <a:buNone/>
             </a:pPr>
             <a:r>
-              <a:rPr b="1" lang="en" sz="3200">
+              <a:rPr lang="en" sz="3200" b="1">
                 <a:latin typeface="Muli"/>
                 <a:ea typeface="Muli"/>
                 <a:cs typeface="Muli"/>
                 <a:sym typeface="Muli"/>
               </a:rPr>
-              <a:t>Functional</a:t>
+              <a:t>Functional Programming</a:t>
             </a:r>
-            <a:r>
-              <a:rPr b="1" lang="en" sz="3200">
-                <a:latin typeface="Muli"/>
-                <a:ea typeface="Muli"/>
-                <a:cs typeface="Muli"/>
-                <a:sym typeface="Muli"/>
-              </a:rPr>
-              <a:t> Programming</a:t>
-            </a:r>
-            <a:endParaRPr b="1" sz="3200">
+            <a:endParaRPr sz="3200" b="1">
               <a:latin typeface="Muli"/>
               <a:ea typeface="Muli"/>
               <a:cs typeface="Muli"/>
@@ -7558,7 +7716,7 @@
             </a:endParaRPr>
           </a:p>
           <a:p>
-            <a:pPr indent="0" lvl="0" marL="0" rtl="0" algn="l">
+            <a:pPr marL="0" lvl="0" indent="0" algn="l" rtl="0">
               <a:spcBef>
                 <a:spcPts val="600"/>
               </a:spcBef>
@@ -7568,7 +7726,7 @@
               <a:buNone/>
             </a:pPr>
             <a:r>
-              <a:rPr b="1" lang="en">
+              <a:rPr lang="en" b="1">
                 <a:latin typeface="Muli"/>
                 <a:ea typeface="Muli"/>
                 <a:cs typeface="Muli"/>
@@ -7584,7 +7742,7 @@
             </a:endParaRPr>
           </a:p>
           <a:p>
-            <a:pPr indent="0" lvl="0" marL="0" rtl="0" algn="l">
+            <a:pPr marL="0" lvl="0" indent="0" algn="l" rtl="0">
               <a:spcBef>
                 <a:spcPts val="600"/>
               </a:spcBef>
@@ -7594,22 +7752,13 @@
               <a:buNone/>
             </a:pPr>
             <a:r>
-              <a:rPr b="1" lang="en">
+              <a:rPr lang="en" b="1">
                 <a:latin typeface="Muli"/>
                 <a:ea typeface="Muli"/>
                 <a:cs typeface="Muli"/>
                 <a:sym typeface="Muli"/>
               </a:rPr>
-              <a:t>	In </a:t>
-            </a:r>
-            <a:r>
-              <a:rPr b="1" lang="en">
-                <a:latin typeface="Muli"/>
-                <a:ea typeface="Muli"/>
-                <a:cs typeface="Muli"/>
-                <a:sym typeface="Muli"/>
-              </a:rPr>
-              <a:t>functional programming, functions are treated as first-class citizens, meaning that can be assigned to variables, passed as arguments, and returned from other functions.</a:t>
+              <a:t>	In functional programming, functions are treated as first-class citizens, meaning that can be assigned to variables, passed as arguments, and returned from other functions.</a:t>
             </a:r>
             <a:endParaRPr b="1">
               <a:latin typeface="Muli"/>
@@ -7619,7 +7768,7 @@
             </a:endParaRPr>
           </a:p>
           <a:p>
-            <a:pPr indent="0" lvl="0" marL="0" rtl="0" algn="l">
+            <a:pPr marL="0" lvl="0" indent="0" algn="l" rtl="0">
               <a:spcBef>
                 <a:spcPts val="600"/>
               </a:spcBef>
@@ -7629,7 +7778,7 @@
               <a:buNone/>
             </a:pPr>
             <a:r>
-              <a:rPr b="1" lang="en">
+              <a:rPr lang="en" b="1">
                 <a:latin typeface="Muli"/>
                 <a:ea typeface="Muli"/>
                 <a:cs typeface="Muli"/>
@@ -7645,7 +7794,7 @@
             </a:endParaRPr>
           </a:p>
           <a:p>
-            <a:pPr indent="0" lvl="0" marL="0" rtl="0" algn="l">
+            <a:pPr marL="0" lvl="0" indent="0" algn="l" rtl="0">
               <a:spcBef>
                 <a:spcPts val="600"/>
               </a:spcBef>
@@ -7655,7 +7804,7 @@
               <a:buNone/>
             </a:pPr>
             <a:r>
-              <a:rPr b="1" lang="en">
+              <a:rPr lang="en" b="1">
                 <a:latin typeface="Muli"/>
                 <a:ea typeface="Muli"/>
                 <a:cs typeface="Muli"/>
@@ -7671,7 +7820,7 @@
             </a:endParaRPr>
           </a:p>
           <a:p>
-            <a:pPr indent="0" lvl="0" marL="0" rtl="0" algn="l">
+            <a:pPr marL="0" lvl="0" indent="0" algn="l" rtl="0">
               <a:spcBef>
                 <a:spcPts val="600"/>
               </a:spcBef>
@@ -7681,7 +7830,7 @@
               <a:buNone/>
             </a:pPr>
             <a:r>
-              <a:rPr b="1" lang="en">
+              <a:rPr lang="en" b="1">
                 <a:latin typeface="Muli"/>
                 <a:ea typeface="Muli"/>
                 <a:cs typeface="Muli"/>
@@ -7701,9 +7850,11 @@
       <p:sp>
         <p:nvSpPr>
           <p:cNvPr id="163" name="Google Shape;163;p24"/>
-          <p:cNvSpPr txBox="1"/>
+          <p:cNvSpPr txBox="1">
+            <a:spLocks noGrp="1"/>
+          </p:cNvSpPr>
           <p:nvPr>
-            <p:ph idx="12" type="sldNum"/>
+            <p:ph type="sldNum" idx="12"/>
           </p:nvPr>
         </p:nvSpPr>
         <p:spPr>
@@ -7716,12 +7867,12 @@
           </a:prstGeom>
         </p:spPr>
         <p:txBody>
-          <a:bodyPr anchorCtr="0" anchor="ctr" bIns="0" lIns="0" spcFirstLastPara="1" rIns="0" wrap="square" tIns="0">
+          <a:bodyPr spcFirstLastPara="1" wrap="square" lIns="0" tIns="0" rIns="0" bIns="0" anchor="ctr" anchorCtr="0">
             <a:noAutofit/>
           </a:bodyPr>
           <a:lstStyle/>
           <a:p>
-            <a:pPr indent="0" lvl="0" marL="0" rtl="0" algn="r">
+            <a:pPr marL="0" lvl="0" indent="0" algn="r" rtl="0">
               <a:spcBef>
                 <a:spcPts val="0"/>
               </a:spcBef>
@@ -7732,7 +7883,7 @@
             </a:pPr>
             <a:fld id="{00000000-1234-1234-1234-123412341234}" type="slidenum">
               <a:rPr lang="en"/>
-              <a:t>‹#›</a:t>
+              <a:t>12</a:t>
             </a:fld>
             <a:endParaRPr/>
           </a:p>
@@ -7747,11 +7898,11 @@
 </file>
 
 <file path=ppt/slides/slide13.xml><?xml version="1.0" encoding="utf-8"?>
-<p:sld xmlns:a="http://schemas.openxmlformats.org/drawingml/2006/main" xmlns:r="http://schemas.openxmlformats.org/officeDocument/2006/relationships" xmlns:mc="http://schemas.openxmlformats.org/markup-compatibility/2006" xmlns:mv="urn:schemas-microsoft-com:mac:vml" xmlns:p="http://schemas.openxmlformats.org/presentationml/2006/main" xmlns:c="http://schemas.openxmlformats.org/drawingml/2006/chart" xmlns:dgm="http://schemas.openxmlformats.org/drawingml/2006/diagram" xmlns:o="urn:schemas-microsoft-com:office:office" xmlns:v="urn:schemas-microsoft-com:vml" xmlns:pvml="urn:schemas-microsoft-com:office:powerpoint" xmlns:com="http://schemas.openxmlformats.org/drawingml/2006/compatibility" xmlns:p14="http://schemas.microsoft.com/office/powerpoint/2010/main" xmlns:p15="http://schemas.microsoft.com/office/powerpoint/2012/main" xmlns:ahyp="http://schemas.microsoft.com/office/drawing/2018/hyperlinkcolor">
+<p:sld xmlns:a="http://schemas.openxmlformats.org/drawingml/2006/main" xmlns:r="http://schemas.openxmlformats.org/officeDocument/2006/relationships" xmlns:p="http://schemas.openxmlformats.org/presentationml/2006/main">
   <p:cSld>
     <p:spTree>
       <p:nvGrpSpPr>
-        <p:cNvPr id="167" name="Shape 167"/>
+        <p:cNvPr id="1" name="Shape 167"/>
         <p:cNvGrpSpPr/>
         <p:nvPr/>
       </p:nvGrpSpPr>
@@ -7766,9 +7917,11 @@
       <p:sp>
         <p:nvSpPr>
           <p:cNvPr id="168" name="Google Shape;168;p25"/>
-          <p:cNvSpPr txBox="1"/>
+          <p:cNvSpPr txBox="1">
+            <a:spLocks noGrp="1"/>
+          </p:cNvSpPr>
           <p:nvPr>
-            <p:ph idx="1" type="body"/>
+            <p:ph type="body" idx="1"/>
           </p:nvPr>
         </p:nvSpPr>
         <p:spPr>
@@ -7781,12 +7934,12 @@
           </a:prstGeom>
         </p:spPr>
         <p:txBody>
-          <a:bodyPr anchorCtr="0" anchor="t" bIns="0" lIns="0" spcFirstLastPara="1" rIns="0" wrap="square" tIns="0">
+          <a:bodyPr spcFirstLastPara="1" wrap="square" lIns="0" tIns="0" rIns="0" bIns="0" anchor="t" anchorCtr="0">
             <a:noAutofit/>
           </a:bodyPr>
           <a:lstStyle/>
           <a:p>
-            <a:pPr indent="0" lvl="0" marL="0" rtl="0" algn="l">
+            <a:pPr marL="0" lvl="0" indent="0" algn="l" rtl="0">
               <a:spcBef>
                 <a:spcPts val="600"/>
               </a:spcBef>
@@ -7796,24 +7949,15 @@
               <a:buNone/>
             </a:pPr>
             <a:r>
-              <a:rPr b="1" lang="en" sz="3200">
+              <a:rPr lang="en" sz="3200" b="1">
                 <a:latin typeface="Muli"/>
                 <a:ea typeface="Muli"/>
                 <a:cs typeface="Muli"/>
                 <a:sym typeface="Muli"/>
               </a:rPr>
-              <a:t>Declative</a:t>
+              <a:t>Declative Programming</a:t>
             </a:r>
-            <a:r>
-              <a:rPr b="1" lang="en" sz="3200">
-                <a:latin typeface="Muli"/>
-                <a:ea typeface="Muli"/>
-                <a:cs typeface="Muli"/>
-                <a:sym typeface="Muli"/>
-              </a:rPr>
-              <a:t> Programming</a:t>
-            </a:r>
-            <a:endParaRPr b="1" sz="3200">
+            <a:endParaRPr sz="3200" b="1">
               <a:latin typeface="Muli"/>
               <a:ea typeface="Muli"/>
               <a:cs typeface="Muli"/>
@@ -7821,7 +7965,7 @@
             </a:endParaRPr>
           </a:p>
           <a:p>
-            <a:pPr indent="0" lvl="0" marL="0" rtl="0" algn="l">
+            <a:pPr marL="0" lvl="0" indent="0" algn="l" rtl="0">
               <a:spcBef>
                 <a:spcPts val="600"/>
               </a:spcBef>
@@ -7830,10 +7974,7 @@
               </a:spcAft>
               <a:buNone/>
             </a:pPr>
-            <a:r>
-              <a:t/>
-            </a:r>
-            <a:endParaRPr b="1" sz="3200">
+            <a:endParaRPr sz="3200" b="1">
               <a:latin typeface="Muli"/>
               <a:ea typeface="Muli"/>
               <a:cs typeface="Muli"/>
@@ -7841,7 +7982,7 @@
             </a:endParaRPr>
           </a:p>
           <a:p>
-            <a:pPr indent="0" lvl="0" marL="0" rtl="0" algn="l">
+            <a:pPr marL="0" lvl="0" indent="0" algn="l" rtl="0">
               <a:spcBef>
                 <a:spcPts val="600"/>
               </a:spcBef>
@@ -7851,7 +7992,7 @@
               <a:buNone/>
             </a:pPr>
             <a:r>
-              <a:rPr b="1" lang="en">
+              <a:rPr lang="en" b="1">
                 <a:latin typeface="Muli"/>
                 <a:ea typeface="Muli"/>
                 <a:cs typeface="Muli"/>
@@ -7867,7 +8008,7 @@
             </a:endParaRPr>
           </a:p>
           <a:p>
-            <a:pPr indent="0" lvl="0" marL="0" rtl="0" algn="l">
+            <a:pPr marL="0" lvl="0" indent="0" algn="l" rtl="0">
               <a:spcBef>
                 <a:spcPts val="600"/>
               </a:spcBef>
@@ -7877,31 +8018,13 @@
               <a:buNone/>
             </a:pPr>
             <a:r>
-              <a:rPr b="1" lang="en">
+              <a:rPr lang="en" b="1">
                 <a:latin typeface="Muli"/>
                 <a:ea typeface="Muli"/>
                 <a:cs typeface="Muli"/>
                 <a:sym typeface="Muli"/>
               </a:rPr>
-              <a:t>It’s the direct opposite of </a:t>
-            </a:r>
-            <a:r>
-              <a:rPr b="1" lang="en">
-                <a:latin typeface="Muli"/>
-                <a:ea typeface="Muli"/>
-                <a:cs typeface="Muli"/>
-                <a:sym typeface="Muli"/>
-              </a:rPr>
-              <a:t>imperative</a:t>
-            </a:r>
-            <a:r>
-              <a:rPr b="1" lang="en">
-                <a:latin typeface="Muli"/>
-                <a:ea typeface="Muli"/>
-                <a:cs typeface="Muli"/>
-                <a:sym typeface="Muli"/>
-              </a:rPr>
-              <a:t> programming in the sense is that the programmer doesn’t give instructions about how the computer should execute the task, but rather on what result is needed.</a:t>
+              <a:t>It’s the direct opposite of imperative programming in the sense is that the programmer doesn’t give instructions about how the computer should execute the task, but rather on what result is needed.</a:t>
             </a:r>
             <a:endParaRPr b="1">
               <a:latin typeface="Muli"/>
@@ -7915,9 +8038,11 @@
       <p:sp>
         <p:nvSpPr>
           <p:cNvPr id="169" name="Google Shape;169;p25"/>
-          <p:cNvSpPr txBox="1"/>
+          <p:cNvSpPr txBox="1">
+            <a:spLocks noGrp="1"/>
+          </p:cNvSpPr>
           <p:nvPr>
-            <p:ph idx="12" type="sldNum"/>
+            <p:ph type="sldNum" idx="12"/>
           </p:nvPr>
         </p:nvSpPr>
         <p:spPr>
@@ -7930,12 +8055,12 @@
           </a:prstGeom>
         </p:spPr>
         <p:txBody>
-          <a:bodyPr anchorCtr="0" anchor="ctr" bIns="0" lIns="0" spcFirstLastPara="1" rIns="0" wrap="square" tIns="0">
+          <a:bodyPr spcFirstLastPara="1" wrap="square" lIns="0" tIns="0" rIns="0" bIns="0" anchor="ctr" anchorCtr="0">
             <a:noAutofit/>
           </a:bodyPr>
           <a:lstStyle/>
           <a:p>
-            <a:pPr indent="0" lvl="0" marL="0" rtl="0" algn="r">
+            <a:pPr marL="0" lvl="0" indent="0" algn="r" rtl="0">
               <a:spcBef>
                 <a:spcPts val="0"/>
               </a:spcBef>
@@ -7946,7 +8071,7 @@
             </a:pPr>
             <a:fld id="{00000000-1234-1234-1234-123412341234}" type="slidenum">
               <a:rPr lang="en"/>
-              <a:t>‹#›</a:t>
+              <a:t>13</a:t>
             </a:fld>
             <a:endParaRPr/>
           </a:p>
@@ -7961,11 +8086,11 @@
 </file>
 
 <file path=ppt/slides/slide14.xml><?xml version="1.0" encoding="utf-8"?>
-<p:sld xmlns:a="http://schemas.openxmlformats.org/drawingml/2006/main" xmlns:r="http://schemas.openxmlformats.org/officeDocument/2006/relationships" xmlns:mc="http://schemas.openxmlformats.org/markup-compatibility/2006" xmlns:mv="urn:schemas-microsoft-com:mac:vml" xmlns:p="http://schemas.openxmlformats.org/presentationml/2006/main" xmlns:c="http://schemas.openxmlformats.org/drawingml/2006/chart" xmlns:dgm="http://schemas.openxmlformats.org/drawingml/2006/diagram" xmlns:o="urn:schemas-microsoft-com:office:office" xmlns:v="urn:schemas-microsoft-com:vml" xmlns:pvml="urn:schemas-microsoft-com:office:powerpoint" xmlns:com="http://schemas.openxmlformats.org/drawingml/2006/compatibility" xmlns:p14="http://schemas.microsoft.com/office/powerpoint/2010/main" xmlns:p15="http://schemas.microsoft.com/office/powerpoint/2012/main" xmlns:ahyp="http://schemas.microsoft.com/office/drawing/2018/hyperlinkcolor">
+<p:sld xmlns:a="http://schemas.openxmlformats.org/drawingml/2006/main" xmlns:r="http://schemas.openxmlformats.org/officeDocument/2006/relationships" xmlns:p="http://schemas.openxmlformats.org/presentationml/2006/main">
   <p:cSld>
     <p:spTree>
       <p:nvGrpSpPr>
-        <p:cNvPr id="173" name="Shape 173"/>
+        <p:cNvPr id="1" name="Shape 173"/>
         <p:cNvGrpSpPr/>
         <p:nvPr/>
       </p:nvGrpSpPr>
@@ -7980,9 +8105,11 @@
       <p:sp>
         <p:nvSpPr>
           <p:cNvPr id="174" name="Google Shape;174;p26"/>
-          <p:cNvSpPr txBox="1"/>
+          <p:cNvSpPr txBox="1">
+            <a:spLocks noGrp="1"/>
+          </p:cNvSpPr>
           <p:nvPr>
-            <p:ph idx="1" type="body"/>
+            <p:ph type="body" idx="1"/>
           </p:nvPr>
         </p:nvSpPr>
         <p:spPr>
@@ -7995,12 +8122,12 @@
           </a:prstGeom>
         </p:spPr>
         <p:txBody>
-          <a:bodyPr anchorCtr="0" anchor="t" bIns="0" lIns="0" spcFirstLastPara="1" rIns="0" wrap="square" tIns="0">
+          <a:bodyPr spcFirstLastPara="1" wrap="square" lIns="0" tIns="0" rIns="0" bIns="0" anchor="t" anchorCtr="0">
             <a:noAutofit/>
           </a:bodyPr>
           <a:lstStyle/>
           <a:p>
-            <a:pPr indent="0" lvl="0" marL="0" rtl="0" algn="l">
+            <a:pPr marL="0" lvl="0" indent="0" algn="l" rtl="0">
               <a:spcBef>
                 <a:spcPts val="600"/>
               </a:spcBef>
@@ -8010,24 +8137,15 @@
               <a:buNone/>
             </a:pPr>
             <a:r>
-              <a:rPr b="1" lang="en" sz="3200">
+              <a:rPr lang="en" sz="3200" b="1">
                 <a:latin typeface="Muli"/>
                 <a:ea typeface="Muli"/>
                 <a:cs typeface="Muli"/>
                 <a:sym typeface="Muli"/>
               </a:rPr>
-              <a:t>Object-Oriented</a:t>
+              <a:t>Object-Oriented Programming</a:t>
             </a:r>
-            <a:r>
-              <a:rPr b="1" lang="en" sz="3200">
-                <a:latin typeface="Muli"/>
-                <a:ea typeface="Muli"/>
-                <a:cs typeface="Muli"/>
-                <a:sym typeface="Muli"/>
-              </a:rPr>
-              <a:t> Programming</a:t>
-            </a:r>
-            <a:endParaRPr b="1" sz="3200">
+            <a:endParaRPr sz="3200" b="1">
               <a:latin typeface="Muli"/>
               <a:ea typeface="Muli"/>
               <a:cs typeface="Muli"/>
@@ -8035,7 +8153,7 @@
             </a:endParaRPr>
           </a:p>
           <a:p>
-            <a:pPr indent="0" lvl="0" marL="0" rtl="0" algn="l">
+            <a:pPr marL="0" lvl="0" indent="0" algn="l" rtl="0">
               <a:spcBef>
                 <a:spcPts val="600"/>
               </a:spcBef>
@@ -8045,43 +8163,16 @@
               <a:buNone/>
             </a:pPr>
             <a:r>
-              <a:rPr b="1" lang="en">
+              <a:rPr lang="en" b="1">
                 <a:latin typeface="Muli"/>
                 <a:ea typeface="Muli"/>
                 <a:cs typeface="Muli"/>
                 <a:sym typeface="Muli"/>
               </a:rPr>
-              <a:t>	</a:t>
+              <a:t>	One of the most popular programming paradigms is Object-Oriented</a:t>
             </a:r>
             <a:r>
-              <a:rPr b="1" lang="en">
-                <a:latin typeface="Muli"/>
-                <a:ea typeface="Muli"/>
-                <a:cs typeface="Muli"/>
-                <a:sym typeface="Muli"/>
-              </a:rPr>
-              <a:t>One </a:t>
-            </a:r>
-            <a:r>
-              <a:rPr b="1" lang="en">
-                <a:latin typeface="Muli"/>
-                <a:ea typeface="Muli"/>
-                <a:cs typeface="Muli"/>
-                <a:sym typeface="Muli"/>
-              </a:rPr>
-              <a:t>of the most popular programming paradigms is </a:t>
-            </a:r>
-            <a:r>
-              <a:rPr b="1" lang="en">
-                <a:latin typeface="Muli"/>
-                <a:ea typeface="Muli"/>
-                <a:cs typeface="Muli"/>
-                <a:sym typeface="Muli"/>
-              </a:rPr>
-              <a:t>Object-Oriented</a:t>
-            </a:r>
-            <a:r>
-              <a:rPr b="1" lang="en" sz="3200">
+              <a:rPr lang="en" sz="3200" b="1">
                 <a:latin typeface="Muli"/>
                 <a:ea typeface="Muli"/>
                 <a:cs typeface="Muli"/>
@@ -8090,7 +8181,7 @@
               <a:t> </a:t>
             </a:r>
             <a:r>
-              <a:rPr b="1" lang="en">
+              <a:rPr lang="en" b="1">
                 <a:latin typeface="Muli"/>
                 <a:ea typeface="Muli"/>
                 <a:cs typeface="Muli"/>
@@ -8106,7 +8197,7 @@
             </a:endParaRPr>
           </a:p>
           <a:p>
-            <a:pPr indent="0" lvl="0" marL="0" rtl="0" algn="l">
+            <a:pPr marL="0" lvl="0" indent="0" algn="l" rtl="0">
               <a:spcBef>
                 <a:spcPts val="600"/>
               </a:spcBef>
@@ -8116,7 +8207,7 @@
               <a:buNone/>
             </a:pPr>
             <a:r>
-              <a:rPr b="1" lang="en">
+              <a:rPr lang="en" b="1">
                 <a:latin typeface="Muli"/>
                 <a:ea typeface="Muli"/>
                 <a:cs typeface="Muli"/>
@@ -8132,7 +8223,7 @@
             </a:endParaRPr>
           </a:p>
           <a:p>
-            <a:pPr indent="0" lvl="0" marL="0" rtl="0" algn="l">
+            <a:pPr marL="0" lvl="0" indent="0" algn="l" rtl="0">
               <a:spcBef>
                 <a:spcPts val="600"/>
               </a:spcBef>
@@ -8142,7 +8233,7 @@
               <a:buNone/>
             </a:pPr>
             <a:r>
-              <a:rPr b="1" lang="en">
+              <a:rPr lang="en" b="1">
                 <a:latin typeface="Muli"/>
                 <a:ea typeface="Muli"/>
                 <a:cs typeface="Muli"/>
@@ -8162,9 +8253,11 @@
       <p:sp>
         <p:nvSpPr>
           <p:cNvPr id="175" name="Google Shape;175;p26"/>
-          <p:cNvSpPr txBox="1"/>
+          <p:cNvSpPr txBox="1">
+            <a:spLocks noGrp="1"/>
+          </p:cNvSpPr>
           <p:nvPr>
-            <p:ph idx="12" type="sldNum"/>
+            <p:ph type="sldNum" idx="12"/>
           </p:nvPr>
         </p:nvSpPr>
         <p:spPr>
@@ -8177,12 +8270,12 @@
           </a:prstGeom>
         </p:spPr>
         <p:txBody>
-          <a:bodyPr anchorCtr="0" anchor="ctr" bIns="0" lIns="0" spcFirstLastPara="1" rIns="0" wrap="square" tIns="0">
+          <a:bodyPr spcFirstLastPara="1" wrap="square" lIns="0" tIns="0" rIns="0" bIns="0" anchor="ctr" anchorCtr="0">
             <a:noAutofit/>
           </a:bodyPr>
           <a:lstStyle/>
           <a:p>
-            <a:pPr indent="0" lvl="0" marL="0" rtl="0" algn="r">
+            <a:pPr marL="0" lvl="0" indent="0" algn="r" rtl="0">
               <a:spcBef>
                 <a:spcPts val="0"/>
               </a:spcBef>
@@ -8193,7 +8286,7 @@
             </a:pPr>
             <a:fld id="{00000000-1234-1234-1234-123412341234}" type="slidenum">
               <a:rPr lang="en"/>
-              <a:t>‹#›</a:t>
+              <a:t>14</a:t>
             </a:fld>
             <a:endParaRPr/>
           </a:p>
@@ -8208,11 +8301,11 @@
 </file>
 
 <file path=ppt/slides/slide15.xml><?xml version="1.0" encoding="utf-8"?>
-<p:sld xmlns:a="http://schemas.openxmlformats.org/drawingml/2006/main" xmlns:r="http://schemas.openxmlformats.org/officeDocument/2006/relationships" xmlns:mc="http://schemas.openxmlformats.org/markup-compatibility/2006" xmlns:mv="urn:schemas-microsoft-com:mac:vml" xmlns:p="http://schemas.openxmlformats.org/presentationml/2006/main" xmlns:c="http://schemas.openxmlformats.org/drawingml/2006/chart" xmlns:dgm="http://schemas.openxmlformats.org/drawingml/2006/diagram" xmlns:o="urn:schemas-microsoft-com:office:office" xmlns:v="urn:schemas-microsoft-com:vml" xmlns:pvml="urn:schemas-microsoft-com:office:powerpoint" xmlns:com="http://schemas.openxmlformats.org/drawingml/2006/compatibility" xmlns:p14="http://schemas.microsoft.com/office/powerpoint/2010/main" xmlns:p15="http://schemas.microsoft.com/office/powerpoint/2012/main" xmlns:ahyp="http://schemas.microsoft.com/office/drawing/2018/hyperlinkcolor">
+<p:sld xmlns:a="http://schemas.openxmlformats.org/drawingml/2006/main" xmlns:r="http://schemas.openxmlformats.org/officeDocument/2006/relationships" xmlns:p="http://schemas.openxmlformats.org/presentationml/2006/main">
   <p:cSld>
     <p:spTree>
       <p:nvGrpSpPr>
-        <p:cNvPr id="179" name="Shape 179"/>
+        <p:cNvPr id="1" name="Shape 179"/>
         <p:cNvGrpSpPr/>
         <p:nvPr/>
       </p:nvGrpSpPr>
@@ -8227,9 +8320,11 @@
       <p:sp>
         <p:nvSpPr>
           <p:cNvPr id="180" name="Google Shape;180;p27"/>
-          <p:cNvSpPr txBox="1"/>
+          <p:cNvSpPr txBox="1">
+            <a:spLocks noGrp="1"/>
+          </p:cNvSpPr>
           <p:nvPr>
-            <p:ph idx="12" type="sldNum"/>
+            <p:ph type="sldNum" idx="12"/>
           </p:nvPr>
         </p:nvSpPr>
         <p:spPr>
@@ -8242,12 +8337,12 @@
           </a:prstGeom>
         </p:spPr>
         <p:txBody>
-          <a:bodyPr anchorCtr="0" anchor="ctr" bIns="0" lIns="0" spcFirstLastPara="1" rIns="0" wrap="square" tIns="0">
+          <a:bodyPr spcFirstLastPara="1" wrap="square" lIns="0" tIns="0" rIns="0" bIns="0" anchor="ctr" anchorCtr="0">
             <a:noAutofit/>
           </a:bodyPr>
           <a:lstStyle/>
           <a:p>
-            <a:pPr indent="0" lvl="0" marL="0" rtl="0" algn="r">
+            <a:pPr marL="0" lvl="0" indent="0" algn="r" rtl="0">
               <a:spcBef>
                 <a:spcPts val="0"/>
               </a:spcBef>
@@ -8258,7 +8353,7 @@
             </a:pPr>
             <a:fld id="{00000000-1234-1234-1234-123412341234}" type="slidenum">
               <a:rPr lang="en"/>
-              <a:t>‹#›</a:t>
+              <a:t>15</a:t>
             </a:fld>
             <a:endParaRPr/>
           </a:p>
@@ -8267,9 +8362,11 @@
       <p:sp>
         <p:nvSpPr>
           <p:cNvPr id="181" name="Google Shape;181;p27"/>
-          <p:cNvSpPr txBox="1"/>
+          <p:cNvSpPr txBox="1">
+            <a:spLocks noGrp="1"/>
+          </p:cNvSpPr>
           <p:nvPr>
-            <p:ph idx="4294967295" type="ctrTitle"/>
+            <p:ph type="ctrTitle" idx="4294967295"/>
           </p:nvPr>
         </p:nvSpPr>
         <p:spPr>
@@ -8282,12 +8379,12 @@
           </a:prstGeom>
         </p:spPr>
         <p:txBody>
-          <a:bodyPr anchorCtr="0" anchor="b" bIns="0" lIns="0" spcFirstLastPara="1" rIns="0" wrap="square" tIns="0">
+          <a:bodyPr spcFirstLastPara="1" wrap="square" lIns="0" tIns="0" rIns="0" bIns="0" anchor="b" anchorCtr="0">
             <a:noAutofit/>
           </a:bodyPr>
           <a:lstStyle/>
           <a:p>
-            <a:pPr indent="0" lvl="0" marL="0" rtl="0" algn="l">
+            <a:pPr marL="0" lvl="0" indent="0" algn="l" rtl="0">
               <a:spcBef>
                 <a:spcPts val="0"/>
               </a:spcBef>
@@ -8297,19 +8394,27 @@
               <a:buNone/>
             </a:pPr>
             <a:r>
-              <a:rPr lang="en" sz="7100"/>
-              <a:t>Thanks!</a:t>
+              <a:rPr lang="en" sz="6600" dirty="0">
+                <a:latin typeface="Comic Sans MS" panose="030F0702030302020204" pitchFamily="66" charset="0"/>
+              </a:rPr>
+              <a:t>Thanks</a:t>
             </a:r>
-            <a:endParaRPr sz="7100"/>
+            <a:r>
+              <a:rPr lang="en" sz="7000" dirty="0"/>
+              <a:t>!</a:t>
+            </a:r>
+            <a:endParaRPr sz="7000" dirty="0"/>
           </a:p>
         </p:txBody>
       </p:sp>
       <p:sp>
         <p:nvSpPr>
           <p:cNvPr id="182" name="Google Shape;182;p27"/>
-          <p:cNvSpPr txBox="1"/>
+          <p:cNvSpPr txBox="1">
+            <a:spLocks noGrp="1"/>
+          </p:cNvSpPr>
           <p:nvPr>
-            <p:ph idx="4294967295" type="subTitle"/>
+            <p:ph type="subTitle" idx="4294967295"/>
           </p:nvPr>
         </p:nvSpPr>
         <p:spPr>
@@ -8322,12 +8427,12 @@
           </a:prstGeom>
         </p:spPr>
         <p:txBody>
-          <a:bodyPr anchorCtr="0" anchor="t" bIns="0" lIns="0" spcFirstLastPara="1" rIns="0" wrap="square" tIns="0">
+          <a:bodyPr spcFirstLastPara="1" wrap="square" lIns="0" tIns="0" rIns="0" bIns="0" anchor="t" anchorCtr="0">
             <a:noAutofit/>
           </a:bodyPr>
           <a:lstStyle/>
           <a:p>
-            <a:pPr indent="0" lvl="0" marL="0" rtl="0" algn="l">
+            <a:pPr marL="0" lvl="0" indent="0" algn="l" rtl="0">
               <a:spcBef>
                 <a:spcPts val="600"/>
               </a:spcBef>
@@ -8337,7 +8442,7 @@
               <a:buNone/>
             </a:pPr>
             <a:r>
-              <a:rPr b="1" lang="en" sz="1800">
+              <a:rPr lang="en" sz="1800" b="1">
                 <a:latin typeface="Muli"/>
                 <a:ea typeface="Muli"/>
                 <a:cs typeface="Muli"/>
@@ -8442,11 +8547,11 @@
 </file>
 
 <file path=ppt/slides/slide2.xml><?xml version="1.0" encoding="utf-8"?>
-<p:sld xmlns:a="http://schemas.openxmlformats.org/drawingml/2006/main" xmlns:r="http://schemas.openxmlformats.org/officeDocument/2006/relationships" xmlns:mc="http://schemas.openxmlformats.org/markup-compatibility/2006" xmlns:mv="urn:schemas-microsoft-com:mac:vml" xmlns:p="http://schemas.openxmlformats.org/presentationml/2006/main" xmlns:c="http://schemas.openxmlformats.org/drawingml/2006/chart" xmlns:dgm="http://schemas.openxmlformats.org/drawingml/2006/diagram" xmlns:o="urn:schemas-microsoft-com:office:office" xmlns:v="urn:schemas-microsoft-com:vml" xmlns:pvml="urn:schemas-microsoft-com:office:powerpoint" xmlns:com="http://schemas.openxmlformats.org/drawingml/2006/compatibility" xmlns:p14="http://schemas.microsoft.com/office/powerpoint/2010/main" xmlns:p15="http://schemas.microsoft.com/office/powerpoint/2012/main" xmlns:ahyp="http://schemas.microsoft.com/office/drawing/2018/hyperlinkcolor">
+<p:sld xmlns:a="http://schemas.openxmlformats.org/drawingml/2006/main" xmlns:r="http://schemas.openxmlformats.org/officeDocument/2006/relationships" xmlns:p="http://schemas.openxmlformats.org/presentationml/2006/main">
   <p:cSld>
     <p:spTree>
       <p:nvGrpSpPr>
-        <p:cNvPr id="70" name="Shape 70"/>
+        <p:cNvPr id="1" name="Shape 70"/>
         <p:cNvGrpSpPr/>
         <p:nvPr/>
       </p:nvGrpSpPr>
@@ -8461,9 +8566,11 @@
       <p:sp>
         <p:nvSpPr>
           <p:cNvPr id="71" name="Google Shape;71;p14"/>
-          <p:cNvSpPr txBox="1"/>
+          <p:cNvSpPr txBox="1">
+            <a:spLocks noGrp="1"/>
+          </p:cNvSpPr>
           <p:nvPr>
-            <p:ph idx="1" type="body"/>
+            <p:ph type="body" idx="1"/>
           </p:nvPr>
         </p:nvSpPr>
         <p:spPr>
@@ -8476,12 +8583,12 @@
           </a:prstGeom>
         </p:spPr>
         <p:txBody>
-          <a:bodyPr anchorCtr="0" anchor="t" bIns="0" lIns="0" spcFirstLastPara="1" rIns="0" wrap="square" tIns="0">
+          <a:bodyPr spcFirstLastPara="1" wrap="square" lIns="0" tIns="0" rIns="0" bIns="0" anchor="t" anchorCtr="0">
             <a:noAutofit/>
           </a:bodyPr>
           <a:lstStyle/>
           <a:p>
-            <a:pPr indent="0" lvl="0" marL="0" rtl="0" algn="l">
+            <a:pPr marL="0" lvl="0" indent="0" algn="l" rtl="0">
               <a:spcBef>
                 <a:spcPts val="600"/>
               </a:spcBef>
@@ -8497,7 +8604,7 @@
             <a:endParaRPr sz="3300"/>
           </a:p>
           <a:p>
-            <a:pPr indent="0" lvl="0" marL="0" rtl="0" algn="l">
+            <a:pPr marL="0" lvl="0" indent="0" algn="l" rtl="0">
               <a:spcBef>
                 <a:spcPts val="600"/>
               </a:spcBef>
@@ -8506,13 +8613,10 @@
               </a:spcAft>
               <a:buNone/>
             </a:pPr>
-            <a:r>
-              <a:t/>
-            </a:r>
             <a:endParaRPr sz="3300"/>
           </a:p>
           <a:p>
-            <a:pPr indent="457200" lvl="0" marL="914400" rtl="0" algn="l">
+            <a:pPr marL="914400" lvl="0" indent="457200" algn="l" rtl="0">
               <a:spcBef>
                 <a:spcPts val="600"/>
               </a:spcBef>
@@ -8532,9 +8636,11 @@
       <p:sp>
         <p:nvSpPr>
           <p:cNvPr id="72" name="Google Shape;72;p14"/>
-          <p:cNvSpPr txBox="1"/>
+          <p:cNvSpPr txBox="1">
+            <a:spLocks noGrp="1"/>
+          </p:cNvSpPr>
           <p:nvPr>
-            <p:ph idx="12" type="sldNum"/>
+            <p:ph type="sldNum" idx="12"/>
           </p:nvPr>
         </p:nvSpPr>
         <p:spPr>
@@ -8547,12 +8653,12 @@
           </a:prstGeom>
         </p:spPr>
         <p:txBody>
-          <a:bodyPr anchorCtr="0" anchor="ctr" bIns="0" lIns="0" spcFirstLastPara="1" rIns="0" wrap="square" tIns="0">
+          <a:bodyPr spcFirstLastPara="1" wrap="square" lIns="0" tIns="0" rIns="0" bIns="0" anchor="ctr" anchorCtr="0">
             <a:noAutofit/>
           </a:bodyPr>
           <a:lstStyle/>
           <a:p>
-            <a:pPr indent="0" lvl="0" marL="0" rtl="0" algn="r">
+            <a:pPr marL="0" lvl="0" indent="0" algn="r" rtl="0">
               <a:spcBef>
                 <a:spcPts val="0"/>
               </a:spcBef>
@@ -8563,7 +8669,7 @@
             </a:pPr>
             <a:fld id="{00000000-1234-1234-1234-123412341234}" type="slidenum">
               <a:rPr lang="en"/>
-              <a:t>‹#›</a:t>
+              <a:t>2</a:t>
             </a:fld>
             <a:endParaRPr/>
           </a:p>
@@ -8579,7 +8685,7 @@
           <a:blip r:embed="rId3">
             <a:alphaModFix/>
           </a:blip>
-          <a:srcRect b="0" l="6768" r="0" t="0"/>
+          <a:srcRect l="6768"/>
           <a:stretch/>
         </p:blipFill>
         <p:spPr>
@@ -8622,9 +8728,13 @@
               <a:ext cx="102600" cy="22625"/>
             </a:xfrm>
             <a:custGeom>
-              <a:rect b="b" l="l" r="r" t="t"/>
+              <a:avLst/>
+              <a:gdLst/>
+              <a:ahLst/>
+              <a:cxnLst/>
+              <a:rect l="l" t="t" r="r" b="b"/>
               <a:pathLst>
-                <a:path extrusionOk="0" h="905" w="4104">
+                <a:path w="4104" h="905" extrusionOk="0">
                   <a:moveTo>
                     <a:pt x="1" y="1"/>
                   </a:moveTo>
@@ -8649,12 +8759,12 @@
             </a:ln>
           </p:spPr>
           <p:txBody>
-            <a:bodyPr anchorCtr="0" anchor="ctr" bIns="91425" lIns="91425" spcFirstLastPara="1" rIns="91425" wrap="square" tIns="91425">
+            <a:bodyPr spcFirstLastPara="1" wrap="square" lIns="91425" tIns="91425" rIns="91425" bIns="91425" anchor="ctr" anchorCtr="0">
               <a:noAutofit/>
             </a:bodyPr>
             <a:lstStyle/>
             <a:p>
-              <a:pPr indent="0" lvl="0" marL="0" rtl="0" algn="l">
+              <a:pPr marL="0" lvl="0" indent="0" algn="l" rtl="0">
                 <a:spcBef>
                   <a:spcPts val="0"/>
                 </a:spcBef>
@@ -8663,9 +8773,6 @@
                 </a:spcAft>
                 <a:buNone/>
               </a:pPr>
-              <a:r>
-                <a:t/>
-              </a:r>
               <a:endParaRPr/>
             </a:p>
           </p:txBody>
@@ -8682,9 +8789,13 @@
               <a:ext cx="102600" cy="22625"/>
             </a:xfrm>
             <a:custGeom>
-              <a:rect b="b" l="l" r="r" t="t"/>
+              <a:avLst/>
+              <a:gdLst/>
+              <a:ahLst/>
+              <a:cxnLst/>
+              <a:rect l="l" t="t" r="r" b="b"/>
               <a:pathLst>
-                <a:path extrusionOk="0" h="905" w="4104">
+                <a:path w="4104" h="905" extrusionOk="0">
                   <a:moveTo>
                     <a:pt x="1" y="1"/>
                   </a:moveTo>
@@ -8709,12 +8820,12 @@
             </a:ln>
           </p:spPr>
           <p:txBody>
-            <a:bodyPr anchorCtr="0" anchor="ctr" bIns="91425" lIns="91425" spcFirstLastPara="1" rIns="91425" wrap="square" tIns="91425">
+            <a:bodyPr spcFirstLastPara="1" wrap="square" lIns="91425" tIns="91425" rIns="91425" bIns="91425" anchor="ctr" anchorCtr="0">
               <a:noAutofit/>
             </a:bodyPr>
             <a:lstStyle/>
             <a:p>
-              <a:pPr indent="0" lvl="0" marL="0" rtl="0" algn="l">
+              <a:pPr marL="0" lvl="0" indent="0" algn="l" rtl="0">
                 <a:spcBef>
                   <a:spcPts val="0"/>
                 </a:spcBef>
@@ -8723,9 +8834,6 @@
                 </a:spcAft>
                 <a:buNone/>
               </a:pPr>
-              <a:r>
-                <a:t/>
-              </a:r>
               <a:endParaRPr/>
             </a:p>
           </p:txBody>
@@ -8742,9 +8850,13 @@
               <a:ext cx="102600" cy="29925"/>
             </a:xfrm>
             <a:custGeom>
-              <a:rect b="b" l="l" r="r" t="t"/>
+              <a:avLst/>
+              <a:gdLst/>
+              <a:ahLst/>
+              <a:cxnLst/>
+              <a:rect l="l" t="t" r="r" b="b"/>
               <a:pathLst>
-                <a:path extrusionOk="0" h="1197" w="4104">
+                <a:path w="4104" h="1197" extrusionOk="0">
                   <a:moveTo>
                     <a:pt x="1" y="0"/>
                   </a:moveTo>
@@ -8802,12 +8914,12 @@
             </a:ln>
           </p:spPr>
           <p:txBody>
-            <a:bodyPr anchorCtr="0" anchor="ctr" bIns="91425" lIns="91425" spcFirstLastPara="1" rIns="91425" wrap="square" tIns="91425">
+            <a:bodyPr spcFirstLastPara="1" wrap="square" lIns="91425" tIns="91425" rIns="91425" bIns="91425" anchor="ctr" anchorCtr="0">
               <a:noAutofit/>
             </a:bodyPr>
             <a:lstStyle/>
             <a:p>
-              <a:pPr indent="0" lvl="0" marL="0" rtl="0" algn="l">
+              <a:pPr marL="0" lvl="0" indent="0" algn="l" rtl="0">
                 <a:spcBef>
                   <a:spcPts val="0"/>
                 </a:spcBef>
@@ -8816,9 +8928,6 @@
                 </a:spcAft>
                 <a:buNone/>
               </a:pPr>
-              <a:r>
-                <a:t/>
-              </a:r>
               <a:endParaRPr/>
             </a:p>
           </p:txBody>
@@ -8835,9 +8944,13 @@
               <a:ext cx="95275" cy="160600"/>
             </a:xfrm>
             <a:custGeom>
-              <a:rect b="b" l="l" r="r" t="t"/>
+              <a:avLst/>
+              <a:gdLst/>
+              <a:ahLst/>
+              <a:cxnLst/>
+              <a:rect l="l" t="t" r="r" b="b"/>
               <a:pathLst>
-                <a:path extrusionOk="0" h="6424" w="3811">
+                <a:path w="3811" h="6424" extrusionOk="0">
                   <a:moveTo>
                     <a:pt x="1905" y="0"/>
                   </a:moveTo>
@@ -8898,12 +9011,12 @@
             </a:ln>
           </p:spPr>
           <p:txBody>
-            <a:bodyPr anchorCtr="0" anchor="ctr" bIns="91425" lIns="91425" spcFirstLastPara="1" rIns="91425" wrap="square" tIns="91425">
+            <a:bodyPr spcFirstLastPara="1" wrap="square" lIns="91425" tIns="91425" rIns="91425" bIns="91425" anchor="ctr" anchorCtr="0">
               <a:noAutofit/>
             </a:bodyPr>
             <a:lstStyle/>
             <a:p>
-              <a:pPr indent="0" lvl="0" marL="0" rtl="0" algn="l">
+              <a:pPr marL="0" lvl="0" indent="0" algn="l" rtl="0">
                 <a:spcBef>
                   <a:spcPts val="0"/>
                 </a:spcBef>
@@ -8912,9 +9025,6 @@
                 </a:spcAft>
                 <a:buNone/>
               </a:pPr>
-              <a:r>
-                <a:t/>
-              </a:r>
               <a:endParaRPr/>
             </a:p>
           </p:txBody>
@@ -8931,9 +9041,13 @@
               <a:ext cx="257700" cy="308375"/>
             </a:xfrm>
             <a:custGeom>
-              <a:rect b="b" l="l" r="r" t="t"/>
+              <a:avLst/>
+              <a:gdLst/>
+              <a:ahLst/>
+              <a:cxnLst/>
+              <a:rect l="l" t="t" r="r" b="b"/>
               <a:pathLst>
-                <a:path extrusionOk="0" h="12335" w="10308">
+                <a:path w="10308" h="12335" extrusionOk="0">
                   <a:moveTo>
                     <a:pt x="5154" y="1"/>
                   </a:moveTo>
@@ -9216,12 +9330,12 @@
             </a:ln>
           </p:spPr>
           <p:txBody>
-            <a:bodyPr anchorCtr="0" anchor="ctr" bIns="91425" lIns="91425" spcFirstLastPara="1" rIns="91425" wrap="square" tIns="91425">
+            <a:bodyPr spcFirstLastPara="1" wrap="square" lIns="91425" tIns="91425" rIns="91425" bIns="91425" anchor="ctr" anchorCtr="0">
               <a:noAutofit/>
             </a:bodyPr>
             <a:lstStyle/>
             <a:p>
-              <a:pPr indent="0" lvl="0" marL="0" rtl="0" algn="l">
+              <a:pPr marL="0" lvl="0" indent="0" algn="l" rtl="0">
                 <a:spcBef>
                   <a:spcPts val="0"/>
                 </a:spcBef>
@@ -9230,9 +9344,6 @@
                 </a:spcAft>
                 <a:buNone/>
               </a:pPr>
-              <a:r>
-                <a:t/>
-              </a:r>
               <a:endParaRPr/>
             </a:p>
           </p:txBody>
@@ -9246,32 +9357,32 @@
   <p:timing>
     <p:tnLst>
       <p:par>
-        <p:cTn dur="indefinite" nodeType="tmRoot" restart="never">
+        <p:cTn id="1" dur="indefinite" restart="never" nodeType="tmRoot">
           <p:childTnLst>
             <p:seq concurrent="1" nextAc="seek">
-              <p:cTn dur="indefinite" id="2" nodeType="mainSeq">
+              <p:cTn id="2" dur="indefinite" nodeType="mainSeq">
                 <p:childTnLst>
                   <p:par>
-                    <p:cTn fill="hold">
+                    <p:cTn id="3" fill="hold">
                       <p:stCondLst>
                         <p:cond delay="indefinite"/>
                       </p:stCondLst>
                       <p:childTnLst>
                         <p:par>
-                          <p:cTn fill="hold">
+                          <p:cTn id="4" fill="hold">
                             <p:stCondLst>
                               <p:cond delay="0"/>
                             </p:stCondLst>
                             <p:childTnLst>
                               <p:par>
-                                <p:cTn fill="hold" nodeType="clickEffect" presetClass="entr" presetID="10" presetSubtype="0">
+                                <p:cTn id="5" presetID="10" presetClass="entr" presetSubtype="0" fill="hold" nodeType="clickEffect">
                                   <p:stCondLst>
                                     <p:cond delay="0"/>
                                   </p:stCondLst>
                                   <p:childTnLst>
                                     <p:set>
                                       <p:cBhvr>
-                                        <p:cTn dur="1" fill="hold">
+                                        <p:cTn id="6" dur="1" fill="hold">
                                           <p:stCondLst>
                                             <p:cond delay="0"/>
                                           </p:stCondLst>
@@ -9287,9 +9398,9 @@
                                         <p:strVal val="visible"/>
                                       </p:to>
                                     </p:set>
-                                    <p:animEffect filter="fade" transition="in">
+                                    <p:animEffect transition="in" filter="fade">
                                       <p:cBhvr>
-                                        <p:cTn dur="1000"/>
+                                        <p:cTn id="7" dur="1000"/>
                                         <p:tgtEl>
                                           <p:spTgt spid="71"/>
                                         </p:tgtEl>
@@ -9307,14 +9418,14 @@
                 </p:childTnLst>
               </p:cTn>
               <p:prevCondLst>
-                <p:cond evt="onPrev">
+                <p:cond evt="onPrev" delay="0">
                   <p:tgtEl>
                     <p:sldTgt/>
                   </p:tgtEl>
                 </p:cond>
               </p:prevCondLst>
               <p:nextCondLst>
-                <p:cond evt="onNext">
+                <p:cond evt="onNext" delay="0">
                   <p:tgtEl>
                     <p:sldTgt/>
                   </p:tgtEl>
@@ -9330,11 +9441,11 @@
 </file>
 
 <file path=ppt/slides/slide3.xml><?xml version="1.0" encoding="utf-8"?>
-<p:sld xmlns:a="http://schemas.openxmlformats.org/drawingml/2006/main" xmlns:r="http://schemas.openxmlformats.org/officeDocument/2006/relationships" xmlns:mc="http://schemas.openxmlformats.org/markup-compatibility/2006" xmlns:mv="urn:schemas-microsoft-com:mac:vml" xmlns:p="http://schemas.openxmlformats.org/presentationml/2006/main" xmlns:c="http://schemas.openxmlformats.org/drawingml/2006/chart" xmlns:dgm="http://schemas.openxmlformats.org/drawingml/2006/diagram" xmlns:o="urn:schemas-microsoft-com:office:office" xmlns:v="urn:schemas-microsoft-com:vml" xmlns:pvml="urn:schemas-microsoft-com:office:powerpoint" xmlns:com="http://schemas.openxmlformats.org/drawingml/2006/compatibility" xmlns:p14="http://schemas.microsoft.com/office/powerpoint/2010/main" xmlns:p15="http://schemas.microsoft.com/office/powerpoint/2012/main" xmlns:ahyp="http://schemas.microsoft.com/office/drawing/2018/hyperlinkcolor">
+<p:sld xmlns:a="http://schemas.openxmlformats.org/drawingml/2006/main" xmlns:r="http://schemas.openxmlformats.org/officeDocument/2006/relationships" xmlns:p="http://schemas.openxmlformats.org/presentationml/2006/main">
   <p:cSld>
     <p:spTree>
       <p:nvGrpSpPr>
-        <p:cNvPr id="83" name="Shape 83"/>
+        <p:cNvPr id="1" name="Shape 83"/>
         <p:cNvGrpSpPr/>
         <p:nvPr/>
       </p:nvGrpSpPr>
@@ -9349,9 +9460,11 @@
       <p:sp>
         <p:nvSpPr>
           <p:cNvPr id="84" name="Google Shape;84;p15"/>
-          <p:cNvSpPr txBox="1"/>
+          <p:cNvSpPr txBox="1">
+            <a:spLocks noGrp="1"/>
+          </p:cNvSpPr>
           <p:nvPr>
-            <p:ph idx="4294967295" type="ctrTitle"/>
+            <p:ph type="ctrTitle" idx="4294967295"/>
           </p:nvPr>
         </p:nvSpPr>
         <p:spPr>
@@ -9364,12 +9477,12 @@
           </a:prstGeom>
         </p:spPr>
         <p:txBody>
-          <a:bodyPr anchorCtr="0" anchor="b" bIns="0" lIns="0" spcFirstLastPara="1" rIns="0" wrap="square" tIns="0">
+          <a:bodyPr spcFirstLastPara="1" wrap="square" lIns="0" tIns="0" rIns="0" bIns="0" anchor="b" anchorCtr="0">
             <a:noAutofit/>
           </a:bodyPr>
           <a:lstStyle/>
           <a:p>
-            <a:pPr indent="0" lvl="0" marL="0" rtl="0" algn="l">
+            <a:pPr marL="0" lvl="0" indent="0" algn="l" rtl="0">
               <a:spcBef>
                 <a:spcPts val="0"/>
               </a:spcBef>
@@ -9389,9 +9502,11 @@
       <p:sp>
         <p:nvSpPr>
           <p:cNvPr id="85" name="Google Shape;85;p15"/>
-          <p:cNvSpPr txBox="1"/>
+          <p:cNvSpPr txBox="1">
+            <a:spLocks noGrp="1"/>
+          </p:cNvSpPr>
           <p:nvPr>
-            <p:ph idx="4294967295" type="subTitle"/>
+            <p:ph type="subTitle" idx="4294967295"/>
           </p:nvPr>
         </p:nvSpPr>
         <p:spPr>
@@ -9404,12 +9519,12 @@
           </a:prstGeom>
         </p:spPr>
         <p:txBody>
-          <a:bodyPr anchorCtr="0" anchor="t" bIns="0" lIns="0" spcFirstLastPara="1" rIns="0" wrap="square" tIns="0">
+          <a:bodyPr spcFirstLastPara="1" wrap="square" lIns="0" tIns="0" rIns="0" bIns="0" anchor="t" anchorCtr="0">
             <a:noAutofit/>
           </a:bodyPr>
           <a:lstStyle/>
           <a:p>
-            <a:pPr indent="0" lvl="0" marL="0" rtl="0" algn="l">
+            <a:pPr marL="0" lvl="0" indent="0" algn="l" rtl="0">
               <a:spcBef>
                 <a:spcPts val="600"/>
               </a:spcBef>
@@ -9419,7 +9534,7 @@
               <a:buNone/>
             </a:pPr>
             <a:r>
-              <a:rPr b="1" lang="en" sz="1800">
+              <a:rPr lang="en" sz="1800" b="1">
                 <a:latin typeface="Muli"/>
                 <a:ea typeface="Muli"/>
                 <a:cs typeface="Muli"/>
@@ -9427,7 +9542,7 @@
               </a:rPr>
               <a:t>I am Abilov Jeyhun</a:t>
             </a:r>
-            <a:endParaRPr b="1" sz="1800">
+            <a:endParaRPr sz="1800" b="1">
               <a:latin typeface="Muli"/>
               <a:ea typeface="Muli"/>
               <a:cs typeface="Muli"/>
@@ -9435,7 +9550,7 @@
             </a:endParaRPr>
           </a:p>
           <a:p>
-            <a:pPr indent="0" lvl="0" marL="0" rtl="0" algn="l">
+            <a:pPr marL="0" lvl="0" indent="0" algn="l" rtl="0">
               <a:spcBef>
                 <a:spcPts val="600"/>
               </a:spcBef>
@@ -9456,7 +9571,7 @@
             <a:endParaRPr sz="1800"/>
           </a:p>
           <a:p>
-            <a:pPr indent="0" lvl="0" marL="0" rtl="0" algn="l">
+            <a:pPr marL="0" lvl="0" indent="0" algn="l" rtl="0">
               <a:spcBef>
                 <a:spcPts val="600"/>
               </a:spcBef>
@@ -9470,10 +9585,7 @@
               <a:buFont typeface="Arial"/>
               <a:buNone/>
             </a:pPr>
-            <a:r>
-              <a:t/>
-            </a:r>
-            <a:endParaRPr b="1" sz="1800"/>
+            <a:endParaRPr sz="1800" b="1"/>
           </a:p>
         </p:txBody>
       </p:sp>
@@ -9487,7 +9599,7 @@
           <a:blip r:embed="rId3">
             <a:alphaModFix/>
           </a:blip>
-          <a:srcRect b="18768" l="0" r="0" t="18774"/>
+          <a:srcRect t="18774" b="18768"/>
           <a:stretch/>
         </p:blipFill>
         <p:spPr>
@@ -9497,8 +9609,8 @@
           </a:xfrm>
           <a:prstGeom prst="hexagon">
             <a:avLst>
-              <a:gd fmla="val 25000" name="adj"/>
-              <a:gd fmla="val 115470" name="vf"/>
+              <a:gd name="adj" fmla="val 25000"/>
+              <a:gd name="vf" fmla="val 115470"/>
             </a:avLst>
           </a:prstGeom>
           <a:noFill/>
@@ -9506,7 +9618,7 @@
             <a:noFill/>
           </a:ln>
           <a:effectLst>
-            <a:outerShdw blurRad="257175" rotWithShape="0" algn="bl" dir="5400000" dist="57150">
+            <a:outerShdw blurRad="257175" dist="57150" dir="5400000" algn="bl" rotWithShape="0">
               <a:schemeClr val="dk1">
                 <a:alpha val="50000"/>
               </a:schemeClr>
@@ -9517,9 +9629,11 @@
       <p:sp>
         <p:nvSpPr>
           <p:cNvPr id="87" name="Google Shape;87;p15"/>
-          <p:cNvSpPr txBox="1"/>
+          <p:cNvSpPr txBox="1">
+            <a:spLocks noGrp="1"/>
+          </p:cNvSpPr>
           <p:nvPr>
-            <p:ph idx="12" type="sldNum"/>
+            <p:ph type="sldNum" idx="12"/>
           </p:nvPr>
         </p:nvSpPr>
         <p:spPr>
@@ -9532,12 +9646,12 @@
           </a:prstGeom>
         </p:spPr>
         <p:txBody>
-          <a:bodyPr anchorCtr="0" anchor="ctr" bIns="0" lIns="0" spcFirstLastPara="1" rIns="0" wrap="square" tIns="0">
+          <a:bodyPr spcFirstLastPara="1" wrap="square" lIns="0" tIns="0" rIns="0" bIns="0" anchor="ctr" anchorCtr="0">
             <a:noAutofit/>
           </a:bodyPr>
           <a:lstStyle/>
           <a:p>
-            <a:pPr indent="0" lvl="0" marL="0" rtl="0" algn="r">
+            <a:pPr marL="0" lvl="0" indent="0" algn="r" rtl="0">
               <a:spcBef>
                 <a:spcPts val="0"/>
               </a:spcBef>
@@ -9548,7 +9662,7 @@
             </a:pPr>
             <a:fld id="{00000000-1234-1234-1234-123412341234}" type="slidenum">
               <a:rPr lang="en"/>
-              <a:t>‹#›</a:t>
+              <a:t>3</a:t>
             </a:fld>
             <a:endParaRPr/>
           </a:p>
@@ -9563,11 +9677,11 @@
 </file>
 
 <file path=ppt/slides/slide4.xml><?xml version="1.0" encoding="utf-8"?>
-<p:sld xmlns:a="http://schemas.openxmlformats.org/drawingml/2006/main" xmlns:r="http://schemas.openxmlformats.org/officeDocument/2006/relationships" xmlns:mc="http://schemas.openxmlformats.org/markup-compatibility/2006" xmlns:mv="urn:schemas-microsoft-com:mac:vml" xmlns:p="http://schemas.openxmlformats.org/presentationml/2006/main" xmlns:c="http://schemas.openxmlformats.org/drawingml/2006/chart" xmlns:dgm="http://schemas.openxmlformats.org/drawingml/2006/diagram" xmlns:o="urn:schemas-microsoft-com:office:office" xmlns:v="urn:schemas-microsoft-com:vml" xmlns:pvml="urn:schemas-microsoft-com:office:powerpoint" xmlns:com="http://schemas.openxmlformats.org/drawingml/2006/compatibility" xmlns:p14="http://schemas.microsoft.com/office/powerpoint/2010/main" xmlns:p15="http://schemas.microsoft.com/office/powerpoint/2012/main" xmlns:ahyp="http://schemas.microsoft.com/office/drawing/2018/hyperlinkcolor">
+<p:sld xmlns:a="http://schemas.openxmlformats.org/drawingml/2006/main" xmlns:r="http://schemas.openxmlformats.org/officeDocument/2006/relationships" xmlns:p="http://schemas.openxmlformats.org/presentationml/2006/main">
   <p:cSld>
     <p:spTree>
       <p:nvGrpSpPr>
-        <p:cNvPr id="91" name="Shape 91"/>
+        <p:cNvPr id="1" name="Shape 91"/>
         <p:cNvGrpSpPr/>
         <p:nvPr/>
       </p:nvGrpSpPr>
@@ -9582,7 +9696,9 @@
       <p:sp>
         <p:nvSpPr>
           <p:cNvPr id="92" name="Google Shape;92;p16"/>
-          <p:cNvSpPr txBox="1"/>
+          <p:cNvSpPr txBox="1">
+            <a:spLocks noGrp="1"/>
+          </p:cNvSpPr>
           <p:nvPr>
             <p:ph type="ctrTitle"/>
           </p:nvPr>
@@ -9597,12 +9713,12 @@
           </a:prstGeom>
         </p:spPr>
         <p:txBody>
-          <a:bodyPr anchorCtr="0" anchor="b" bIns="0" lIns="0" spcFirstLastPara="1" rIns="0" wrap="square" tIns="0">
+          <a:bodyPr spcFirstLastPara="1" wrap="square" lIns="0" tIns="0" rIns="0" bIns="0" anchor="b" anchorCtr="0">
             <a:noAutofit/>
           </a:bodyPr>
           <a:lstStyle/>
           <a:p>
-            <a:pPr indent="0" lvl="0" marL="0" rtl="0" algn="l">
+            <a:pPr marL="0" lvl="0" indent="0" algn="l" rtl="0">
               <a:spcBef>
                 <a:spcPts val="0"/>
               </a:spcBef>
@@ -9712,11 +9828,11 @@
 </file>
 
 <file path=ppt/slides/slide5.xml><?xml version="1.0" encoding="utf-8"?>
-<p:sld xmlns:a="http://schemas.openxmlformats.org/drawingml/2006/main" xmlns:r="http://schemas.openxmlformats.org/officeDocument/2006/relationships" xmlns:mc="http://schemas.openxmlformats.org/markup-compatibility/2006" xmlns:mv="urn:schemas-microsoft-com:mac:vml" xmlns:p="http://schemas.openxmlformats.org/presentationml/2006/main" xmlns:c="http://schemas.openxmlformats.org/drawingml/2006/chart" xmlns:dgm="http://schemas.openxmlformats.org/drawingml/2006/diagram" xmlns:o="urn:schemas-microsoft-com:office:office" xmlns:v="urn:schemas-microsoft-com:vml" xmlns:pvml="urn:schemas-microsoft-com:office:powerpoint" xmlns:com="http://schemas.openxmlformats.org/drawingml/2006/compatibility" xmlns:p14="http://schemas.microsoft.com/office/powerpoint/2010/main" xmlns:p15="http://schemas.microsoft.com/office/powerpoint/2012/main" xmlns:ahyp="http://schemas.microsoft.com/office/drawing/2018/hyperlinkcolor">
+<p:sld xmlns:a="http://schemas.openxmlformats.org/drawingml/2006/main" xmlns:r="http://schemas.openxmlformats.org/officeDocument/2006/relationships" xmlns:p="http://schemas.openxmlformats.org/presentationml/2006/main">
   <p:cSld>
     <p:spTree>
       <p:nvGrpSpPr>
-        <p:cNvPr id="99" name="Shape 99"/>
+        <p:cNvPr id="1" name="Shape 99"/>
         <p:cNvGrpSpPr/>
         <p:nvPr/>
       </p:nvGrpSpPr>
@@ -9731,9 +9847,11 @@
       <p:sp>
         <p:nvSpPr>
           <p:cNvPr id="100" name="Google Shape;100;p17"/>
-          <p:cNvSpPr txBox="1"/>
+          <p:cNvSpPr txBox="1">
+            <a:spLocks noGrp="1"/>
+          </p:cNvSpPr>
           <p:nvPr>
-            <p:ph idx="1" type="body"/>
+            <p:ph type="body" idx="1"/>
           </p:nvPr>
         </p:nvSpPr>
         <p:spPr>
@@ -9746,12 +9864,12 @@
           </a:prstGeom>
         </p:spPr>
         <p:txBody>
-          <a:bodyPr anchorCtr="0" anchor="t" bIns="0" lIns="0" spcFirstLastPara="1" rIns="0" wrap="square" tIns="0">
+          <a:bodyPr spcFirstLastPara="1" wrap="square" lIns="0" tIns="0" rIns="0" bIns="0" anchor="t" anchorCtr="0">
             <a:noAutofit/>
           </a:bodyPr>
           <a:lstStyle/>
           <a:p>
-            <a:pPr indent="457200" lvl="0" marL="0" rtl="0" algn="l">
+            <a:pPr marL="0" lvl="0" indent="457200" algn="l" rtl="0">
               <a:spcBef>
                 <a:spcPts val="600"/>
               </a:spcBef>
@@ -9762,16 +9880,12 @@
             </a:pPr>
             <a:r>
               <a:rPr lang="en" sz="2200"/>
-              <a:t>Programming paradigms are</a:t>
-            </a:r>
-            <a:r>
-              <a:rPr lang="en" sz="2200"/>
-              <a:t> different ways or styles in which a given program or programming language can be organized. Each paradigm consists of certain structures, features, and opinions about how common programming problems should be tackled.</a:t>
+              <a:t>Programming paradigms are different ways or styles in which a given program or programming language can be organized. Each paradigm consists of certain structures, features, and opinions about how common programming problems should be tackled.</a:t>
             </a:r>
             <a:endParaRPr sz="2200"/>
           </a:p>
           <a:p>
-            <a:pPr indent="0" lvl="0" marL="0" rtl="0" algn="l">
+            <a:pPr marL="0" lvl="0" indent="0" algn="l" rtl="0">
               <a:spcBef>
                 <a:spcPts val="600"/>
               </a:spcBef>
@@ -9787,7 +9901,7 @@
             <a:endParaRPr sz="2200"/>
           </a:p>
           <a:p>
-            <a:pPr indent="0" lvl="0" marL="0" rtl="0" algn="l">
+            <a:pPr marL="0" lvl="0" indent="0" algn="l" rtl="0">
               <a:spcBef>
                 <a:spcPts val="600"/>
               </a:spcBef>
@@ -9807,9 +9921,11 @@
       <p:sp>
         <p:nvSpPr>
           <p:cNvPr id="101" name="Google Shape;101;p17"/>
-          <p:cNvSpPr txBox="1"/>
+          <p:cNvSpPr txBox="1">
+            <a:spLocks noGrp="1"/>
+          </p:cNvSpPr>
           <p:nvPr>
-            <p:ph idx="12" type="sldNum"/>
+            <p:ph type="sldNum" idx="12"/>
           </p:nvPr>
         </p:nvSpPr>
         <p:spPr>
@@ -9822,12 +9938,12 @@
           </a:prstGeom>
         </p:spPr>
         <p:txBody>
-          <a:bodyPr anchorCtr="0" anchor="ctr" bIns="0" lIns="0" spcFirstLastPara="1" rIns="0" wrap="square" tIns="0">
+          <a:bodyPr spcFirstLastPara="1" wrap="square" lIns="0" tIns="0" rIns="0" bIns="0" anchor="ctr" anchorCtr="0">
             <a:noAutofit/>
           </a:bodyPr>
           <a:lstStyle/>
           <a:p>
-            <a:pPr indent="0" lvl="0" marL="0" rtl="0" algn="r">
+            <a:pPr marL="0" lvl="0" indent="0" algn="r" rtl="0">
               <a:spcBef>
                 <a:spcPts val="0"/>
               </a:spcBef>
@@ -9838,7 +9954,7 @@
             </a:pPr>
             <a:fld id="{00000000-1234-1234-1234-123412341234}" type="slidenum">
               <a:rPr lang="en"/>
-              <a:t>‹#›</a:t>
+              <a:t>5</a:t>
             </a:fld>
             <a:endParaRPr/>
           </a:p>
@@ -9853,11 +9969,11 @@
 </file>
 
 <file path=ppt/slides/slide6.xml><?xml version="1.0" encoding="utf-8"?>
-<p:sld xmlns:a="http://schemas.openxmlformats.org/drawingml/2006/main" xmlns:r="http://schemas.openxmlformats.org/officeDocument/2006/relationships" xmlns:mc="http://schemas.openxmlformats.org/markup-compatibility/2006" xmlns:mv="urn:schemas-microsoft-com:mac:vml" xmlns:p="http://schemas.openxmlformats.org/presentationml/2006/main" xmlns:c="http://schemas.openxmlformats.org/drawingml/2006/chart" xmlns:dgm="http://schemas.openxmlformats.org/drawingml/2006/diagram" xmlns:o="urn:schemas-microsoft-com:office:office" xmlns:v="urn:schemas-microsoft-com:vml" xmlns:pvml="urn:schemas-microsoft-com:office:powerpoint" xmlns:com="http://schemas.openxmlformats.org/drawingml/2006/compatibility" xmlns:p14="http://schemas.microsoft.com/office/powerpoint/2010/main" xmlns:p15="http://schemas.microsoft.com/office/powerpoint/2012/main" xmlns:ahyp="http://schemas.microsoft.com/office/drawing/2018/hyperlinkcolor">
+<p:sld xmlns:a="http://schemas.openxmlformats.org/drawingml/2006/main" xmlns:r="http://schemas.openxmlformats.org/officeDocument/2006/relationships" xmlns:p="http://schemas.openxmlformats.org/presentationml/2006/main">
   <p:cSld>
     <p:spTree>
       <p:nvGrpSpPr>
-        <p:cNvPr id="105" name="Shape 105"/>
+        <p:cNvPr id="1" name="Shape 105"/>
         <p:cNvGrpSpPr/>
         <p:nvPr/>
       </p:nvGrpSpPr>
@@ -9872,7 +9988,9 @@
       <p:sp>
         <p:nvSpPr>
           <p:cNvPr id="106" name="Google Shape;106;p18"/>
-          <p:cNvSpPr txBox="1"/>
+          <p:cNvSpPr txBox="1">
+            <a:spLocks noGrp="1"/>
+          </p:cNvSpPr>
           <p:nvPr>
             <p:ph type="ctrTitle"/>
           </p:nvPr>
@@ -9887,12 +10005,12 @@
           </a:prstGeom>
         </p:spPr>
         <p:txBody>
-          <a:bodyPr anchorCtr="0" anchor="b" bIns="0" lIns="0" spcFirstLastPara="1" rIns="0" wrap="square" tIns="0">
+          <a:bodyPr spcFirstLastPara="1" wrap="square" lIns="0" tIns="0" rIns="0" bIns="0" anchor="b" anchorCtr="0">
             <a:noAutofit/>
           </a:bodyPr>
           <a:lstStyle/>
           <a:p>
-            <a:pPr indent="0" lvl="0" marL="0" rtl="0" algn="l">
+            <a:pPr marL="0" lvl="0" indent="0" algn="l" rtl="0">
               <a:spcBef>
                 <a:spcPts val="0"/>
               </a:spcBef>
@@ -9908,7 +10026,7 @@
             <a:endParaRPr sz="3200"/>
           </a:p>
           <a:p>
-            <a:pPr indent="0" lvl="0" marL="0" rtl="0" algn="l">
+            <a:pPr marL="0" lvl="0" indent="0" algn="l" rtl="0">
               <a:spcBef>
                 <a:spcPts val="0"/>
               </a:spcBef>
@@ -9917,9 +10035,6 @@
               </a:spcAft>
               <a:buNone/>
             </a:pPr>
-            <a:r>
-              <a:t/>
-            </a:r>
             <a:endParaRPr/>
           </a:p>
         </p:txBody>
@@ -10017,11 +10132,11 @@
 </file>
 
 <file path=ppt/slides/slide7.xml><?xml version="1.0" encoding="utf-8"?>
-<p:sld xmlns:a="http://schemas.openxmlformats.org/drawingml/2006/main" xmlns:r="http://schemas.openxmlformats.org/officeDocument/2006/relationships" xmlns:mc="http://schemas.openxmlformats.org/markup-compatibility/2006" xmlns:mv="urn:schemas-microsoft-com:mac:vml" xmlns:p="http://schemas.openxmlformats.org/presentationml/2006/main" xmlns:c="http://schemas.openxmlformats.org/drawingml/2006/chart" xmlns:dgm="http://schemas.openxmlformats.org/drawingml/2006/diagram" xmlns:o="urn:schemas-microsoft-com:office:office" xmlns:v="urn:schemas-microsoft-com:vml" xmlns:pvml="urn:schemas-microsoft-com:office:powerpoint" xmlns:com="http://schemas.openxmlformats.org/drawingml/2006/compatibility" xmlns:p14="http://schemas.microsoft.com/office/powerpoint/2010/main" xmlns:p15="http://schemas.microsoft.com/office/powerpoint/2012/main" xmlns:ahyp="http://schemas.microsoft.com/office/drawing/2018/hyperlinkcolor">
+<p:sld xmlns:a="http://schemas.openxmlformats.org/drawingml/2006/main" xmlns:r="http://schemas.openxmlformats.org/officeDocument/2006/relationships" xmlns:p="http://schemas.openxmlformats.org/presentationml/2006/main">
   <p:cSld>
     <p:spTree>
       <p:nvGrpSpPr>
-        <p:cNvPr id="113" name="Shape 113"/>
+        <p:cNvPr id="1" name="Shape 113"/>
         <p:cNvGrpSpPr/>
         <p:nvPr/>
       </p:nvGrpSpPr>
@@ -10036,9 +10151,11 @@
       <p:sp>
         <p:nvSpPr>
           <p:cNvPr id="114" name="Google Shape;114;p19"/>
-          <p:cNvSpPr txBox="1"/>
+          <p:cNvSpPr txBox="1">
+            <a:spLocks noGrp="1"/>
+          </p:cNvSpPr>
           <p:nvPr>
-            <p:ph idx="1" type="body"/>
+            <p:ph type="body" idx="1"/>
           </p:nvPr>
         </p:nvSpPr>
         <p:spPr>
@@ -10051,12 +10168,12 @@
           </a:prstGeom>
         </p:spPr>
         <p:txBody>
-          <a:bodyPr anchorCtr="0" anchor="t" bIns="0" lIns="0" spcFirstLastPara="1" rIns="0" wrap="square" tIns="0">
+          <a:bodyPr spcFirstLastPara="1" wrap="square" lIns="0" tIns="0" rIns="0" bIns="0" anchor="t" anchorCtr="0">
             <a:noAutofit/>
           </a:bodyPr>
           <a:lstStyle/>
           <a:p>
-            <a:pPr indent="457200" lvl="0" marL="0" rtl="0" algn="l">
+            <a:pPr marL="0" lvl="0" indent="457200" algn="l" rtl="0">
               <a:spcBef>
                 <a:spcPts val="600"/>
               </a:spcBef>
@@ -10066,13 +10183,13 @@
               <a:buNone/>
             </a:pPr>
             <a:r>
-              <a:rPr b="1" lang="en" sz="2200"/>
+              <a:rPr lang="en" sz="2200" b="1"/>
               <a:t>Programming paradigms are not languages or tools. You can’t “build” anything with a paradigm. They’re more like a set of ideals and guidelines that many people have agree on, followed, and expanded upon.</a:t>
             </a:r>
-            <a:endParaRPr b="1" sz="2200"/>
+            <a:endParaRPr sz="2200" b="1"/>
           </a:p>
           <a:p>
-            <a:pPr indent="0" lvl="0" marL="0" rtl="0" algn="l">
+            <a:pPr marL="0" lvl="0" indent="0" algn="l" rtl="0">
               <a:spcBef>
                 <a:spcPts val="600"/>
               </a:spcBef>
@@ -10082,13 +10199,13 @@
               <a:buNone/>
             </a:pPr>
             <a:r>
-              <a:rPr b="1" lang="en" sz="2200"/>
+              <a:rPr lang="en" sz="2200" b="1"/>
               <a:t>	Programming languages aren’t always tied to a specific paradigm. There are languages that have been built with a certain paradigm in mind and have features that kind of programming more than others </a:t>
             </a:r>
-            <a:endParaRPr b="1" sz="2200"/>
+            <a:endParaRPr sz="2200" b="1"/>
           </a:p>
           <a:p>
-            <a:pPr indent="0" lvl="0" marL="0" rtl="0" algn="l">
+            <a:pPr marL="0" lvl="0" indent="0" algn="l" rtl="0">
               <a:spcBef>
                 <a:spcPts val="600"/>
               </a:spcBef>
@@ -10098,13 +10215,13 @@
               <a:buNone/>
             </a:pPr>
             <a:r>
-              <a:rPr b="1" lang="en" sz="2200"/>
+              <a:rPr lang="en" sz="2200" b="1"/>
               <a:t>(Haskel and functional programming is a good example).</a:t>
             </a:r>
-            <a:endParaRPr b="1" sz="2200"/>
+            <a:endParaRPr sz="2200" b="1"/>
           </a:p>
           <a:p>
-            <a:pPr indent="0" lvl="0" marL="0" rtl="0" algn="l">
+            <a:pPr marL="0" lvl="0" indent="0" algn="l" rtl="0">
               <a:spcBef>
                 <a:spcPts val="600"/>
               </a:spcBef>
@@ -10114,19 +10231,21 @@
               <a:buNone/>
             </a:pPr>
             <a:r>
-              <a:rPr b="1" lang="en" sz="2200"/>
+              <a:rPr lang="en" sz="2200" b="1"/>
               <a:t>	But there are also “multi-paradigm” languages, meaning you can adapt your code to fit a certain paradigm or another (JavaScript and Python are good examples.</a:t>
             </a:r>
-            <a:endParaRPr b="1" sz="2200"/>
+            <a:endParaRPr sz="2200" b="1"/>
           </a:p>
         </p:txBody>
       </p:sp>
       <p:sp>
         <p:nvSpPr>
           <p:cNvPr id="115" name="Google Shape;115;p19"/>
-          <p:cNvSpPr txBox="1"/>
+          <p:cNvSpPr txBox="1">
+            <a:spLocks noGrp="1"/>
+          </p:cNvSpPr>
           <p:nvPr>
-            <p:ph idx="12" type="sldNum"/>
+            <p:ph type="sldNum" idx="12"/>
           </p:nvPr>
         </p:nvSpPr>
         <p:spPr>
@@ -10139,12 +10258,12 @@
           </a:prstGeom>
         </p:spPr>
         <p:txBody>
-          <a:bodyPr anchorCtr="0" anchor="ctr" bIns="0" lIns="0" spcFirstLastPara="1" rIns="0" wrap="square" tIns="0">
+          <a:bodyPr spcFirstLastPara="1" wrap="square" lIns="0" tIns="0" rIns="0" bIns="0" anchor="ctr" anchorCtr="0">
             <a:noAutofit/>
           </a:bodyPr>
           <a:lstStyle/>
           <a:p>
-            <a:pPr indent="0" lvl="0" marL="0" rtl="0" algn="r">
+            <a:pPr marL="0" lvl="0" indent="0" algn="r" rtl="0">
               <a:spcBef>
                 <a:spcPts val="0"/>
               </a:spcBef>
@@ -10155,7 +10274,7 @@
             </a:pPr>
             <a:fld id="{00000000-1234-1234-1234-123412341234}" type="slidenum">
               <a:rPr lang="en"/>
-              <a:t>‹#›</a:t>
+              <a:t>7</a:t>
             </a:fld>
             <a:endParaRPr/>
           </a:p>
@@ -10170,11 +10289,11 @@
 </file>
 
 <file path=ppt/slides/slide8.xml><?xml version="1.0" encoding="utf-8"?>
-<p:sld xmlns:a="http://schemas.openxmlformats.org/drawingml/2006/main" xmlns:r="http://schemas.openxmlformats.org/officeDocument/2006/relationships" xmlns:mc="http://schemas.openxmlformats.org/markup-compatibility/2006" xmlns:mv="urn:schemas-microsoft-com:mac:vml" xmlns:p="http://schemas.openxmlformats.org/presentationml/2006/main" xmlns:c="http://schemas.openxmlformats.org/drawingml/2006/chart" xmlns:dgm="http://schemas.openxmlformats.org/drawingml/2006/diagram" xmlns:o="urn:schemas-microsoft-com:office:office" xmlns:v="urn:schemas-microsoft-com:vml" xmlns:pvml="urn:schemas-microsoft-com:office:powerpoint" xmlns:com="http://schemas.openxmlformats.org/drawingml/2006/compatibility" xmlns:p14="http://schemas.microsoft.com/office/powerpoint/2010/main" xmlns:p15="http://schemas.microsoft.com/office/powerpoint/2012/main" xmlns:ahyp="http://schemas.microsoft.com/office/drawing/2018/hyperlinkcolor">
+<p:sld xmlns:a="http://schemas.openxmlformats.org/drawingml/2006/main" xmlns:r="http://schemas.openxmlformats.org/officeDocument/2006/relationships" xmlns:p="http://schemas.openxmlformats.org/presentationml/2006/main">
   <p:cSld>
     <p:spTree>
       <p:nvGrpSpPr>
-        <p:cNvPr id="119" name="Shape 119"/>
+        <p:cNvPr id="1" name="Shape 119"/>
         <p:cNvGrpSpPr/>
         <p:nvPr/>
       </p:nvGrpSpPr>
@@ -10189,7 +10308,9 @@
       <p:sp>
         <p:nvSpPr>
           <p:cNvPr id="120" name="Google Shape;120;p20"/>
-          <p:cNvSpPr txBox="1"/>
+          <p:cNvSpPr txBox="1">
+            <a:spLocks noGrp="1"/>
+          </p:cNvSpPr>
           <p:nvPr>
             <p:ph type="title"/>
           </p:nvPr>
@@ -10204,12 +10325,12 @@
           </a:prstGeom>
         </p:spPr>
         <p:txBody>
-          <a:bodyPr anchorCtr="0" anchor="b" bIns="0" lIns="0" spcFirstLastPara="1" rIns="0" wrap="square" tIns="0">
+          <a:bodyPr spcFirstLastPara="1" wrap="square" lIns="0" tIns="0" rIns="0" bIns="0" anchor="b" anchorCtr="0">
             <a:noAutofit/>
           </a:bodyPr>
           <a:lstStyle/>
           <a:p>
-            <a:pPr indent="0" lvl="0" marL="0" rtl="0" algn="l">
+            <a:pPr marL="0" lvl="0" indent="0" algn="l" rtl="0">
               <a:spcBef>
                 <a:spcPts val="0"/>
               </a:spcBef>
@@ -10229,9 +10350,11 @@
       <p:sp>
         <p:nvSpPr>
           <p:cNvPr id="121" name="Google Shape;121;p20"/>
-          <p:cNvSpPr txBox="1"/>
+          <p:cNvSpPr txBox="1">
+            <a:spLocks noGrp="1"/>
+          </p:cNvSpPr>
           <p:nvPr>
-            <p:ph idx="1" type="body"/>
+            <p:ph type="body" idx="1"/>
           </p:nvPr>
         </p:nvSpPr>
         <p:spPr>
@@ -10244,12 +10367,12 @@
           </a:prstGeom>
         </p:spPr>
         <p:txBody>
-          <a:bodyPr anchorCtr="0" anchor="t" bIns="0" lIns="0" spcFirstLastPara="1" rIns="0" wrap="square" tIns="0">
+          <a:bodyPr spcFirstLastPara="1" wrap="square" lIns="0" tIns="0" rIns="0" bIns="0" anchor="t" anchorCtr="0">
             <a:noAutofit/>
           </a:bodyPr>
           <a:lstStyle/>
           <a:p>
-            <a:pPr indent="0" lvl="0" marL="0" rtl="0" algn="l">
+            <a:pPr marL="0" lvl="0" indent="0" algn="l" rtl="0">
               <a:spcBef>
                 <a:spcPts val="600"/>
               </a:spcBef>
@@ -10260,20 +10383,12 @@
             </a:pPr>
             <a:r>
               <a:rPr lang="en" sz="1900"/>
-              <a:t>Short answer: </a:t>
-            </a:r>
-            <a:r>
-              <a:rPr lang="en" sz="1900"/>
-              <a:t>general</a:t>
-            </a:r>
-            <a:r>
-              <a:rPr lang="en" sz="1900"/>
-              <a:t> knowledge.</a:t>
+              <a:t>Short answer: general knowledge.</a:t>
             </a:r>
             <a:endParaRPr sz="1900"/>
           </a:p>
           <a:p>
-            <a:pPr indent="0" lvl="0" marL="0" rtl="0" algn="l">
+            <a:pPr marL="0" lvl="0" indent="0" algn="l" rtl="0">
               <a:spcBef>
                 <a:spcPts val="600"/>
               </a:spcBef>
@@ -10289,7 +10404,7 @@
             <a:endParaRPr sz="1900"/>
           </a:p>
           <a:p>
-            <a:pPr indent="0" lvl="0" marL="0" rtl="0" algn="l">
+            <a:pPr marL="0" lvl="0" indent="0" algn="l" rtl="0">
               <a:spcBef>
                 <a:spcPts val="600"/>
               </a:spcBef>
@@ -10309,9 +10424,11 @@
       <p:sp>
         <p:nvSpPr>
           <p:cNvPr id="122" name="Google Shape;122;p20"/>
-          <p:cNvSpPr txBox="1"/>
+          <p:cNvSpPr txBox="1">
+            <a:spLocks noGrp="1"/>
+          </p:cNvSpPr>
           <p:nvPr>
-            <p:ph idx="12" type="sldNum"/>
+            <p:ph type="sldNum" idx="12"/>
           </p:nvPr>
         </p:nvSpPr>
         <p:spPr>
@@ -10324,12 +10441,12 @@
           </a:prstGeom>
         </p:spPr>
         <p:txBody>
-          <a:bodyPr anchorCtr="0" anchor="ctr" bIns="0" lIns="0" spcFirstLastPara="1" rIns="0" wrap="square" tIns="0">
+          <a:bodyPr spcFirstLastPara="1" wrap="square" lIns="0" tIns="0" rIns="0" bIns="0" anchor="ctr" anchorCtr="0">
             <a:noAutofit/>
           </a:bodyPr>
           <a:lstStyle/>
           <a:p>
-            <a:pPr indent="0" lvl="0" marL="0" rtl="0" algn="r">
+            <a:pPr marL="0" lvl="0" indent="0" algn="r" rtl="0">
               <a:spcBef>
                 <a:spcPts val="0"/>
               </a:spcBef>
@@ -10340,7 +10457,7 @@
             </a:pPr>
             <a:fld id="{00000000-1234-1234-1234-123412341234}" type="slidenum">
               <a:rPr lang="en"/>
-              <a:t>‹#›</a:t>
+              <a:t>8</a:t>
             </a:fld>
             <a:endParaRPr/>
           </a:p>
@@ -10383,11 +10500,11 @@
 </file>
 
 <file path=ppt/slides/slide9.xml><?xml version="1.0" encoding="utf-8"?>
-<p:sld xmlns:a="http://schemas.openxmlformats.org/drawingml/2006/main" xmlns:r="http://schemas.openxmlformats.org/officeDocument/2006/relationships" xmlns:mc="http://schemas.openxmlformats.org/markup-compatibility/2006" xmlns:mv="urn:schemas-microsoft-com:mac:vml" xmlns:p="http://schemas.openxmlformats.org/presentationml/2006/main" xmlns:c="http://schemas.openxmlformats.org/drawingml/2006/chart" xmlns:dgm="http://schemas.openxmlformats.org/drawingml/2006/diagram" xmlns:o="urn:schemas-microsoft-com:office:office" xmlns:v="urn:schemas-microsoft-com:vml" xmlns:pvml="urn:schemas-microsoft-com:office:powerpoint" xmlns:com="http://schemas.openxmlformats.org/drawingml/2006/compatibility" xmlns:p14="http://schemas.microsoft.com/office/powerpoint/2010/main" xmlns:p15="http://schemas.microsoft.com/office/powerpoint/2012/main" xmlns:ahyp="http://schemas.microsoft.com/office/drawing/2018/hyperlinkcolor">
+<p:sld xmlns:a="http://schemas.openxmlformats.org/drawingml/2006/main" xmlns:r="http://schemas.openxmlformats.org/officeDocument/2006/relationships" xmlns:p="http://schemas.openxmlformats.org/presentationml/2006/main">
   <p:cSld>
     <p:spTree>
       <p:nvGrpSpPr>
-        <p:cNvPr id="127" name="Shape 127"/>
+        <p:cNvPr id="1" name="Shape 127"/>
         <p:cNvGrpSpPr/>
         <p:nvPr/>
       </p:nvGrpSpPr>
@@ -10430,9 +10547,11 @@
       <p:sp>
         <p:nvSpPr>
           <p:cNvPr id="129" name="Google Shape;129;p21"/>
-          <p:cNvSpPr txBox="1"/>
+          <p:cNvSpPr txBox="1">
+            <a:spLocks noGrp="1"/>
+          </p:cNvSpPr>
           <p:nvPr>
-            <p:ph idx="12" type="sldNum"/>
+            <p:ph type="sldNum" idx="12"/>
           </p:nvPr>
         </p:nvSpPr>
         <p:spPr>
@@ -10445,12 +10564,12 @@
           </a:prstGeom>
         </p:spPr>
         <p:txBody>
-          <a:bodyPr anchorCtr="0" anchor="ctr" bIns="0" lIns="0" spcFirstLastPara="1" rIns="0" wrap="square" tIns="0">
+          <a:bodyPr spcFirstLastPara="1" wrap="square" lIns="0" tIns="0" rIns="0" bIns="0" anchor="ctr" anchorCtr="0">
             <a:noAutofit/>
           </a:bodyPr>
           <a:lstStyle/>
           <a:p>
-            <a:pPr indent="0" lvl="0" marL="0" rtl="0" algn="r">
+            <a:pPr marL="0" lvl="0" indent="0" algn="r" rtl="0">
               <a:spcBef>
                 <a:spcPts val="0"/>
               </a:spcBef>
@@ -10461,7 +10580,7 @@
             </a:pPr>
             <a:fld id="{00000000-1234-1234-1234-123412341234}" type="slidenum">
               <a:rPr lang="en"/>
-              <a:t>‹#›</a:t>
+              <a:t>9</a:t>
             </a:fld>
             <a:endParaRPr/>
           </a:p>
@@ -10650,14 +10769,14 @@
             <a:avLst/>
           </a:prstGeom>
           <a:noFill/>
-          <a:ln cap="rnd" cmpd="sng" w="19050">
+          <a:ln w="19050" cap="rnd" cmpd="sng">
             <a:solidFill>
               <a:schemeClr val="accent3"/>
             </a:solidFill>
             <a:prstDash val="dash"/>
             <a:round/>
-            <a:headEnd len="med" w="med" type="none"/>
-            <a:tailEnd len="med" w="med" type="none"/>
+            <a:headEnd type="none" w="med" len="med"/>
+            <a:tailEnd type="none" w="med" len="med"/>
           </a:ln>
         </p:spPr>
       </p:cxnSp>
@@ -10676,14 +10795,14 @@
             <a:avLst/>
           </a:prstGeom>
           <a:noFill/>
-          <a:ln cap="rnd" cmpd="sng" w="19050">
+          <a:ln w="19050" cap="rnd" cmpd="sng">
             <a:solidFill>
               <a:schemeClr val="accent6"/>
             </a:solidFill>
             <a:prstDash val="dash"/>
             <a:round/>
-            <a:headEnd len="med" w="med" type="none"/>
-            <a:tailEnd len="med" w="med" type="none"/>
+            <a:headEnd type="none" w="med" len="med"/>
+            <a:tailEnd type="none" w="med" len="med"/>
           </a:ln>
         </p:spPr>
       </p:cxnSp>
@@ -10730,14 +10849,14 @@
             <a:avLst/>
           </a:prstGeom>
           <a:noFill/>
-          <a:ln cap="rnd" cmpd="sng" w="19050">
+          <a:ln w="19050" cap="rnd" cmpd="sng">
             <a:solidFill>
               <a:schemeClr val="accent3"/>
             </a:solidFill>
             <a:prstDash val="dash"/>
             <a:round/>
-            <a:headEnd len="med" w="med" type="none"/>
-            <a:tailEnd len="med" w="med" type="none"/>
+            <a:headEnd type="none" w="med" len="med"/>
+            <a:tailEnd type="none" w="med" len="med"/>
           </a:ln>
         </p:spPr>
       </p:cxnSp>
@@ -10756,14 +10875,14 @@
             <a:avLst/>
           </a:prstGeom>
           <a:noFill/>
-          <a:ln cap="rnd" cmpd="sng" w="19050">
+          <a:ln w="19050" cap="rnd" cmpd="sng">
             <a:solidFill>
               <a:schemeClr val="accent1"/>
             </a:solidFill>
             <a:prstDash val="dash"/>
             <a:round/>
-            <a:headEnd len="med" w="med" type="none"/>
-            <a:tailEnd len="med" w="med" type="none"/>
+            <a:headEnd type="none" w="med" len="med"/>
+            <a:tailEnd type="none" w="med" len="med"/>
           </a:ln>
         </p:spPr>
       </p:cxnSp>
@@ -10864,8 +10983,8 @@
           </a:xfrm>
           <a:prstGeom prst="upDownArrow">
             <a:avLst>
-              <a:gd fmla="val 50000" name="adj1"/>
-              <a:gd fmla="val 50000" name="adj2"/>
+              <a:gd name="adj1" fmla="val 50000"/>
+              <a:gd name="adj2" fmla="val 50000"/>
             </a:avLst>
           </a:prstGeom>
           <a:gradFill>
@@ -10886,12 +11005,12 @@
           </a:ln>
         </p:spPr>
         <p:txBody>
-          <a:bodyPr anchorCtr="0" anchor="ctr" bIns="91425" lIns="91425" spcFirstLastPara="1" rIns="91425" wrap="square" tIns="91425">
+          <a:bodyPr spcFirstLastPara="1" wrap="square" lIns="91425" tIns="91425" rIns="91425" bIns="91425" anchor="ctr" anchorCtr="0">
             <a:noAutofit/>
           </a:bodyPr>
           <a:lstStyle/>
           <a:p>
-            <a:pPr indent="0" lvl="0" marL="0" rtl="0" algn="l">
+            <a:pPr marL="0" lvl="0" indent="0" algn="l" rtl="0">
               <a:spcBef>
                 <a:spcPts val="0"/>
               </a:spcBef>
@@ -10900,9 +11019,6 @@
               </a:spcAft>
               <a:buNone/>
             </a:pPr>
-            <a:r>
-              <a:t/>
-            </a:r>
             <a:endParaRPr/>
           </a:p>
         </p:txBody>
@@ -10944,7 +11060,288 @@
 </file>
 
 <file path=ppt/theme/theme1.xml><?xml version="1.0" encoding="utf-8"?>
-<a:theme xmlns:a="http://schemas.openxmlformats.org/drawingml/2006/main" xmlns:r="http://schemas.openxmlformats.org/officeDocument/2006/relationships">
+<a:theme xmlns:a="http://schemas.openxmlformats.org/drawingml/2006/main" name="Aliena template">
+  <a:themeElements>
+    <a:clrScheme name="Custom 347">
+      <a:dk1>
+        <a:srgbClr val="050060"/>
+      </a:dk1>
+      <a:lt1>
+        <a:srgbClr val="FFFFFF"/>
+      </a:lt1>
+      <a:dk2>
+        <a:srgbClr val="585963"/>
+      </a:dk2>
+      <a:lt2>
+        <a:srgbClr val="F3F3F3"/>
+      </a:lt2>
+      <a:accent1>
+        <a:srgbClr val="0A2F9E"/>
+      </a:accent1>
+      <a:accent2>
+        <a:srgbClr val="3544FF"/>
+      </a:accent2>
+      <a:accent3>
+        <a:srgbClr val="24D6FF"/>
+      </a:accent3>
+      <a:accent4>
+        <a:srgbClr val="00FFFF"/>
+      </a:accent4>
+      <a:accent5>
+        <a:srgbClr val="A458FF"/>
+      </a:accent5>
+      <a:accent6>
+        <a:srgbClr val="D392FF"/>
+      </a:accent6>
+      <a:hlink>
+        <a:srgbClr val="FFFFFF"/>
+      </a:hlink>
+      <a:folHlink>
+        <a:srgbClr val="6611CC"/>
+      </a:folHlink>
+    </a:clrScheme>
+    <a:fontScheme name="Office">
+      <a:majorFont>
+        <a:latin typeface="Arial"/>
+        <a:ea typeface=""/>
+        <a:cs typeface=""/>
+        <a:font script="Jpan" typeface="ＭＳ Ｐゴシック"/>
+        <a:font script="Hang" typeface="맑은 고딕"/>
+        <a:font script="Hans" typeface="宋体"/>
+        <a:font script="Hant" typeface="新細明體"/>
+        <a:font script="Arab" typeface="Times New Roman"/>
+        <a:font script="Hebr" typeface="Times New Roman"/>
+        <a:font script="Thai" typeface="Angsana New"/>
+        <a:font script="Ethi" typeface="Nyala"/>
+        <a:font script="Beng" typeface="Vrinda"/>
+        <a:font script="Gujr" typeface="Shruti"/>
+        <a:font script="Khmr" typeface="MoolBoran"/>
+        <a:font script="Knda" typeface="Tunga"/>
+        <a:font script="Guru" typeface="Raavi"/>
+        <a:font script="Cans" typeface="Euphemia"/>
+        <a:font script="Cher" typeface="Plantagenet Cherokee"/>
+        <a:font script="Yiii" typeface="Microsoft Yi Baiti"/>
+        <a:font script="Tibt" typeface="Microsoft Himalaya"/>
+        <a:font script="Thaa" typeface="MV Boli"/>
+        <a:font script="Deva" typeface="Mangal"/>
+        <a:font script="Telu" typeface="Gautami"/>
+        <a:font script="Taml" typeface="Latha"/>
+        <a:font script="Syrc" typeface="Estrangelo Edessa"/>
+        <a:font script="Orya" typeface="Kalinga"/>
+        <a:font script="Mlym" typeface="Kartika"/>
+        <a:font script="Laoo" typeface="DokChampa"/>
+        <a:font script="Sinh" typeface="Iskoola Pota"/>
+        <a:font script="Mong" typeface="Mongolian Baiti"/>
+        <a:font script="Viet" typeface="Times New Roman"/>
+        <a:font script="Uigh" typeface="Microsoft Uighur"/>
+        <a:font script="Geor" typeface="Sylfaen"/>
+      </a:majorFont>
+      <a:minorFont>
+        <a:latin typeface="Arial"/>
+        <a:ea typeface=""/>
+        <a:cs typeface=""/>
+        <a:font script="Jpan" typeface="ＭＳ Ｐゴシック"/>
+        <a:font script="Hang" typeface="맑은 고딕"/>
+        <a:font script="Hans" typeface="宋体"/>
+        <a:font script="Hant" typeface="新細明體"/>
+        <a:font script="Arab" typeface="Arial"/>
+        <a:font script="Hebr" typeface="Arial"/>
+        <a:font script="Thai" typeface="Cordia New"/>
+        <a:font script="Ethi" typeface="Nyala"/>
+        <a:font script="Beng" typeface="Vrinda"/>
+        <a:font script="Gujr" typeface="Shruti"/>
+        <a:font script="Khmr" typeface="DaunPenh"/>
+        <a:font script="Knda" typeface="Tunga"/>
+        <a:font script="Guru" typeface="Raavi"/>
+        <a:font script="Cans" typeface="Euphemia"/>
+        <a:font script="Cher" typeface="Plantagenet Cherokee"/>
+        <a:font script="Yiii" typeface="Microsoft Yi Baiti"/>
+        <a:font script="Tibt" typeface="Microsoft Himalaya"/>
+        <a:font script="Thaa" typeface="MV Boli"/>
+        <a:font script="Deva" typeface="Mangal"/>
+        <a:font script="Telu" typeface="Gautami"/>
+        <a:font script="Taml" typeface="Latha"/>
+        <a:font script="Syrc" typeface="Estrangelo Edessa"/>
+        <a:font script="Orya" typeface="Kalinga"/>
+        <a:font script="Mlym" typeface="Kartika"/>
+        <a:font script="Laoo" typeface="DokChampa"/>
+        <a:font script="Sinh" typeface="Iskoola Pota"/>
+        <a:font script="Mong" typeface="Mongolian Baiti"/>
+        <a:font script="Viet" typeface="Arial"/>
+        <a:font script="Uigh" typeface="Microsoft Uighur"/>
+        <a:font script="Geor" typeface="Sylfaen"/>
+      </a:minorFont>
+    </a:fontScheme>
+    <a:fmtScheme name="Office">
+      <a:fillStyleLst>
+        <a:solidFill>
+          <a:schemeClr val="phClr"/>
+        </a:solidFill>
+        <a:gradFill rotWithShape="1">
+          <a:gsLst>
+            <a:gs pos="0">
+              <a:schemeClr val="phClr">
+                <a:tint val="50000"/>
+                <a:satMod val="300000"/>
+              </a:schemeClr>
+            </a:gs>
+            <a:gs pos="35000">
+              <a:schemeClr val="phClr">
+                <a:tint val="37000"/>
+                <a:satMod val="300000"/>
+              </a:schemeClr>
+            </a:gs>
+            <a:gs pos="100000">
+              <a:schemeClr val="phClr">
+                <a:tint val="15000"/>
+                <a:satMod val="350000"/>
+              </a:schemeClr>
+            </a:gs>
+          </a:gsLst>
+          <a:lin ang="16200000" scaled="1"/>
+        </a:gradFill>
+        <a:gradFill rotWithShape="1">
+          <a:gsLst>
+            <a:gs pos="0">
+              <a:schemeClr val="phClr">
+                <a:tint val="100000"/>
+                <a:shade val="100000"/>
+                <a:satMod val="130000"/>
+              </a:schemeClr>
+            </a:gs>
+            <a:gs pos="100000">
+              <a:schemeClr val="phClr">
+                <a:tint val="50000"/>
+                <a:shade val="100000"/>
+                <a:satMod val="350000"/>
+              </a:schemeClr>
+            </a:gs>
+          </a:gsLst>
+          <a:lin ang="16200000" scaled="0"/>
+        </a:gradFill>
+      </a:fillStyleLst>
+      <a:lnStyleLst>
+        <a:ln w="9525" cap="flat" cmpd="sng" algn="ctr">
+          <a:solidFill>
+            <a:schemeClr val="phClr">
+              <a:shade val="95000"/>
+              <a:satMod val="105000"/>
+            </a:schemeClr>
+          </a:solidFill>
+          <a:prstDash val="solid"/>
+        </a:ln>
+        <a:ln w="25400" cap="flat" cmpd="sng" algn="ctr">
+          <a:solidFill>
+            <a:schemeClr val="phClr"/>
+          </a:solidFill>
+          <a:prstDash val="solid"/>
+        </a:ln>
+        <a:ln w="38100" cap="flat" cmpd="sng" algn="ctr">
+          <a:solidFill>
+            <a:schemeClr val="phClr"/>
+          </a:solidFill>
+          <a:prstDash val="solid"/>
+        </a:ln>
+      </a:lnStyleLst>
+      <a:effectStyleLst>
+        <a:effectStyle>
+          <a:effectLst>
+            <a:outerShdw blurRad="40000" dist="20000" dir="5400000" rotWithShape="0">
+              <a:srgbClr val="000000">
+                <a:alpha val="38000"/>
+              </a:srgbClr>
+            </a:outerShdw>
+          </a:effectLst>
+        </a:effectStyle>
+        <a:effectStyle>
+          <a:effectLst>
+            <a:outerShdw blurRad="40000" dist="23000" dir="5400000" rotWithShape="0">
+              <a:srgbClr val="000000">
+                <a:alpha val="35000"/>
+              </a:srgbClr>
+            </a:outerShdw>
+          </a:effectLst>
+        </a:effectStyle>
+        <a:effectStyle>
+          <a:effectLst>
+            <a:outerShdw blurRad="40000" dist="23000" dir="5400000" rotWithShape="0">
+              <a:srgbClr val="000000">
+                <a:alpha val="35000"/>
+              </a:srgbClr>
+            </a:outerShdw>
+          </a:effectLst>
+          <a:scene3d>
+            <a:camera prst="orthographicFront">
+              <a:rot lat="0" lon="0" rev="0"/>
+            </a:camera>
+            <a:lightRig rig="threePt" dir="t">
+              <a:rot lat="0" lon="0" rev="1200000"/>
+            </a:lightRig>
+          </a:scene3d>
+          <a:sp3d>
+            <a:bevelT w="63500" h="25400"/>
+          </a:sp3d>
+        </a:effectStyle>
+      </a:effectStyleLst>
+      <a:bgFillStyleLst>
+        <a:solidFill>
+          <a:schemeClr val="phClr"/>
+        </a:solidFill>
+        <a:gradFill rotWithShape="1">
+          <a:gsLst>
+            <a:gs pos="0">
+              <a:schemeClr val="phClr">
+                <a:tint val="40000"/>
+                <a:satMod val="350000"/>
+              </a:schemeClr>
+            </a:gs>
+            <a:gs pos="40000">
+              <a:schemeClr val="phClr">
+                <a:tint val="45000"/>
+                <a:shade val="99000"/>
+                <a:satMod val="350000"/>
+              </a:schemeClr>
+            </a:gs>
+            <a:gs pos="100000">
+              <a:schemeClr val="phClr">
+                <a:shade val="20000"/>
+                <a:satMod val="255000"/>
+              </a:schemeClr>
+            </a:gs>
+          </a:gsLst>
+          <a:path path="circle">
+            <a:fillToRect l="50000" t="-80000" r="50000" b="180000"/>
+          </a:path>
+        </a:gradFill>
+        <a:gradFill rotWithShape="1">
+          <a:gsLst>
+            <a:gs pos="0">
+              <a:schemeClr val="phClr">
+                <a:tint val="80000"/>
+                <a:satMod val="300000"/>
+              </a:schemeClr>
+            </a:gs>
+            <a:gs pos="100000">
+              <a:schemeClr val="phClr">
+                <a:shade val="30000"/>
+                <a:satMod val="200000"/>
+              </a:schemeClr>
+            </a:gs>
+          </a:gsLst>
+          <a:path path="circle">
+            <a:fillToRect l="50000" t="50000" r="50000" b="50000"/>
+          </a:path>
+        </a:gradFill>
+      </a:bgFillStyleLst>
+    </a:fmtScheme>
+  </a:themeElements>
+  <a:objectDefaults/>
+  <a:extraClrSchemeLst/>
+</a:theme>
+</file>
+
+<file path=ppt/theme/theme2.xml><?xml version="1.0" encoding="utf-8"?>
+<a:theme xmlns:a="http://schemas.openxmlformats.org/drawingml/2006/main">
   <a:themeElements>
     <a:clrScheme name="Default">
       <a:dk1>
@@ -11219,284 +11616,7 @@
       </a:bgFillStyleLst>
     </a:fmtScheme>
   </a:themeElements>
-</a:theme>
-</file>
-
-<file path=ppt/theme/theme2.xml><?xml version="1.0" encoding="utf-8"?>
-<a:theme xmlns:a="http://schemas.openxmlformats.org/drawingml/2006/main" xmlns:r="http://schemas.openxmlformats.org/officeDocument/2006/relationships" name="Aliena template">
-  <a:themeElements>
-    <a:clrScheme name="Custom 347">
-      <a:dk1>
-        <a:srgbClr val="050060"/>
-      </a:dk1>
-      <a:lt1>
-        <a:srgbClr val="FFFFFF"/>
-      </a:lt1>
-      <a:dk2>
-        <a:srgbClr val="585963"/>
-      </a:dk2>
-      <a:lt2>
-        <a:srgbClr val="F3F3F3"/>
-      </a:lt2>
-      <a:accent1>
-        <a:srgbClr val="0A2F9E"/>
-      </a:accent1>
-      <a:accent2>
-        <a:srgbClr val="3544FF"/>
-      </a:accent2>
-      <a:accent3>
-        <a:srgbClr val="24D6FF"/>
-      </a:accent3>
-      <a:accent4>
-        <a:srgbClr val="00FFFF"/>
-      </a:accent4>
-      <a:accent5>
-        <a:srgbClr val="A458FF"/>
-      </a:accent5>
-      <a:accent6>
-        <a:srgbClr val="D392FF"/>
-      </a:accent6>
-      <a:hlink>
-        <a:srgbClr val="FFFFFF"/>
-      </a:hlink>
-      <a:folHlink>
-        <a:srgbClr val="6611CC"/>
-      </a:folHlink>
-    </a:clrScheme>
-    <a:fontScheme name="Office">
-      <a:majorFont>
-        <a:latin typeface="Arial"/>
-        <a:ea typeface=""/>
-        <a:cs typeface=""/>
-        <a:font script="Jpan" typeface="ＭＳ Ｐゴシック"/>
-        <a:font script="Hang" typeface="맑은 고딕"/>
-        <a:font script="Hans" typeface="宋体"/>
-        <a:font script="Hant" typeface="新細明體"/>
-        <a:font script="Arab" typeface="Times New Roman"/>
-        <a:font script="Hebr" typeface="Times New Roman"/>
-        <a:font script="Thai" typeface="Angsana New"/>
-        <a:font script="Ethi" typeface="Nyala"/>
-        <a:font script="Beng" typeface="Vrinda"/>
-        <a:font script="Gujr" typeface="Shruti"/>
-        <a:font script="Khmr" typeface="MoolBoran"/>
-        <a:font script="Knda" typeface="Tunga"/>
-        <a:font script="Guru" typeface="Raavi"/>
-        <a:font script="Cans" typeface="Euphemia"/>
-        <a:font script="Cher" typeface="Plantagenet Cherokee"/>
-        <a:font script="Yiii" typeface="Microsoft Yi Baiti"/>
-        <a:font script="Tibt" typeface="Microsoft Himalaya"/>
-        <a:font script="Thaa" typeface="MV Boli"/>
-        <a:font script="Deva" typeface="Mangal"/>
-        <a:font script="Telu" typeface="Gautami"/>
-        <a:font script="Taml" typeface="Latha"/>
-        <a:font script="Syrc" typeface="Estrangelo Edessa"/>
-        <a:font script="Orya" typeface="Kalinga"/>
-        <a:font script="Mlym" typeface="Kartika"/>
-        <a:font script="Laoo" typeface="DokChampa"/>
-        <a:font script="Sinh" typeface="Iskoola Pota"/>
-        <a:font script="Mong" typeface="Mongolian Baiti"/>
-        <a:font script="Viet" typeface="Times New Roman"/>
-        <a:font script="Uigh" typeface="Microsoft Uighur"/>
-        <a:font script="Geor" typeface="Sylfaen"/>
-      </a:majorFont>
-      <a:minorFont>
-        <a:latin typeface="Arial"/>
-        <a:ea typeface=""/>
-        <a:cs typeface=""/>
-        <a:font script="Jpan" typeface="ＭＳ Ｐゴシック"/>
-        <a:font script="Hang" typeface="맑은 고딕"/>
-        <a:font script="Hans" typeface="宋体"/>
-        <a:font script="Hant" typeface="新細明體"/>
-        <a:font script="Arab" typeface="Arial"/>
-        <a:font script="Hebr" typeface="Arial"/>
-        <a:font script="Thai" typeface="Cordia New"/>
-        <a:font script="Ethi" typeface="Nyala"/>
-        <a:font script="Beng" typeface="Vrinda"/>
-        <a:font script="Gujr" typeface="Shruti"/>
-        <a:font script="Khmr" typeface="DaunPenh"/>
-        <a:font script="Knda" typeface="Tunga"/>
-        <a:font script="Guru" typeface="Raavi"/>
-        <a:font script="Cans" typeface="Euphemia"/>
-        <a:font script="Cher" typeface="Plantagenet Cherokee"/>
-        <a:font script="Yiii" typeface="Microsoft Yi Baiti"/>
-        <a:font script="Tibt" typeface="Microsoft Himalaya"/>
-        <a:font script="Thaa" typeface="MV Boli"/>
-        <a:font script="Deva" typeface="Mangal"/>
-        <a:font script="Telu" typeface="Gautami"/>
-        <a:font script="Taml" typeface="Latha"/>
-        <a:font script="Syrc" typeface="Estrangelo Edessa"/>
-        <a:font script="Orya" typeface="Kalinga"/>
-        <a:font script="Mlym" typeface="Kartika"/>
-        <a:font script="Laoo" typeface="DokChampa"/>
-        <a:font script="Sinh" typeface="Iskoola Pota"/>
-        <a:font script="Mong" typeface="Mongolian Baiti"/>
-        <a:font script="Viet" typeface="Arial"/>
-        <a:font script="Uigh" typeface="Microsoft Uighur"/>
-        <a:font script="Geor" typeface="Sylfaen"/>
-      </a:minorFont>
-    </a:fontScheme>
-    <a:fmtScheme name="Office">
-      <a:fillStyleLst>
-        <a:solidFill>
-          <a:schemeClr val="phClr"/>
-        </a:solidFill>
-        <a:gradFill rotWithShape="1">
-          <a:gsLst>
-            <a:gs pos="0">
-              <a:schemeClr val="phClr">
-                <a:tint val="50000"/>
-                <a:satMod val="300000"/>
-              </a:schemeClr>
-            </a:gs>
-            <a:gs pos="35000">
-              <a:schemeClr val="phClr">
-                <a:tint val="37000"/>
-                <a:satMod val="300000"/>
-              </a:schemeClr>
-            </a:gs>
-            <a:gs pos="100000">
-              <a:schemeClr val="phClr">
-                <a:tint val="15000"/>
-                <a:satMod val="350000"/>
-              </a:schemeClr>
-            </a:gs>
-          </a:gsLst>
-          <a:lin ang="16200000" scaled="1"/>
-        </a:gradFill>
-        <a:gradFill rotWithShape="1">
-          <a:gsLst>
-            <a:gs pos="0">
-              <a:schemeClr val="phClr">
-                <a:tint val="100000"/>
-                <a:shade val="100000"/>
-                <a:satMod val="130000"/>
-              </a:schemeClr>
-            </a:gs>
-            <a:gs pos="100000">
-              <a:schemeClr val="phClr">
-                <a:tint val="50000"/>
-                <a:shade val="100000"/>
-                <a:satMod val="350000"/>
-              </a:schemeClr>
-            </a:gs>
-          </a:gsLst>
-          <a:lin ang="16200000" scaled="0"/>
-        </a:gradFill>
-      </a:fillStyleLst>
-      <a:lnStyleLst>
-        <a:ln w="9525" cap="flat" cmpd="sng" algn="ctr">
-          <a:solidFill>
-            <a:schemeClr val="phClr">
-              <a:shade val="95000"/>
-              <a:satMod val="105000"/>
-            </a:schemeClr>
-          </a:solidFill>
-          <a:prstDash val="solid"/>
-        </a:ln>
-        <a:ln w="25400" cap="flat" cmpd="sng" algn="ctr">
-          <a:solidFill>
-            <a:schemeClr val="phClr"/>
-          </a:solidFill>
-          <a:prstDash val="solid"/>
-        </a:ln>
-        <a:ln w="38100" cap="flat" cmpd="sng" algn="ctr">
-          <a:solidFill>
-            <a:schemeClr val="phClr"/>
-          </a:solidFill>
-          <a:prstDash val="solid"/>
-        </a:ln>
-      </a:lnStyleLst>
-      <a:effectStyleLst>
-        <a:effectStyle>
-          <a:effectLst>
-            <a:outerShdw blurRad="40000" dist="20000" dir="5400000" rotWithShape="0">
-              <a:srgbClr val="000000">
-                <a:alpha val="38000"/>
-              </a:srgbClr>
-            </a:outerShdw>
-          </a:effectLst>
-        </a:effectStyle>
-        <a:effectStyle>
-          <a:effectLst>
-            <a:outerShdw blurRad="40000" dist="23000" dir="5400000" rotWithShape="0">
-              <a:srgbClr val="000000">
-                <a:alpha val="35000"/>
-              </a:srgbClr>
-            </a:outerShdw>
-          </a:effectLst>
-        </a:effectStyle>
-        <a:effectStyle>
-          <a:effectLst>
-            <a:outerShdw blurRad="40000" dist="23000" dir="5400000" rotWithShape="0">
-              <a:srgbClr val="000000">
-                <a:alpha val="35000"/>
-              </a:srgbClr>
-            </a:outerShdw>
-          </a:effectLst>
-          <a:scene3d>
-            <a:camera prst="orthographicFront">
-              <a:rot lat="0" lon="0" rev="0"/>
-            </a:camera>
-            <a:lightRig rig="threePt" dir="t">
-              <a:rot lat="0" lon="0" rev="1200000"/>
-            </a:lightRig>
-          </a:scene3d>
-          <a:sp3d>
-            <a:bevelT w="63500" h="25400"/>
-          </a:sp3d>
-        </a:effectStyle>
-      </a:effectStyleLst>
-      <a:bgFillStyleLst>
-        <a:solidFill>
-          <a:schemeClr val="phClr"/>
-        </a:solidFill>
-        <a:gradFill rotWithShape="1">
-          <a:gsLst>
-            <a:gs pos="0">
-              <a:schemeClr val="phClr">
-                <a:tint val="40000"/>
-                <a:satMod val="350000"/>
-              </a:schemeClr>
-            </a:gs>
-            <a:gs pos="40000">
-              <a:schemeClr val="phClr">
-                <a:tint val="45000"/>
-                <a:shade val="99000"/>
-                <a:satMod val="350000"/>
-              </a:schemeClr>
-            </a:gs>
-            <a:gs pos="100000">
-              <a:schemeClr val="phClr">
-                <a:shade val="20000"/>
-                <a:satMod val="255000"/>
-              </a:schemeClr>
-            </a:gs>
-          </a:gsLst>
-          <a:path path="circle">
-            <a:fillToRect l="50000" t="-80000" r="50000" b="180000"/>
-          </a:path>
-        </a:gradFill>
-        <a:gradFill rotWithShape="1">
-          <a:gsLst>
-            <a:gs pos="0">
-              <a:schemeClr val="phClr">
-                <a:tint val="80000"/>
-                <a:satMod val="300000"/>
-              </a:schemeClr>
-            </a:gs>
-            <a:gs pos="100000">
-              <a:schemeClr val="phClr">
-                <a:shade val="30000"/>
-                <a:satMod val="200000"/>
-              </a:schemeClr>
-            </a:gs>
-          </a:gsLst>
-          <a:path path="circle">
-            <a:fillToRect l="50000" t="50000" r="50000" b="50000"/>
-          </a:path>
-        </a:gradFill>
-      </a:bgFillStyleLst>
-    </a:fmtScheme>
-  </a:themeElements>
+  <a:objectDefaults/>
+  <a:extraClrSchemeLst/>
 </a:theme>
 </file>